--- a/doc/答辩.pptx
+++ b/doc/答辩.pptx
@@ -8,14 +8,16 @@
     <p:sldId id="256" r:id="rId2"/>
     <p:sldId id="257" r:id="rId3"/>
     <p:sldId id="258" r:id="rId4"/>
-    <p:sldId id="261" r:id="rId5"/>
-    <p:sldId id="262" r:id="rId6"/>
-    <p:sldId id="263" r:id="rId7"/>
-    <p:sldId id="266" r:id="rId8"/>
-    <p:sldId id="264" r:id="rId9"/>
-    <p:sldId id="265" r:id="rId10"/>
-    <p:sldId id="267" r:id="rId11"/>
-    <p:sldId id="268" r:id="rId12"/>
+    <p:sldId id="270" r:id="rId5"/>
+    <p:sldId id="261" r:id="rId6"/>
+    <p:sldId id="262" r:id="rId7"/>
+    <p:sldId id="263" r:id="rId8"/>
+    <p:sldId id="266" r:id="rId9"/>
+    <p:sldId id="269" r:id="rId10"/>
+    <p:sldId id="264" r:id="rId11"/>
+    <p:sldId id="265" r:id="rId12"/>
+    <p:sldId id="267" r:id="rId13"/>
+    <p:sldId id="268" r:id="rId14"/>
   </p:sldIdLst>
   <p:sldSz cx="12192000" cy="6858000"/>
   <p:notesSz cx="6858000" cy="9144000"/>
@@ -120,6 +122,4203 @@
     </p:ext>
   </p:extLst>
 </p:presentation>
+</file>
+
+<file path=ppt/diagrams/colors1.xml><?xml version="1.0" encoding="utf-8"?>
+<dgm:colorsDef xmlns:dgm="http://schemas.openxmlformats.org/drawingml/2006/diagram" xmlns:a="http://schemas.openxmlformats.org/drawingml/2006/main" uniqueId="urn:microsoft.com/office/officeart/2005/8/colors/accent1_2">
+  <dgm:title val=""/>
+  <dgm:desc val=""/>
+  <dgm:catLst>
+    <dgm:cat type="accent1" pri="11200"/>
+  </dgm:catLst>
+  <dgm:styleLbl name="node0">
+    <dgm:fillClrLst meth="repeat">
+      <a:schemeClr val="accent1"/>
+    </dgm:fillClrLst>
+    <dgm:linClrLst meth="repeat">
+      <a:schemeClr val="lt1"/>
+    </dgm:linClrLst>
+    <dgm:effectClrLst/>
+    <dgm:txLinClrLst/>
+    <dgm:txFillClrLst/>
+    <dgm:txEffectClrLst/>
+  </dgm:styleLbl>
+  <dgm:styleLbl name="alignNode1">
+    <dgm:fillClrLst meth="repeat">
+      <a:schemeClr val="accent1"/>
+    </dgm:fillClrLst>
+    <dgm:linClrLst meth="repeat">
+      <a:schemeClr val="accent1"/>
+    </dgm:linClrLst>
+    <dgm:effectClrLst/>
+    <dgm:txLinClrLst/>
+    <dgm:txFillClrLst/>
+    <dgm:txEffectClrLst/>
+  </dgm:styleLbl>
+  <dgm:styleLbl name="node1">
+    <dgm:fillClrLst meth="repeat">
+      <a:schemeClr val="accent1"/>
+    </dgm:fillClrLst>
+    <dgm:linClrLst meth="repeat">
+      <a:schemeClr val="lt1"/>
+    </dgm:linClrLst>
+    <dgm:effectClrLst/>
+    <dgm:txLinClrLst/>
+    <dgm:txFillClrLst/>
+    <dgm:txEffectClrLst/>
+  </dgm:styleLbl>
+  <dgm:styleLbl name="lnNode1">
+    <dgm:fillClrLst meth="repeat">
+      <a:schemeClr val="accent1"/>
+    </dgm:fillClrLst>
+    <dgm:linClrLst meth="repeat">
+      <a:schemeClr val="lt1"/>
+    </dgm:linClrLst>
+    <dgm:effectClrLst/>
+    <dgm:txLinClrLst/>
+    <dgm:txFillClrLst/>
+    <dgm:txEffectClrLst/>
+  </dgm:styleLbl>
+  <dgm:styleLbl name="vennNode1">
+    <dgm:fillClrLst meth="repeat">
+      <a:schemeClr val="accent1">
+        <a:alpha val="50000"/>
+      </a:schemeClr>
+    </dgm:fillClrLst>
+    <dgm:linClrLst meth="repeat">
+      <a:schemeClr val="lt1"/>
+    </dgm:linClrLst>
+    <dgm:effectClrLst/>
+    <dgm:txLinClrLst/>
+    <dgm:txFillClrLst/>
+    <dgm:txEffectClrLst/>
+  </dgm:styleLbl>
+  <dgm:styleLbl name="node2">
+    <dgm:fillClrLst meth="repeat">
+      <a:schemeClr val="accent1"/>
+    </dgm:fillClrLst>
+    <dgm:linClrLst meth="repeat">
+      <a:schemeClr val="lt1"/>
+    </dgm:linClrLst>
+    <dgm:effectClrLst/>
+    <dgm:txLinClrLst/>
+    <dgm:txFillClrLst/>
+    <dgm:txEffectClrLst/>
+  </dgm:styleLbl>
+  <dgm:styleLbl name="node3">
+    <dgm:fillClrLst meth="repeat">
+      <a:schemeClr val="accent1"/>
+    </dgm:fillClrLst>
+    <dgm:linClrLst meth="repeat">
+      <a:schemeClr val="lt1"/>
+    </dgm:linClrLst>
+    <dgm:effectClrLst/>
+    <dgm:txLinClrLst/>
+    <dgm:txFillClrLst/>
+    <dgm:txEffectClrLst/>
+  </dgm:styleLbl>
+  <dgm:styleLbl name="node4">
+    <dgm:fillClrLst meth="repeat">
+      <a:schemeClr val="accent1"/>
+    </dgm:fillClrLst>
+    <dgm:linClrLst meth="repeat">
+      <a:schemeClr val="lt1"/>
+    </dgm:linClrLst>
+    <dgm:effectClrLst/>
+    <dgm:txLinClrLst/>
+    <dgm:txFillClrLst/>
+    <dgm:txEffectClrLst/>
+  </dgm:styleLbl>
+  <dgm:styleLbl name="fgImgPlace1">
+    <dgm:fillClrLst meth="repeat">
+      <a:schemeClr val="accent1">
+        <a:tint val="50000"/>
+      </a:schemeClr>
+    </dgm:fillClrLst>
+    <dgm:linClrLst meth="repeat">
+      <a:schemeClr val="lt1"/>
+    </dgm:linClrLst>
+    <dgm:effectClrLst/>
+    <dgm:txLinClrLst/>
+    <dgm:txFillClrLst meth="repeat">
+      <a:schemeClr val="lt1"/>
+    </dgm:txFillClrLst>
+    <dgm:txEffectClrLst/>
+  </dgm:styleLbl>
+  <dgm:styleLbl name="alignImgPlace1">
+    <dgm:fillClrLst meth="repeat">
+      <a:schemeClr val="accent1">
+        <a:tint val="50000"/>
+      </a:schemeClr>
+    </dgm:fillClrLst>
+    <dgm:linClrLst meth="repeat">
+      <a:schemeClr val="lt1"/>
+    </dgm:linClrLst>
+    <dgm:effectClrLst/>
+    <dgm:txLinClrLst/>
+    <dgm:txFillClrLst meth="repeat">
+      <a:schemeClr val="lt1"/>
+    </dgm:txFillClrLst>
+    <dgm:txEffectClrLst/>
+  </dgm:styleLbl>
+  <dgm:styleLbl name="bgImgPlace1">
+    <dgm:fillClrLst meth="repeat">
+      <a:schemeClr val="accent1">
+        <a:tint val="50000"/>
+      </a:schemeClr>
+    </dgm:fillClrLst>
+    <dgm:linClrLst meth="repeat">
+      <a:schemeClr val="lt1"/>
+    </dgm:linClrLst>
+    <dgm:effectClrLst/>
+    <dgm:txLinClrLst/>
+    <dgm:txFillClrLst meth="repeat">
+      <a:schemeClr val="lt1"/>
+    </dgm:txFillClrLst>
+    <dgm:txEffectClrLst/>
+  </dgm:styleLbl>
+  <dgm:styleLbl name="sibTrans2D1">
+    <dgm:fillClrLst meth="repeat">
+      <a:schemeClr val="accent1">
+        <a:tint val="60000"/>
+      </a:schemeClr>
+    </dgm:fillClrLst>
+    <dgm:linClrLst meth="repeat">
+      <a:schemeClr val="accent1">
+        <a:tint val="60000"/>
+      </a:schemeClr>
+    </dgm:linClrLst>
+    <dgm:effectClrLst/>
+    <dgm:txLinClrLst/>
+    <dgm:txFillClrLst/>
+    <dgm:txEffectClrLst/>
+  </dgm:styleLbl>
+  <dgm:styleLbl name="fgSibTrans2D1">
+    <dgm:fillClrLst meth="repeat">
+      <a:schemeClr val="accent1">
+        <a:tint val="60000"/>
+      </a:schemeClr>
+    </dgm:fillClrLst>
+    <dgm:linClrLst meth="repeat">
+      <a:schemeClr val="accent1">
+        <a:tint val="60000"/>
+      </a:schemeClr>
+    </dgm:linClrLst>
+    <dgm:effectClrLst/>
+    <dgm:txLinClrLst/>
+    <dgm:txFillClrLst/>
+    <dgm:txEffectClrLst/>
+  </dgm:styleLbl>
+  <dgm:styleLbl name="bgSibTrans2D1">
+    <dgm:fillClrLst meth="repeat">
+      <a:schemeClr val="accent1">
+        <a:tint val="60000"/>
+      </a:schemeClr>
+    </dgm:fillClrLst>
+    <dgm:linClrLst meth="repeat">
+      <a:schemeClr val="accent1">
+        <a:tint val="60000"/>
+      </a:schemeClr>
+    </dgm:linClrLst>
+    <dgm:effectClrLst/>
+    <dgm:txLinClrLst/>
+    <dgm:txFillClrLst/>
+    <dgm:txEffectClrLst/>
+  </dgm:styleLbl>
+  <dgm:styleLbl name="sibTrans1D1">
+    <dgm:fillClrLst meth="repeat">
+      <a:schemeClr val="accent1"/>
+    </dgm:fillClrLst>
+    <dgm:linClrLst meth="repeat">
+      <a:schemeClr val="accent1"/>
+    </dgm:linClrLst>
+    <dgm:effectClrLst/>
+    <dgm:txLinClrLst/>
+    <dgm:txFillClrLst meth="repeat">
+      <a:schemeClr val="tx1"/>
+    </dgm:txFillClrLst>
+    <dgm:txEffectClrLst/>
+  </dgm:styleLbl>
+  <dgm:styleLbl name="callout">
+    <dgm:fillClrLst meth="repeat">
+      <a:schemeClr val="accent1"/>
+    </dgm:fillClrLst>
+    <dgm:linClrLst meth="repeat">
+      <a:schemeClr val="accent1">
+        <a:tint val="50000"/>
+      </a:schemeClr>
+    </dgm:linClrLst>
+    <dgm:effectClrLst/>
+    <dgm:txLinClrLst/>
+    <dgm:txFillClrLst meth="repeat">
+      <a:schemeClr val="tx1"/>
+    </dgm:txFillClrLst>
+    <dgm:txEffectClrLst/>
+  </dgm:styleLbl>
+  <dgm:styleLbl name="asst0">
+    <dgm:fillClrLst meth="repeat">
+      <a:schemeClr val="accent1"/>
+    </dgm:fillClrLst>
+    <dgm:linClrLst meth="repeat">
+      <a:schemeClr val="lt1"/>
+    </dgm:linClrLst>
+    <dgm:effectClrLst/>
+    <dgm:txLinClrLst/>
+    <dgm:txFillClrLst/>
+    <dgm:txEffectClrLst/>
+  </dgm:styleLbl>
+  <dgm:styleLbl name="asst1">
+    <dgm:fillClrLst meth="repeat">
+      <a:schemeClr val="accent1"/>
+    </dgm:fillClrLst>
+    <dgm:linClrLst meth="repeat">
+      <a:schemeClr val="lt1"/>
+    </dgm:linClrLst>
+    <dgm:effectClrLst/>
+    <dgm:txLinClrLst/>
+    <dgm:txFillClrLst/>
+    <dgm:txEffectClrLst/>
+  </dgm:styleLbl>
+  <dgm:styleLbl name="asst2">
+    <dgm:fillClrLst meth="repeat">
+      <a:schemeClr val="accent1"/>
+    </dgm:fillClrLst>
+    <dgm:linClrLst meth="repeat">
+      <a:schemeClr val="lt1"/>
+    </dgm:linClrLst>
+    <dgm:effectClrLst/>
+    <dgm:txLinClrLst/>
+    <dgm:txFillClrLst/>
+    <dgm:txEffectClrLst/>
+  </dgm:styleLbl>
+  <dgm:styleLbl name="asst3">
+    <dgm:fillClrLst meth="repeat">
+      <a:schemeClr val="accent1"/>
+    </dgm:fillClrLst>
+    <dgm:linClrLst meth="repeat">
+      <a:schemeClr val="lt1"/>
+    </dgm:linClrLst>
+    <dgm:effectClrLst/>
+    <dgm:txLinClrLst/>
+    <dgm:txFillClrLst/>
+    <dgm:txEffectClrLst/>
+  </dgm:styleLbl>
+  <dgm:styleLbl name="asst4">
+    <dgm:fillClrLst meth="repeat">
+      <a:schemeClr val="accent1"/>
+    </dgm:fillClrLst>
+    <dgm:linClrLst meth="repeat">
+      <a:schemeClr val="lt1"/>
+    </dgm:linClrLst>
+    <dgm:effectClrLst/>
+    <dgm:txLinClrLst/>
+    <dgm:txFillClrLst/>
+    <dgm:txEffectClrLst/>
+  </dgm:styleLbl>
+  <dgm:styleLbl name="parChTrans2D1">
+    <dgm:fillClrLst meth="repeat">
+      <a:schemeClr val="accent1">
+        <a:tint val="60000"/>
+      </a:schemeClr>
+    </dgm:fillClrLst>
+    <dgm:linClrLst meth="repeat">
+      <a:schemeClr val="accent1">
+        <a:tint val="60000"/>
+      </a:schemeClr>
+    </dgm:linClrLst>
+    <dgm:effectClrLst/>
+    <dgm:txLinClrLst/>
+    <dgm:txFillClrLst meth="repeat">
+      <a:schemeClr val="lt1"/>
+    </dgm:txFillClrLst>
+    <dgm:txEffectClrLst/>
+  </dgm:styleLbl>
+  <dgm:styleLbl name="parChTrans2D2">
+    <dgm:fillClrLst meth="repeat">
+      <a:schemeClr val="accent1"/>
+    </dgm:fillClrLst>
+    <dgm:linClrLst meth="repeat">
+      <a:schemeClr val="accent1"/>
+    </dgm:linClrLst>
+    <dgm:effectClrLst/>
+    <dgm:txLinClrLst/>
+    <dgm:txFillClrLst meth="repeat">
+      <a:schemeClr val="lt1"/>
+    </dgm:txFillClrLst>
+    <dgm:txEffectClrLst/>
+  </dgm:styleLbl>
+  <dgm:styleLbl name="parChTrans2D3">
+    <dgm:fillClrLst meth="repeat">
+      <a:schemeClr val="accent1"/>
+    </dgm:fillClrLst>
+    <dgm:linClrLst meth="repeat">
+      <a:schemeClr val="accent1"/>
+    </dgm:linClrLst>
+    <dgm:effectClrLst/>
+    <dgm:txLinClrLst/>
+    <dgm:txFillClrLst meth="repeat">
+      <a:schemeClr val="lt1"/>
+    </dgm:txFillClrLst>
+    <dgm:txEffectClrLst/>
+  </dgm:styleLbl>
+  <dgm:styleLbl name="parChTrans2D4">
+    <dgm:fillClrLst meth="repeat">
+      <a:schemeClr val="accent1"/>
+    </dgm:fillClrLst>
+    <dgm:linClrLst meth="repeat">
+      <a:schemeClr val="accent1"/>
+    </dgm:linClrLst>
+    <dgm:effectClrLst/>
+    <dgm:txLinClrLst/>
+    <dgm:txFillClrLst meth="repeat">
+      <a:schemeClr val="lt1"/>
+    </dgm:txFillClrLst>
+    <dgm:txEffectClrLst/>
+  </dgm:styleLbl>
+  <dgm:styleLbl name="parChTrans1D1">
+    <dgm:fillClrLst meth="repeat">
+      <a:schemeClr val="accent1"/>
+    </dgm:fillClrLst>
+    <dgm:linClrLst meth="repeat">
+      <a:schemeClr val="accent1">
+        <a:shade val="60000"/>
+      </a:schemeClr>
+    </dgm:linClrLst>
+    <dgm:effectClrLst/>
+    <dgm:txLinClrLst/>
+    <dgm:txFillClrLst meth="repeat">
+      <a:schemeClr val="tx1"/>
+    </dgm:txFillClrLst>
+    <dgm:txEffectClrLst/>
+  </dgm:styleLbl>
+  <dgm:styleLbl name="parChTrans1D2">
+    <dgm:fillClrLst meth="repeat">
+      <a:schemeClr val="accent1"/>
+    </dgm:fillClrLst>
+    <dgm:linClrLst meth="repeat">
+      <a:schemeClr val="accent1">
+        <a:shade val="60000"/>
+      </a:schemeClr>
+    </dgm:linClrLst>
+    <dgm:effectClrLst/>
+    <dgm:txLinClrLst/>
+    <dgm:txFillClrLst meth="repeat">
+      <a:schemeClr val="tx1"/>
+    </dgm:txFillClrLst>
+    <dgm:txEffectClrLst/>
+  </dgm:styleLbl>
+  <dgm:styleLbl name="parChTrans1D3">
+    <dgm:fillClrLst meth="repeat">
+      <a:schemeClr val="accent1"/>
+    </dgm:fillClrLst>
+    <dgm:linClrLst meth="repeat">
+      <a:schemeClr val="accent1">
+        <a:shade val="80000"/>
+      </a:schemeClr>
+    </dgm:linClrLst>
+    <dgm:effectClrLst/>
+    <dgm:txLinClrLst/>
+    <dgm:txFillClrLst meth="repeat">
+      <a:schemeClr val="tx1"/>
+    </dgm:txFillClrLst>
+    <dgm:txEffectClrLst/>
+  </dgm:styleLbl>
+  <dgm:styleLbl name="parChTrans1D4">
+    <dgm:fillClrLst meth="repeat">
+      <a:schemeClr val="accent1"/>
+    </dgm:fillClrLst>
+    <dgm:linClrLst meth="repeat">
+      <a:schemeClr val="accent1">
+        <a:shade val="80000"/>
+      </a:schemeClr>
+    </dgm:linClrLst>
+    <dgm:effectClrLst/>
+    <dgm:txLinClrLst/>
+    <dgm:txFillClrLst meth="repeat">
+      <a:schemeClr val="tx1"/>
+    </dgm:txFillClrLst>
+    <dgm:txEffectClrLst/>
+  </dgm:styleLbl>
+  <dgm:styleLbl name="fgAcc1">
+    <dgm:fillClrLst meth="repeat">
+      <a:schemeClr val="lt1">
+        <a:alpha val="90000"/>
+      </a:schemeClr>
+    </dgm:fillClrLst>
+    <dgm:linClrLst meth="repeat">
+      <a:schemeClr val="accent1"/>
+    </dgm:linClrLst>
+    <dgm:effectClrLst/>
+    <dgm:txLinClrLst/>
+    <dgm:txFillClrLst meth="repeat">
+      <a:schemeClr val="dk1"/>
+    </dgm:txFillClrLst>
+    <dgm:txEffectClrLst/>
+  </dgm:styleLbl>
+  <dgm:styleLbl name="conFgAcc1">
+    <dgm:fillClrLst meth="repeat">
+      <a:schemeClr val="lt1">
+        <a:alpha val="90000"/>
+      </a:schemeClr>
+    </dgm:fillClrLst>
+    <dgm:linClrLst meth="repeat">
+      <a:schemeClr val="accent1"/>
+    </dgm:linClrLst>
+    <dgm:effectClrLst/>
+    <dgm:txLinClrLst/>
+    <dgm:txFillClrLst meth="repeat">
+      <a:schemeClr val="dk1"/>
+    </dgm:txFillClrLst>
+    <dgm:txEffectClrLst/>
+  </dgm:styleLbl>
+  <dgm:styleLbl name="alignAcc1">
+    <dgm:fillClrLst meth="repeat">
+      <a:schemeClr val="lt1">
+        <a:alpha val="90000"/>
+      </a:schemeClr>
+    </dgm:fillClrLst>
+    <dgm:linClrLst meth="repeat">
+      <a:schemeClr val="accent1"/>
+    </dgm:linClrLst>
+    <dgm:effectClrLst/>
+    <dgm:txLinClrLst/>
+    <dgm:txFillClrLst meth="repeat">
+      <a:schemeClr val="dk1"/>
+    </dgm:txFillClrLst>
+    <dgm:txEffectClrLst/>
+  </dgm:styleLbl>
+  <dgm:styleLbl name="trAlignAcc1">
+    <dgm:fillClrLst meth="repeat">
+      <a:schemeClr val="lt1">
+        <a:alpha val="40000"/>
+      </a:schemeClr>
+    </dgm:fillClrLst>
+    <dgm:linClrLst meth="repeat">
+      <a:schemeClr val="accent1"/>
+    </dgm:linClrLst>
+    <dgm:effectClrLst/>
+    <dgm:txLinClrLst/>
+    <dgm:txFillClrLst meth="repeat">
+      <a:schemeClr val="dk1"/>
+    </dgm:txFillClrLst>
+    <dgm:txEffectClrLst/>
+  </dgm:styleLbl>
+  <dgm:styleLbl name="bgAcc1">
+    <dgm:fillClrLst meth="repeat">
+      <a:schemeClr val="lt1">
+        <a:alpha val="90000"/>
+      </a:schemeClr>
+    </dgm:fillClrLst>
+    <dgm:linClrLst meth="repeat">
+      <a:schemeClr val="accent1"/>
+    </dgm:linClrLst>
+    <dgm:effectClrLst/>
+    <dgm:txLinClrLst/>
+    <dgm:txFillClrLst meth="repeat">
+      <a:schemeClr val="dk1"/>
+    </dgm:txFillClrLst>
+    <dgm:txEffectClrLst/>
+  </dgm:styleLbl>
+  <dgm:styleLbl name="solidFgAcc1">
+    <dgm:fillClrLst meth="repeat">
+      <a:schemeClr val="lt1"/>
+    </dgm:fillClrLst>
+    <dgm:linClrLst meth="repeat">
+      <a:schemeClr val="accent1"/>
+    </dgm:linClrLst>
+    <dgm:effectClrLst/>
+    <dgm:txLinClrLst/>
+    <dgm:txFillClrLst meth="repeat">
+      <a:schemeClr val="dk1"/>
+    </dgm:txFillClrLst>
+    <dgm:txEffectClrLst/>
+  </dgm:styleLbl>
+  <dgm:styleLbl name="solidAlignAcc1">
+    <dgm:fillClrLst meth="repeat">
+      <a:schemeClr val="lt1"/>
+    </dgm:fillClrLst>
+    <dgm:linClrLst meth="repeat">
+      <a:schemeClr val="accent1"/>
+    </dgm:linClrLst>
+    <dgm:effectClrLst/>
+    <dgm:txLinClrLst/>
+    <dgm:txFillClrLst meth="repeat">
+      <a:schemeClr val="dk1"/>
+    </dgm:txFillClrLst>
+    <dgm:txEffectClrLst/>
+  </dgm:styleLbl>
+  <dgm:styleLbl name="solidBgAcc1">
+    <dgm:fillClrLst meth="repeat">
+      <a:schemeClr val="lt1"/>
+    </dgm:fillClrLst>
+    <dgm:linClrLst meth="repeat">
+      <a:schemeClr val="accent1"/>
+    </dgm:linClrLst>
+    <dgm:effectClrLst/>
+    <dgm:txLinClrLst/>
+    <dgm:txFillClrLst meth="repeat">
+      <a:schemeClr val="dk1"/>
+    </dgm:txFillClrLst>
+    <dgm:txEffectClrLst/>
+  </dgm:styleLbl>
+  <dgm:styleLbl name="fgAccFollowNode1">
+    <dgm:fillClrLst meth="repeat">
+      <a:schemeClr val="accent1">
+        <a:alpha val="90000"/>
+        <a:tint val="40000"/>
+      </a:schemeClr>
+    </dgm:fillClrLst>
+    <dgm:linClrLst meth="repeat">
+      <a:schemeClr val="accent1">
+        <a:alpha val="90000"/>
+        <a:tint val="40000"/>
+      </a:schemeClr>
+    </dgm:linClrLst>
+    <dgm:effectClrLst/>
+    <dgm:txLinClrLst/>
+    <dgm:txFillClrLst meth="repeat">
+      <a:schemeClr val="dk1"/>
+    </dgm:txFillClrLst>
+    <dgm:txEffectClrLst/>
+  </dgm:styleLbl>
+  <dgm:styleLbl name="alignAccFollowNode1">
+    <dgm:fillClrLst meth="repeat">
+      <a:schemeClr val="accent1">
+        <a:alpha val="90000"/>
+        <a:tint val="40000"/>
+      </a:schemeClr>
+    </dgm:fillClrLst>
+    <dgm:linClrLst meth="repeat">
+      <a:schemeClr val="accent1">
+        <a:alpha val="90000"/>
+        <a:tint val="40000"/>
+      </a:schemeClr>
+    </dgm:linClrLst>
+    <dgm:effectClrLst/>
+    <dgm:txLinClrLst/>
+    <dgm:txFillClrLst meth="repeat">
+      <a:schemeClr val="dk1"/>
+    </dgm:txFillClrLst>
+    <dgm:txEffectClrLst/>
+  </dgm:styleLbl>
+  <dgm:styleLbl name="bgAccFollowNode1">
+    <dgm:fillClrLst meth="repeat">
+      <a:schemeClr val="accent1">
+        <a:alpha val="90000"/>
+        <a:tint val="40000"/>
+      </a:schemeClr>
+    </dgm:fillClrLst>
+    <dgm:linClrLst meth="repeat">
+      <a:schemeClr val="accent1">
+        <a:alpha val="90000"/>
+        <a:tint val="40000"/>
+      </a:schemeClr>
+    </dgm:linClrLst>
+    <dgm:effectClrLst/>
+    <dgm:txLinClrLst/>
+    <dgm:txFillClrLst meth="repeat">
+      <a:schemeClr val="dk1"/>
+    </dgm:txFillClrLst>
+    <dgm:txEffectClrLst/>
+  </dgm:styleLbl>
+  <dgm:styleLbl name="fgAcc0">
+    <dgm:fillClrLst meth="repeat">
+      <a:schemeClr val="lt1">
+        <a:alpha val="90000"/>
+      </a:schemeClr>
+    </dgm:fillClrLst>
+    <dgm:linClrLst meth="repeat">
+      <a:schemeClr val="accent1"/>
+    </dgm:linClrLst>
+    <dgm:effectClrLst/>
+    <dgm:txLinClrLst/>
+    <dgm:txFillClrLst meth="repeat">
+      <a:schemeClr val="dk1"/>
+    </dgm:txFillClrLst>
+    <dgm:txEffectClrLst/>
+  </dgm:styleLbl>
+  <dgm:styleLbl name="fgAcc2">
+    <dgm:fillClrLst meth="repeat">
+      <a:schemeClr val="lt1">
+        <a:alpha val="90000"/>
+      </a:schemeClr>
+    </dgm:fillClrLst>
+    <dgm:linClrLst meth="repeat">
+      <a:schemeClr val="accent1"/>
+    </dgm:linClrLst>
+    <dgm:effectClrLst/>
+    <dgm:txLinClrLst/>
+    <dgm:txFillClrLst meth="repeat">
+      <a:schemeClr val="dk1"/>
+    </dgm:txFillClrLst>
+    <dgm:txEffectClrLst/>
+  </dgm:styleLbl>
+  <dgm:styleLbl name="fgAcc3">
+    <dgm:fillClrLst meth="repeat">
+      <a:schemeClr val="lt1">
+        <a:alpha val="90000"/>
+      </a:schemeClr>
+    </dgm:fillClrLst>
+    <dgm:linClrLst meth="repeat">
+      <a:schemeClr val="accent1"/>
+    </dgm:linClrLst>
+    <dgm:effectClrLst/>
+    <dgm:txLinClrLst/>
+    <dgm:txFillClrLst meth="repeat">
+      <a:schemeClr val="dk1"/>
+    </dgm:txFillClrLst>
+    <dgm:txEffectClrLst/>
+  </dgm:styleLbl>
+  <dgm:styleLbl name="fgAcc4">
+    <dgm:fillClrLst meth="repeat">
+      <a:schemeClr val="lt1">
+        <a:alpha val="90000"/>
+      </a:schemeClr>
+    </dgm:fillClrLst>
+    <dgm:linClrLst meth="repeat">
+      <a:schemeClr val="accent1"/>
+    </dgm:linClrLst>
+    <dgm:effectClrLst/>
+    <dgm:txLinClrLst/>
+    <dgm:txFillClrLst meth="repeat">
+      <a:schemeClr val="dk1"/>
+    </dgm:txFillClrLst>
+    <dgm:txEffectClrLst/>
+  </dgm:styleLbl>
+  <dgm:styleLbl name="bgShp">
+    <dgm:fillClrLst meth="repeat">
+      <a:schemeClr val="accent1">
+        <a:tint val="40000"/>
+      </a:schemeClr>
+    </dgm:fillClrLst>
+    <dgm:linClrLst meth="repeat">
+      <a:schemeClr val="accent1"/>
+    </dgm:linClrLst>
+    <dgm:effectClrLst/>
+    <dgm:txLinClrLst/>
+    <dgm:txFillClrLst meth="repeat">
+      <a:schemeClr val="dk1"/>
+    </dgm:txFillClrLst>
+    <dgm:txEffectClrLst/>
+  </dgm:styleLbl>
+  <dgm:styleLbl name="dkBgShp">
+    <dgm:fillClrLst meth="repeat">
+      <a:schemeClr val="accent1">
+        <a:shade val="80000"/>
+      </a:schemeClr>
+    </dgm:fillClrLst>
+    <dgm:linClrLst meth="repeat">
+      <a:schemeClr val="accent1"/>
+    </dgm:linClrLst>
+    <dgm:effectClrLst/>
+    <dgm:txLinClrLst/>
+    <dgm:txFillClrLst meth="repeat">
+      <a:schemeClr val="lt1"/>
+    </dgm:txFillClrLst>
+    <dgm:txEffectClrLst/>
+  </dgm:styleLbl>
+  <dgm:styleLbl name="trBgShp">
+    <dgm:fillClrLst meth="repeat">
+      <a:schemeClr val="accent1">
+        <a:tint val="50000"/>
+        <a:alpha val="40000"/>
+      </a:schemeClr>
+    </dgm:fillClrLst>
+    <dgm:linClrLst meth="repeat">
+      <a:schemeClr val="accent1"/>
+    </dgm:linClrLst>
+    <dgm:effectClrLst/>
+    <dgm:txLinClrLst/>
+    <dgm:txFillClrLst meth="repeat">
+      <a:schemeClr val="lt1"/>
+    </dgm:txFillClrLst>
+    <dgm:txEffectClrLst/>
+  </dgm:styleLbl>
+  <dgm:styleLbl name="fgShp">
+    <dgm:fillClrLst meth="repeat">
+      <a:schemeClr val="accent1">
+        <a:tint val="60000"/>
+      </a:schemeClr>
+    </dgm:fillClrLst>
+    <dgm:linClrLst meth="repeat">
+      <a:schemeClr val="lt1"/>
+    </dgm:linClrLst>
+    <dgm:effectClrLst/>
+    <dgm:txLinClrLst/>
+    <dgm:txFillClrLst meth="repeat">
+      <a:schemeClr val="dk1"/>
+    </dgm:txFillClrLst>
+    <dgm:txEffectClrLst/>
+  </dgm:styleLbl>
+  <dgm:styleLbl name="revTx">
+    <dgm:fillClrLst meth="repeat">
+      <a:schemeClr val="lt1">
+        <a:alpha val="0"/>
+      </a:schemeClr>
+    </dgm:fillClrLst>
+    <dgm:linClrLst meth="repeat">
+      <a:schemeClr val="dk1">
+        <a:alpha val="0"/>
+      </a:schemeClr>
+    </dgm:linClrLst>
+    <dgm:effectClrLst/>
+    <dgm:txLinClrLst/>
+    <dgm:txFillClrLst meth="repeat">
+      <a:schemeClr val="tx1"/>
+    </dgm:txFillClrLst>
+    <dgm:txEffectClrLst/>
+  </dgm:styleLbl>
+</dgm:colorsDef>
+</file>
+
+<file path=ppt/diagrams/data1.xml><?xml version="1.0" encoding="utf-8"?>
+<dgm:dataModel xmlns:dgm="http://schemas.openxmlformats.org/drawingml/2006/diagram" xmlns:a="http://schemas.openxmlformats.org/drawingml/2006/main">
+  <dgm:ptLst>
+    <dgm:pt modelId="{C272EB81-819D-4813-BD7F-DB5F3B55D987}" type="doc">
+      <dgm:prSet loTypeId="urn:microsoft.com/office/officeart/2005/8/layout/orgChart1" loCatId="hierarchy" qsTypeId="urn:microsoft.com/office/officeart/2005/8/quickstyle/simple3" qsCatId="simple" csTypeId="urn:microsoft.com/office/officeart/2005/8/colors/accent1_2" csCatId="accent1" phldr="1"/>
+      <dgm:spPr/>
+      <dgm:t>
+        <a:bodyPr/>
+        <a:lstStyle/>
+        <a:p>
+          <a:endParaRPr lang="zh-CN" altLang="en-US"/>
+        </a:p>
+      </dgm:t>
+    </dgm:pt>
+    <dgm:pt modelId="{8B1E01D9-6C52-491F-8830-2628E007025D}">
+      <dgm:prSet phldrT="[文本]"/>
+      <dgm:spPr/>
+      <dgm:t>
+        <a:bodyPr/>
+        <a:lstStyle/>
+        <a:p>
+          <a:r>
+            <a:rPr lang="en-US" altLang="zh-CN" dirty="0"/>
+            <a:t>BUBG</a:t>
+          </a:r>
+          <a:endParaRPr lang="zh-CN" altLang="en-US" dirty="0"/>
+        </a:p>
+      </dgm:t>
+    </dgm:pt>
+    <dgm:pt modelId="{83FFD082-8DF2-48EE-B741-E6CCC5CFA534}" type="parTrans" cxnId="{2F87672B-85B6-40A8-8E9C-AF3AC334C4BB}">
+      <dgm:prSet/>
+      <dgm:spPr/>
+      <dgm:t>
+        <a:bodyPr/>
+        <a:lstStyle/>
+        <a:p>
+          <a:endParaRPr lang="zh-CN" altLang="en-US"/>
+        </a:p>
+      </dgm:t>
+    </dgm:pt>
+    <dgm:pt modelId="{1A74D599-118F-4580-8D04-45F42E0CC0CF}" type="sibTrans" cxnId="{2F87672B-85B6-40A8-8E9C-AF3AC334C4BB}">
+      <dgm:prSet/>
+      <dgm:spPr/>
+      <dgm:t>
+        <a:bodyPr/>
+        <a:lstStyle/>
+        <a:p>
+          <a:endParaRPr lang="zh-CN" altLang="en-US"/>
+        </a:p>
+      </dgm:t>
+    </dgm:pt>
+    <dgm:pt modelId="{EF97F4B0-8B62-4ED3-82A3-7B2221F99752}">
+      <dgm:prSet phldrT="[文本]"/>
+      <dgm:spPr/>
+      <dgm:t>
+        <a:bodyPr/>
+        <a:lstStyle/>
+        <a:p>
+          <a:r>
+            <a:rPr lang="zh-CN" altLang="en-US" dirty="0"/>
+            <a:t>基础组件</a:t>
+          </a:r>
+        </a:p>
+      </dgm:t>
+    </dgm:pt>
+    <dgm:pt modelId="{E982CC03-2FEA-434B-BFC5-D94ACD4C5DC3}" type="parTrans" cxnId="{98929AC0-3A73-43FD-8787-47FA026AFB04}">
+      <dgm:prSet/>
+      <dgm:spPr/>
+      <dgm:t>
+        <a:bodyPr/>
+        <a:lstStyle/>
+        <a:p>
+          <a:endParaRPr lang="zh-CN" altLang="en-US"/>
+        </a:p>
+      </dgm:t>
+    </dgm:pt>
+    <dgm:pt modelId="{C2EDD632-EDAF-4032-8E58-DFD0FD6E780E}" type="sibTrans" cxnId="{98929AC0-3A73-43FD-8787-47FA026AFB04}">
+      <dgm:prSet/>
+      <dgm:spPr/>
+      <dgm:t>
+        <a:bodyPr/>
+        <a:lstStyle/>
+        <a:p>
+          <a:endParaRPr lang="zh-CN" altLang="en-US"/>
+        </a:p>
+      </dgm:t>
+    </dgm:pt>
+    <dgm:pt modelId="{6635F946-C8AC-4975-AF44-D39CDB9B04D5}">
+      <dgm:prSet phldrT="[文本]"/>
+      <dgm:spPr/>
+      <dgm:t>
+        <a:bodyPr/>
+        <a:lstStyle/>
+        <a:p>
+          <a:r>
+            <a:rPr lang="zh-CN" altLang="en-US" dirty="0"/>
+            <a:t>网络组件</a:t>
+          </a:r>
+        </a:p>
+      </dgm:t>
+    </dgm:pt>
+    <dgm:pt modelId="{26A76FB6-1EA8-4669-966F-4A32C51F4749}" type="parTrans" cxnId="{14269AC7-565F-4470-B1E6-FF514BAC6DC9}">
+      <dgm:prSet/>
+      <dgm:spPr/>
+      <dgm:t>
+        <a:bodyPr/>
+        <a:lstStyle/>
+        <a:p>
+          <a:endParaRPr lang="zh-CN" altLang="en-US"/>
+        </a:p>
+      </dgm:t>
+    </dgm:pt>
+    <dgm:pt modelId="{6163B99D-629C-4879-90ED-A73B313666AB}" type="sibTrans" cxnId="{14269AC7-565F-4470-B1E6-FF514BAC6DC9}">
+      <dgm:prSet/>
+      <dgm:spPr/>
+      <dgm:t>
+        <a:bodyPr/>
+        <a:lstStyle/>
+        <a:p>
+          <a:endParaRPr lang="zh-CN" altLang="en-US"/>
+        </a:p>
+      </dgm:t>
+    </dgm:pt>
+    <dgm:pt modelId="{1E32419D-755F-4B8A-873F-EBDD00664FBA}">
+      <dgm:prSet phldrT="[文本]"/>
+      <dgm:spPr/>
+      <dgm:t>
+        <a:bodyPr/>
+        <a:lstStyle/>
+        <a:p>
+          <a:r>
+            <a:rPr lang="en-US" altLang="zh-CN" dirty="0" err="1"/>
+            <a:t>Controler</a:t>
+          </a:r>
+          <a:endParaRPr lang="zh-CN" altLang="en-US" dirty="0"/>
+        </a:p>
+      </dgm:t>
+    </dgm:pt>
+    <dgm:pt modelId="{8100CCF0-3146-4CD2-B367-AE5E46B95674}" type="parTrans" cxnId="{ACB6382E-B580-4124-AEF2-8515A0A8F9A0}">
+      <dgm:prSet/>
+      <dgm:spPr/>
+      <dgm:t>
+        <a:bodyPr/>
+        <a:lstStyle/>
+        <a:p>
+          <a:endParaRPr lang="zh-CN" altLang="en-US"/>
+        </a:p>
+      </dgm:t>
+    </dgm:pt>
+    <dgm:pt modelId="{D961C598-C42C-4FBD-BE8B-1D0DCDFC30F8}" type="sibTrans" cxnId="{ACB6382E-B580-4124-AEF2-8515A0A8F9A0}">
+      <dgm:prSet/>
+      <dgm:spPr/>
+      <dgm:t>
+        <a:bodyPr/>
+        <a:lstStyle/>
+        <a:p>
+          <a:endParaRPr lang="zh-CN" altLang="en-US"/>
+        </a:p>
+      </dgm:t>
+    </dgm:pt>
+    <dgm:pt modelId="{88831739-68C2-4D6B-9833-2447EEC3238D}">
+      <dgm:prSet/>
+      <dgm:spPr/>
+      <dgm:t>
+        <a:bodyPr/>
+        <a:lstStyle/>
+        <a:p>
+          <a:r>
+            <a:rPr lang="zh-CN" altLang="en-US" dirty="0"/>
+            <a:t>场景界面</a:t>
+          </a:r>
+        </a:p>
+      </dgm:t>
+    </dgm:pt>
+    <dgm:pt modelId="{A1E6CDE5-7860-406B-AC88-78CB65C6D0DF}" type="parTrans" cxnId="{D78B7247-F0F3-409D-9D49-AAA525999E65}">
+      <dgm:prSet/>
+      <dgm:spPr/>
+      <dgm:t>
+        <a:bodyPr/>
+        <a:lstStyle/>
+        <a:p>
+          <a:endParaRPr lang="zh-CN" altLang="en-US"/>
+        </a:p>
+      </dgm:t>
+    </dgm:pt>
+    <dgm:pt modelId="{C0765A2A-8498-47E0-83B4-2223B58F7176}" type="sibTrans" cxnId="{D78B7247-F0F3-409D-9D49-AAA525999E65}">
+      <dgm:prSet/>
+      <dgm:spPr/>
+      <dgm:t>
+        <a:bodyPr/>
+        <a:lstStyle/>
+        <a:p>
+          <a:endParaRPr lang="zh-CN" altLang="en-US"/>
+        </a:p>
+      </dgm:t>
+    </dgm:pt>
+    <dgm:pt modelId="{E64687DB-95C9-435C-BCB7-31D3EC598044}" type="pres">
+      <dgm:prSet presAssocID="{C272EB81-819D-4813-BD7F-DB5F3B55D987}" presName="hierChild1" presStyleCnt="0">
+        <dgm:presLayoutVars>
+          <dgm:orgChart val="1"/>
+          <dgm:chPref val="1"/>
+          <dgm:dir val="rev"/>
+          <dgm:animOne val="branch"/>
+          <dgm:animLvl val="lvl"/>
+          <dgm:resizeHandles/>
+        </dgm:presLayoutVars>
+      </dgm:prSet>
+      <dgm:spPr/>
+    </dgm:pt>
+    <dgm:pt modelId="{2BA09336-FD91-4BE8-B7D9-7B9FFDD35EE2}" type="pres">
+      <dgm:prSet presAssocID="{8B1E01D9-6C52-491F-8830-2628E007025D}" presName="hierRoot1" presStyleCnt="0">
+        <dgm:presLayoutVars>
+          <dgm:hierBranch/>
+        </dgm:presLayoutVars>
+      </dgm:prSet>
+      <dgm:spPr/>
+    </dgm:pt>
+    <dgm:pt modelId="{9D5B5016-5287-4162-B7FD-4E55EDF07C86}" type="pres">
+      <dgm:prSet presAssocID="{8B1E01D9-6C52-491F-8830-2628E007025D}" presName="rootComposite1" presStyleCnt="0"/>
+      <dgm:spPr/>
+    </dgm:pt>
+    <dgm:pt modelId="{9E91ACEA-4398-4341-A5D1-63B4AF1DB5A7}" type="pres">
+      <dgm:prSet presAssocID="{8B1E01D9-6C52-491F-8830-2628E007025D}" presName="rootText1" presStyleLbl="node0" presStyleIdx="0" presStyleCnt="1">
+        <dgm:presLayoutVars>
+          <dgm:chPref val="3"/>
+        </dgm:presLayoutVars>
+      </dgm:prSet>
+      <dgm:spPr/>
+    </dgm:pt>
+    <dgm:pt modelId="{9171B8CB-B772-43B5-80B2-8805DF074B60}" type="pres">
+      <dgm:prSet presAssocID="{8B1E01D9-6C52-491F-8830-2628E007025D}" presName="rootConnector1" presStyleLbl="node1" presStyleIdx="0" presStyleCnt="0"/>
+      <dgm:spPr/>
+    </dgm:pt>
+    <dgm:pt modelId="{E7684E41-2897-47D6-88D1-EA9044CBE0F9}" type="pres">
+      <dgm:prSet presAssocID="{8B1E01D9-6C52-491F-8830-2628E007025D}" presName="hierChild2" presStyleCnt="0"/>
+      <dgm:spPr/>
+    </dgm:pt>
+    <dgm:pt modelId="{3A270329-A585-4798-AD4F-CF958E8C8769}" type="pres">
+      <dgm:prSet presAssocID="{8100CCF0-3146-4CD2-B367-AE5E46B95674}" presName="Name35" presStyleLbl="parChTrans1D2" presStyleIdx="0" presStyleCnt="2"/>
+      <dgm:spPr/>
+    </dgm:pt>
+    <dgm:pt modelId="{40F4A32B-9FD1-4E3D-9813-AAFC0F054AB0}" type="pres">
+      <dgm:prSet presAssocID="{1E32419D-755F-4B8A-873F-EBDD00664FBA}" presName="hierRoot2" presStyleCnt="0">
+        <dgm:presLayoutVars>
+          <dgm:hierBranch/>
+        </dgm:presLayoutVars>
+      </dgm:prSet>
+      <dgm:spPr/>
+    </dgm:pt>
+    <dgm:pt modelId="{EF5BE948-3387-42BA-9E81-D938C3341255}" type="pres">
+      <dgm:prSet presAssocID="{1E32419D-755F-4B8A-873F-EBDD00664FBA}" presName="rootComposite" presStyleCnt="0"/>
+      <dgm:spPr/>
+    </dgm:pt>
+    <dgm:pt modelId="{86417C25-55D8-46E0-8A33-B183A7480C7A}" type="pres">
+      <dgm:prSet presAssocID="{1E32419D-755F-4B8A-873F-EBDD00664FBA}" presName="rootText" presStyleLbl="node2" presStyleIdx="0" presStyleCnt="2">
+        <dgm:presLayoutVars>
+          <dgm:chPref val="3"/>
+        </dgm:presLayoutVars>
+      </dgm:prSet>
+      <dgm:spPr/>
+    </dgm:pt>
+    <dgm:pt modelId="{3CC7857C-53C6-4420-9B97-663CC50CB602}" type="pres">
+      <dgm:prSet presAssocID="{1E32419D-755F-4B8A-873F-EBDD00664FBA}" presName="rootConnector" presStyleLbl="node2" presStyleIdx="0" presStyleCnt="2"/>
+      <dgm:spPr/>
+    </dgm:pt>
+    <dgm:pt modelId="{9508B498-D8AF-488D-8E1A-AB402A48E330}" type="pres">
+      <dgm:prSet presAssocID="{1E32419D-755F-4B8A-873F-EBDD00664FBA}" presName="hierChild4" presStyleCnt="0"/>
+      <dgm:spPr/>
+    </dgm:pt>
+    <dgm:pt modelId="{43596E3A-B4C3-4BF2-83A7-65276B31F129}" type="pres">
+      <dgm:prSet presAssocID="{E982CC03-2FEA-434B-BFC5-D94ACD4C5DC3}" presName="Name35" presStyleLbl="parChTrans1D3" presStyleIdx="0" presStyleCnt="2"/>
+      <dgm:spPr/>
+    </dgm:pt>
+    <dgm:pt modelId="{8D196C21-3A57-4110-B045-4B9A2ACAA825}" type="pres">
+      <dgm:prSet presAssocID="{EF97F4B0-8B62-4ED3-82A3-7B2221F99752}" presName="hierRoot2" presStyleCnt="0">
+        <dgm:presLayoutVars>
+          <dgm:hierBranch val="init"/>
+        </dgm:presLayoutVars>
+      </dgm:prSet>
+      <dgm:spPr/>
+    </dgm:pt>
+    <dgm:pt modelId="{BAE70A9D-37D9-4498-A6DF-3D6CDE7372C3}" type="pres">
+      <dgm:prSet presAssocID="{EF97F4B0-8B62-4ED3-82A3-7B2221F99752}" presName="rootComposite" presStyleCnt="0"/>
+      <dgm:spPr/>
+    </dgm:pt>
+    <dgm:pt modelId="{3C7D3777-0AE3-4731-B917-734818879FB0}" type="pres">
+      <dgm:prSet presAssocID="{EF97F4B0-8B62-4ED3-82A3-7B2221F99752}" presName="rootText" presStyleLbl="node3" presStyleIdx="0" presStyleCnt="2">
+        <dgm:presLayoutVars>
+          <dgm:chPref val="3"/>
+        </dgm:presLayoutVars>
+      </dgm:prSet>
+      <dgm:spPr/>
+    </dgm:pt>
+    <dgm:pt modelId="{9D8E0677-5238-45AB-AB12-764681DE44E9}" type="pres">
+      <dgm:prSet presAssocID="{EF97F4B0-8B62-4ED3-82A3-7B2221F99752}" presName="rootConnector" presStyleLbl="node3" presStyleIdx="0" presStyleCnt="2"/>
+      <dgm:spPr/>
+    </dgm:pt>
+    <dgm:pt modelId="{4A23CF9B-00E3-42AC-A3FC-6EF1CCB86EDE}" type="pres">
+      <dgm:prSet presAssocID="{EF97F4B0-8B62-4ED3-82A3-7B2221F99752}" presName="hierChild4" presStyleCnt="0"/>
+      <dgm:spPr/>
+    </dgm:pt>
+    <dgm:pt modelId="{8C973500-FAD3-4FAE-859B-93B03064AE6A}" type="pres">
+      <dgm:prSet presAssocID="{EF97F4B0-8B62-4ED3-82A3-7B2221F99752}" presName="hierChild5" presStyleCnt="0"/>
+      <dgm:spPr/>
+    </dgm:pt>
+    <dgm:pt modelId="{5C7C6604-1F02-4ECA-A671-07418F430AEF}" type="pres">
+      <dgm:prSet presAssocID="{26A76FB6-1EA8-4669-966F-4A32C51F4749}" presName="Name35" presStyleLbl="parChTrans1D3" presStyleIdx="1" presStyleCnt="2"/>
+      <dgm:spPr/>
+    </dgm:pt>
+    <dgm:pt modelId="{714ADEFB-BF46-4E3D-835D-384831B94CC9}" type="pres">
+      <dgm:prSet presAssocID="{6635F946-C8AC-4975-AF44-D39CDB9B04D5}" presName="hierRoot2" presStyleCnt="0">
+        <dgm:presLayoutVars>
+          <dgm:hierBranch val="init"/>
+        </dgm:presLayoutVars>
+      </dgm:prSet>
+      <dgm:spPr/>
+    </dgm:pt>
+    <dgm:pt modelId="{0CC6B549-361B-4A65-9C05-062E2F68393A}" type="pres">
+      <dgm:prSet presAssocID="{6635F946-C8AC-4975-AF44-D39CDB9B04D5}" presName="rootComposite" presStyleCnt="0"/>
+      <dgm:spPr/>
+    </dgm:pt>
+    <dgm:pt modelId="{76DB25AF-57D7-458E-BD89-5D17D774A691}" type="pres">
+      <dgm:prSet presAssocID="{6635F946-C8AC-4975-AF44-D39CDB9B04D5}" presName="rootText" presStyleLbl="node3" presStyleIdx="1" presStyleCnt="2">
+        <dgm:presLayoutVars>
+          <dgm:chPref val="3"/>
+        </dgm:presLayoutVars>
+      </dgm:prSet>
+      <dgm:spPr/>
+    </dgm:pt>
+    <dgm:pt modelId="{6C382240-101B-4773-9D98-8D712AE593D4}" type="pres">
+      <dgm:prSet presAssocID="{6635F946-C8AC-4975-AF44-D39CDB9B04D5}" presName="rootConnector" presStyleLbl="node3" presStyleIdx="1" presStyleCnt="2"/>
+      <dgm:spPr/>
+    </dgm:pt>
+    <dgm:pt modelId="{37314154-BDA5-4FAB-B240-A5883A7BE6D0}" type="pres">
+      <dgm:prSet presAssocID="{6635F946-C8AC-4975-AF44-D39CDB9B04D5}" presName="hierChild4" presStyleCnt="0"/>
+      <dgm:spPr/>
+    </dgm:pt>
+    <dgm:pt modelId="{32E80643-6506-4D42-AC19-7481BE271AEB}" type="pres">
+      <dgm:prSet presAssocID="{6635F946-C8AC-4975-AF44-D39CDB9B04D5}" presName="hierChild5" presStyleCnt="0"/>
+      <dgm:spPr/>
+    </dgm:pt>
+    <dgm:pt modelId="{7EABB4C4-375B-4077-9B12-FE440DF732CA}" type="pres">
+      <dgm:prSet presAssocID="{1E32419D-755F-4B8A-873F-EBDD00664FBA}" presName="hierChild5" presStyleCnt="0"/>
+      <dgm:spPr/>
+    </dgm:pt>
+    <dgm:pt modelId="{957E430B-08A5-4536-99BA-D81142791BD6}" type="pres">
+      <dgm:prSet presAssocID="{A1E6CDE5-7860-406B-AC88-78CB65C6D0DF}" presName="Name35" presStyleLbl="parChTrans1D2" presStyleIdx="1" presStyleCnt="2"/>
+      <dgm:spPr/>
+    </dgm:pt>
+    <dgm:pt modelId="{BDBBEBFD-D5FD-45FF-AA38-8C22C682ED5C}" type="pres">
+      <dgm:prSet presAssocID="{88831739-68C2-4D6B-9833-2447EEC3238D}" presName="hierRoot2" presStyleCnt="0">
+        <dgm:presLayoutVars>
+          <dgm:hierBranch val="init"/>
+        </dgm:presLayoutVars>
+      </dgm:prSet>
+      <dgm:spPr/>
+    </dgm:pt>
+    <dgm:pt modelId="{5A0D0DA2-2108-47C5-AF06-2B3BFD7EA3C2}" type="pres">
+      <dgm:prSet presAssocID="{88831739-68C2-4D6B-9833-2447EEC3238D}" presName="rootComposite" presStyleCnt="0"/>
+      <dgm:spPr/>
+    </dgm:pt>
+    <dgm:pt modelId="{EA3F216B-A106-4DCB-B869-1D79DD10095A}" type="pres">
+      <dgm:prSet presAssocID="{88831739-68C2-4D6B-9833-2447EEC3238D}" presName="rootText" presStyleLbl="node2" presStyleIdx="1" presStyleCnt="2">
+        <dgm:presLayoutVars>
+          <dgm:chPref val="3"/>
+        </dgm:presLayoutVars>
+      </dgm:prSet>
+      <dgm:spPr/>
+    </dgm:pt>
+    <dgm:pt modelId="{28EF2D13-51E4-4A73-B881-3CD5EC759188}" type="pres">
+      <dgm:prSet presAssocID="{88831739-68C2-4D6B-9833-2447EEC3238D}" presName="rootConnector" presStyleLbl="node2" presStyleIdx="1" presStyleCnt="2"/>
+      <dgm:spPr/>
+    </dgm:pt>
+    <dgm:pt modelId="{9FB97468-7F30-4606-B687-1FD94E40D3B6}" type="pres">
+      <dgm:prSet presAssocID="{88831739-68C2-4D6B-9833-2447EEC3238D}" presName="hierChild4" presStyleCnt="0"/>
+      <dgm:spPr/>
+    </dgm:pt>
+    <dgm:pt modelId="{ECA25FD4-C275-4568-BAAD-8F95782A01C1}" type="pres">
+      <dgm:prSet presAssocID="{88831739-68C2-4D6B-9833-2447EEC3238D}" presName="hierChild5" presStyleCnt="0"/>
+      <dgm:spPr/>
+    </dgm:pt>
+    <dgm:pt modelId="{F78196DD-C71C-4664-8ECB-6D7A4BB5F8E7}" type="pres">
+      <dgm:prSet presAssocID="{8B1E01D9-6C52-491F-8830-2628E007025D}" presName="hierChild3" presStyleCnt="0"/>
+      <dgm:spPr/>
+    </dgm:pt>
+  </dgm:ptLst>
+  <dgm:cxnLst>
+    <dgm:cxn modelId="{31A3CE0C-FAB5-44B5-A82E-8763410EEA2F}" type="presOf" srcId="{6635F946-C8AC-4975-AF44-D39CDB9B04D5}" destId="{6C382240-101B-4773-9D98-8D712AE593D4}" srcOrd="1" destOrd="0" presId="urn:microsoft.com/office/officeart/2005/8/layout/orgChart1"/>
+    <dgm:cxn modelId="{CD85D10D-25CD-4CC2-A2DF-5811DA69C67F}" type="presOf" srcId="{A1E6CDE5-7860-406B-AC88-78CB65C6D0DF}" destId="{957E430B-08A5-4536-99BA-D81142791BD6}" srcOrd="0" destOrd="0" presId="urn:microsoft.com/office/officeart/2005/8/layout/orgChart1"/>
+    <dgm:cxn modelId="{45C18125-327A-4EC5-85B1-73E88133B437}" type="presOf" srcId="{C272EB81-819D-4813-BD7F-DB5F3B55D987}" destId="{E64687DB-95C9-435C-BCB7-31D3EC598044}" srcOrd="0" destOrd="0" presId="urn:microsoft.com/office/officeart/2005/8/layout/orgChart1"/>
+    <dgm:cxn modelId="{2F87672B-85B6-40A8-8E9C-AF3AC334C4BB}" srcId="{C272EB81-819D-4813-BD7F-DB5F3B55D987}" destId="{8B1E01D9-6C52-491F-8830-2628E007025D}" srcOrd="0" destOrd="0" parTransId="{83FFD082-8DF2-48EE-B741-E6CCC5CFA534}" sibTransId="{1A74D599-118F-4580-8D04-45F42E0CC0CF}"/>
+    <dgm:cxn modelId="{9665712C-F864-4723-8DF6-F7FDBFCEDCCB}" type="presOf" srcId="{8100CCF0-3146-4CD2-B367-AE5E46B95674}" destId="{3A270329-A585-4798-AD4F-CF958E8C8769}" srcOrd="0" destOrd="0" presId="urn:microsoft.com/office/officeart/2005/8/layout/orgChart1"/>
+    <dgm:cxn modelId="{ACB6382E-B580-4124-AEF2-8515A0A8F9A0}" srcId="{8B1E01D9-6C52-491F-8830-2628E007025D}" destId="{1E32419D-755F-4B8A-873F-EBDD00664FBA}" srcOrd="0" destOrd="0" parTransId="{8100CCF0-3146-4CD2-B367-AE5E46B95674}" sibTransId="{D961C598-C42C-4FBD-BE8B-1D0DCDFC30F8}"/>
+    <dgm:cxn modelId="{8A052E39-E1B3-46A3-BBA7-C87D9A4AE509}" type="presOf" srcId="{1E32419D-755F-4B8A-873F-EBDD00664FBA}" destId="{3CC7857C-53C6-4420-9B97-663CC50CB602}" srcOrd="1" destOrd="0" presId="urn:microsoft.com/office/officeart/2005/8/layout/orgChart1"/>
+    <dgm:cxn modelId="{59E50241-3333-4BF6-BACD-F680B277B08C}" type="presOf" srcId="{88831739-68C2-4D6B-9833-2447EEC3238D}" destId="{EA3F216B-A106-4DCB-B869-1D79DD10095A}" srcOrd="0" destOrd="0" presId="urn:microsoft.com/office/officeart/2005/8/layout/orgChart1"/>
+    <dgm:cxn modelId="{63CB6D42-DCD8-46A2-8CF6-236680A1DEF6}" type="presOf" srcId="{88831739-68C2-4D6B-9833-2447EEC3238D}" destId="{28EF2D13-51E4-4A73-B881-3CD5EC759188}" srcOrd="1" destOrd="0" presId="urn:microsoft.com/office/officeart/2005/8/layout/orgChart1"/>
+    <dgm:cxn modelId="{D78B7247-F0F3-409D-9D49-AAA525999E65}" srcId="{8B1E01D9-6C52-491F-8830-2628E007025D}" destId="{88831739-68C2-4D6B-9833-2447EEC3238D}" srcOrd="1" destOrd="0" parTransId="{A1E6CDE5-7860-406B-AC88-78CB65C6D0DF}" sibTransId="{C0765A2A-8498-47E0-83B4-2223B58F7176}"/>
+    <dgm:cxn modelId="{1726746F-5ACB-4141-B9D6-BAEED0C1160D}" type="presOf" srcId="{26A76FB6-1EA8-4669-966F-4A32C51F4749}" destId="{5C7C6604-1F02-4ECA-A671-07418F430AEF}" srcOrd="0" destOrd="0" presId="urn:microsoft.com/office/officeart/2005/8/layout/orgChart1"/>
+    <dgm:cxn modelId="{447EAF51-C54F-4BBA-88AD-21F61B50CB6D}" type="presOf" srcId="{EF97F4B0-8B62-4ED3-82A3-7B2221F99752}" destId="{9D8E0677-5238-45AB-AB12-764681DE44E9}" srcOrd="1" destOrd="0" presId="urn:microsoft.com/office/officeart/2005/8/layout/orgChart1"/>
+    <dgm:cxn modelId="{F4606E89-F791-49A2-8E99-664F97D3DF4B}" type="presOf" srcId="{1E32419D-755F-4B8A-873F-EBDD00664FBA}" destId="{86417C25-55D8-46E0-8A33-B183A7480C7A}" srcOrd="0" destOrd="0" presId="urn:microsoft.com/office/officeart/2005/8/layout/orgChart1"/>
+    <dgm:cxn modelId="{E6AE0FA2-B4E8-4CDB-9927-A4F49BCC7ECE}" type="presOf" srcId="{EF97F4B0-8B62-4ED3-82A3-7B2221F99752}" destId="{3C7D3777-0AE3-4731-B917-734818879FB0}" srcOrd="0" destOrd="0" presId="urn:microsoft.com/office/officeart/2005/8/layout/orgChart1"/>
+    <dgm:cxn modelId="{9AB73AAC-5814-4E05-A658-3696924E8021}" type="presOf" srcId="{8B1E01D9-6C52-491F-8830-2628E007025D}" destId="{9171B8CB-B772-43B5-80B2-8805DF074B60}" srcOrd="1" destOrd="0" presId="urn:microsoft.com/office/officeart/2005/8/layout/orgChart1"/>
+    <dgm:cxn modelId="{C065C5B4-485D-4E85-8F5E-AEDFFAB6E248}" type="presOf" srcId="{8B1E01D9-6C52-491F-8830-2628E007025D}" destId="{9E91ACEA-4398-4341-A5D1-63B4AF1DB5A7}" srcOrd="0" destOrd="0" presId="urn:microsoft.com/office/officeart/2005/8/layout/orgChart1"/>
+    <dgm:cxn modelId="{98929AC0-3A73-43FD-8787-47FA026AFB04}" srcId="{1E32419D-755F-4B8A-873F-EBDD00664FBA}" destId="{EF97F4B0-8B62-4ED3-82A3-7B2221F99752}" srcOrd="0" destOrd="0" parTransId="{E982CC03-2FEA-434B-BFC5-D94ACD4C5DC3}" sibTransId="{C2EDD632-EDAF-4032-8E58-DFD0FD6E780E}"/>
+    <dgm:cxn modelId="{14269AC7-565F-4470-B1E6-FF514BAC6DC9}" srcId="{1E32419D-755F-4B8A-873F-EBDD00664FBA}" destId="{6635F946-C8AC-4975-AF44-D39CDB9B04D5}" srcOrd="1" destOrd="0" parTransId="{26A76FB6-1EA8-4669-966F-4A32C51F4749}" sibTransId="{6163B99D-629C-4879-90ED-A73B313666AB}"/>
+    <dgm:cxn modelId="{331B15E8-4EB8-4B1F-92D7-0183A75FE316}" type="presOf" srcId="{6635F946-C8AC-4975-AF44-D39CDB9B04D5}" destId="{76DB25AF-57D7-458E-BD89-5D17D774A691}" srcOrd="0" destOrd="0" presId="urn:microsoft.com/office/officeart/2005/8/layout/orgChart1"/>
+    <dgm:cxn modelId="{8303BAEB-E7D8-4C12-A5A0-E412861B02B8}" type="presOf" srcId="{E982CC03-2FEA-434B-BFC5-D94ACD4C5DC3}" destId="{43596E3A-B4C3-4BF2-83A7-65276B31F129}" srcOrd="0" destOrd="0" presId="urn:microsoft.com/office/officeart/2005/8/layout/orgChart1"/>
+    <dgm:cxn modelId="{9A89E3A4-4064-460D-813A-E100AA5F2A92}" type="presParOf" srcId="{E64687DB-95C9-435C-BCB7-31D3EC598044}" destId="{2BA09336-FD91-4BE8-B7D9-7B9FFDD35EE2}" srcOrd="0" destOrd="0" presId="urn:microsoft.com/office/officeart/2005/8/layout/orgChart1"/>
+    <dgm:cxn modelId="{885D4112-8BCC-4405-A350-A113E828C324}" type="presParOf" srcId="{2BA09336-FD91-4BE8-B7D9-7B9FFDD35EE2}" destId="{9D5B5016-5287-4162-B7FD-4E55EDF07C86}" srcOrd="0" destOrd="0" presId="urn:microsoft.com/office/officeart/2005/8/layout/orgChart1"/>
+    <dgm:cxn modelId="{F074145D-7F98-4ABA-8508-F45E0CA1B6B4}" type="presParOf" srcId="{9D5B5016-5287-4162-B7FD-4E55EDF07C86}" destId="{9E91ACEA-4398-4341-A5D1-63B4AF1DB5A7}" srcOrd="0" destOrd="0" presId="urn:microsoft.com/office/officeart/2005/8/layout/orgChart1"/>
+    <dgm:cxn modelId="{23766E6E-AD31-4579-A599-789F1E1C768A}" type="presParOf" srcId="{9D5B5016-5287-4162-B7FD-4E55EDF07C86}" destId="{9171B8CB-B772-43B5-80B2-8805DF074B60}" srcOrd="1" destOrd="0" presId="urn:microsoft.com/office/officeart/2005/8/layout/orgChart1"/>
+    <dgm:cxn modelId="{BDBE6458-D5BC-4CDF-AFA6-95B0EBF29266}" type="presParOf" srcId="{2BA09336-FD91-4BE8-B7D9-7B9FFDD35EE2}" destId="{E7684E41-2897-47D6-88D1-EA9044CBE0F9}" srcOrd="1" destOrd="0" presId="urn:microsoft.com/office/officeart/2005/8/layout/orgChart1"/>
+    <dgm:cxn modelId="{5D95A1FC-3472-4588-B099-295434E882C9}" type="presParOf" srcId="{E7684E41-2897-47D6-88D1-EA9044CBE0F9}" destId="{3A270329-A585-4798-AD4F-CF958E8C8769}" srcOrd="0" destOrd="0" presId="urn:microsoft.com/office/officeart/2005/8/layout/orgChart1"/>
+    <dgm:cxn modelId="{F5364155-4207-4CF1-AC13-58C69E35E9A7}" type="presParOf" srcId="{E7684E41-2897-47D6-88D1-EA9044CBE0F9}" destId="{40F4A32B-9FD1-4E3D-9813-AAFC0F054AB0}" srcOrd="1" destOrd="0" presId="urn:microsoft.com/office/officeart/2005/8/layout/orgChart1"/>
+    <dgm:cxn modelId="{776F060F-D530-46F2-BDFB-F1321501B218}" type="presParOf" srcId="{40F4A32B-9FD1-4E3D-9813-AAFC0F054AB0}" destId="{EF5BE948-3387-42BA-9E81-D938C3341255}" srcOrd="0" destOrd="0" presId="urn:microsoft.com/office/officeart/2005/8/layout/orgChart1"/>
+    <dgm:cxn modelId="{D50B04FE-3AD8-405E-ADBC-A37AB2AC74AA}" type="presParOf" srcId="{EF5BE948-3387-42BA-9E81-D938C3341255}" destId="{86417C25-55D8-46E0-8A33-B183A7480C7A}" srcOrd="0" destOrd="0" presId="urn:microsoft.com/office/officeart/2005/8/layout/orgChart1"/>
+    <dgm:cxn modelId="{FD1B5B00-A2C8-4334-8C07-42A03C1F538A}" type="presParOf" srcId="{EF5BE948-3387-42BA-9E81-D938C3341255}" destId="{3CC7857C-53C6-4420-9B97-663CC50CB602}" srcOrd="1" destOrd="0" presId="urn:microsoft.com/office/officeart/2005/8/layout/orgChart1"/>
+    <dgm:cxn modelId="{D77EE508-B9B2-484D-8267-70C4C0F2C67C}" type="presParOf" srcId="{40F4A32B-9FD1-4E3D-9813-AAFC0F054AB0}" destId="{9508B498-D8AF-488D-8E1A-AB402A48E330}" srcOrd="1" destOrd="0" presId="urn:microsoft.com/office/officeart/2005/8/layout/orgChart1"/>
+    <dgm:cxn modelId="{8E6A9FE0-A006-4485-A0F1-C1E3A1F87B36}" type="presParOf" srcId="{9508B498-D8AF-488D-8E1A-AB402A48E330}" destId="{43596E3A-B4C3-4BF2-83A7-65276B31F129}" srcOrd="0" destOrd="0" presId="urn:microsoft.com/office/officeart/2005/8/layout/orgChart1"/>
+    <dgm:cxn modelId="{10D209E3-6BC4-43B1-B576-B22610FDD30D}" type="presParOf" srcId="{9508B498-D8AF-488D-8E1A-AB402A48E330}" destId="{8D196C21-3A57-4110-B045-4B9A2ACAA825}" srcOrd="1" destOrd="0" presId="urn:microsoft.com/office/officeart/2005/8/layout/orgChart1"/>
+    <dgm:cxn modelId="{CCE1A0DE-FDC5-44C9-993B-EC41F905F269}" type="presParOf" srcId="{8D196C21-3A57-4110-B045-4B9A2ACAA825}" destId="{BAE70A9D-37D9-4498-A6DF-3D6CDE7372C3}" srcOrd="0" destOrd="0" presId="urn:microsoft.com/office/officeart/2005/8/layout/orgChart1"/>
+    <dgm:cxn modelId="{9D673CE8-B23B-4006-8B82-955BCDCF19A8}" type="presParOf" srcId="{BAE70A9D-37D9-4498-A6DF-3D6CDE7372C3}" destId="{3C7D3777-0AE3-4731-B917-734818879FB0}" srcOrd="0" destOrd="0" presId="urn:microsoft.com/office/officeart/2005/8/layout/orgChart1"/>
+    <dgm:cxn modelId="{CD620C22-6887-44CD-9144-D8AC19919598}" type="presParOf" srcId="{BAE70A9D-37D9-4498-A6DF-3D6CDE7372C3}" destId="{9D8E0677-5238-45AB-AB12-764681DE44E9}" srcOrd="1" destOrd="0" presId="urn:microsoft.com/office/officeart/2005/8/layout/orgChart1"/>
+    <dgm:cxn modelId="{35508B30-DA6A-44D4-A14D-B788E189A9C1}" type="presParOf" srcId="{8D196C21-3A57-4110-B045-4B9A2ACAA825}" destId="{4A23CF9B-00E3-42AC-A3FC-6EF1CCB86EDE}" srcOrd="1" destOrd="0" presId="urn:microsoft.com/office/officeart/2005/8/layout/orgChart1"/>
+    <dgm:cxn modelId="{1CECEFC6-FF4C-434F-89AC-FB11F53E2000}" type="presParOf" srcId="{8D196C21-3A57-4110-B045-4B9A2ACAA825}" destId="{8C973500-FAD3-4FAE-859B-93B03064AE6A}" srcOrd="2" destOrd="0" presId="urn:microsoft.com/office/officeart/2005/8/layout/orgChart1"/>
+    <dgm:cxn modelId="{08F39E75-5E68-4358-8B7E-BB16776D8547}" type="presParOf" srcId="{9508B498-D8AF-488D-8E1A-AB402A48E330}" destId="{5C7C6604-1F02-4ECA-A671-07418F430AEF}" srcOrd="2" destOrd="0" presId="urn:microsoft.com/office/officeart/2005/8/layout/orgChart1"/>
+    <dgm:cxn modelId="{586661DD-1A1D-418A-B60F-A5FCD5765F82}" type="presParOf" srcId="{9508B498-D8AF-488D-8E1A-AB402A48E330}" destId="{714ADEFB-BF46-4E3D-835D-384831B94CC9}" srcOrd="3" destOrd="0" presId="urn:microsoft.com/office/officeart/2005/8/layout/orgChart1"/>
+    <dgm:cxn modelId="{F1E14D6E-8C1E-4324-8A3B-4F21651ABBE8}" type="presParOf" srcId="{714ADEFB-BF46-4E3D-835D-384831B94CC9}" destId="{0CC6B549-361B-4A65-9C05-062E2F68393A}" srcOrd="0" destOrd="0" presId="urn:microsoft.com/office/officeart/2005/8/layout/orgChart1"/>
+    <dgm:cxn modelId="{DE1AB751-1177-4B72-B95E-366406DAF1EE}" type="presParOf" srcId="{0CC6B549-361B-4A65-9C05-062E2F68393A}" destId="{76DB25AF-57D7-458E-BD89-5D17D774A691}" srcOrd="0" destOrd="0" presId="urn:microsoft.com/office/officeart/2005/8/layout/orgChart1"/>
+    <dgm:cxn modelId="{2868A77B-0576-42FB-823F-50D1FF8A5E56}" type="presParOf" srcId="{0CC6B549-361B-4A65-9C05-062E2F68393A}" destId="{6C382240-101B-4773-9D98-8D712AE593D4}" srcOrd="1" destOrd="0" presId="urn:microsoft.com/office/officeart/2005/8/layout/orgChart1"/>
+    <dgm:cxn modelId="{54394E28-57F9-4E4F-873C-21B4ED505276}" type="presParOf" srcId="{714ADEFB-BF46-4E3D-835D-384831B94CC9}" destId="{37314154-BDA5-4FAB-B240-A5883A7BE6D0}" srcOrd="1" destOrd="0" presId="urn:microsoft.com/office/officeart/2005/8/layout/orgChart1"/>
+    <dgm:cxn modelId="{3864FC9C-8B9C-43BD-89E0-BB0E2A193B06}" type="presParOf" srcId="{714ADEFB-BF46-4E3D-835D-384831B94CC9}" destId="{32E80643-6506-4D42-AC19-7481BE271AEB}" srcOrd="2" destOrd="0" presId="urn:microsoft.com/office/officeart/2005/8/layout/orgChart1"/>
+    <dgm:cxn modelId="{D2BC7D79-CB96-462E-937E-CB915144FD0A}" type="presParOf" srcId="{40F4A32B-9FD1-4E3D-9813-AAFC0F054AB0}" destId="{7EABB4C4-375B-4077-9B12-FE440DF732CA}" srcOrd="2" destOrd="0" presId="urn:microsoft.com/office/officeart/2005/8/layout/orgChart1"/>
+    <dgm:cxn modelId="{E36CC15E-AA53-4806-B48B-828EE9C8ECF4}" type="presParOf" srcId="{E7684E41-2897-47D6-88D1-EA9044CBE0F9}" destId="{957E430B-08A5-4536-99BA-D81142791BD6}" srcOrd="2" destOrd="0" presId="urn:microsoft.com/office/officeart/2005/8/layout/orgChart1"/>
+    <dgm:cxn modelId="{9C420D78-1790-4DAB-8CAF-2394C8A25E86}" type="presParOf" srcId="{E7684E41-2897-47D6-88D1-EA9044CBE0F9}" destId="{BDBBEBFD-D5FD-45FF-AA38-8C22C682ED5C}" srcOrd="3" destOrd="0" presId="urn:microsoft.com/office/officeart/2005/8/layout/orgChart1"/>
+    <dgm:cxn modelId="{B23CA1DA-87AC-4EDD-8038-FA1BE1ED24EE}" type="presParOf" srcId="{BDBBEBFD-D5FD-45FF-AA38-8C22C682ED5C}" destId="{5A0D0DA2-2108-47C5-AF06-2B3BFD7EA3C2}" srcOrd="0" destOrd="0" presId="urn:microsoft.com/office/officeart/2005/8/layout/orgChart1"/>
+    <dgm:cxn modelId="{3AEAA67C-4D15-46F4-A342-FA01BE4946F9}" type="presParOf" srcId="{5A0D0DA2-2108-47C5-AF06-2B3BFD7EA3C2}" destId="{EA3F216B-A106-4DCB-B869-1D79DD10095A}" srcOrd="0" destOrd="0" presId="urn:microsoft.com/office/officeart/2005/8/layout/orgChart1"/>
+    <dgm:cxn modelId="{353188DE-F117-49A6-A5DE-7D19CBBD840E}" type="presParOf" srcId="{5A0D0DA2-2108-47C5-AF06-2B3BFD7EA3C2}" destId="{28EF2D13-51E4-4A73-B881-3CD5EC759188}" srcOrd="1" destOrd="0" presId="urn:microsoft.com/office/officeart/2005/8/layout/orgChart1"/>
+    <dgm:cxn modelId="{3F1B2930-8F91-4A43-91B8-1EC6556290AB}" type="presParOf" srcId="{BDBBEBFD-D5FD-45FF-AA38-8C22C682ED5C}" destId="{9FB97468-7F30-4606-B687-1FD94E40D3B6}" srcOrd="1" destOrd="0" presId="urn:microsoft.com/office/officeart/2005/8/layout/orgChart1"/>
+    <dgm:cxn modelId="{A38DAFD7-07C6-4390-A028-9C9B8BAD1201}" type="presParOf" srcId="{BDBBEBFD-D5FD-45FF-AA38-8C22C682ED5C}" destId="{ECA25FD4-C275-4568-BAAD-8F95782A01C1}" srcOrd="2" destOrd="0" presId="urn:microsoft.com/office/officeart/2005/8/layout/orgChart1"/>
+    <dgm:cxn modelId="{AF75B63A-4881-4048-9978-5CC377F2B577}" type="presParOf" srcId="{2BA09336-FD91-4BE8-B7D9-7B9FFDD35EE2}" destId="{F78196DD-C71C-4664-8ECB-6D7A4BB5F8E7}" srcOrd="2" destOrd="0" presId="urn:microsoft.com/office/officeart/2005/8/layout/orgChart1"/>
+  </dgm:cxnLst>
+  <dgm:bg/>
+  <dgm:whole/>
+  <dgm:extLst>
+    <a:ext uri="http://schemas.microsoft.com/office/drawing/2008/diagram">
+      <dsp:dataModelExt xmlns:dsp="http://schemas.microsoft.com/office/drawing/2008/diagram" relId="rId6" minVer="http://schemas.openxmlformats.org/drawingml/2006/diagram"/>
+    </a:ext>
+  </dgm:extLst>
+</dgm:dataModel>
+</file>
+
+<file path=ppt/diagrams/drawing1.xml><?xml version="1.0" encoding="utf-8"?>
+<dsp:drawing xmlns:dgm="http://schemas.openxmlformats.org/drawingml/2006/diagram" xmlns:dsp="http://schemas.microsoft.com/office/drawing/2008/diagram" xmlns:a="http://schemas.openxmlformats.org/drawingml/2006/main">
+  <dsp:spTree>
+    <dsp:nvGrpSpPr>
+      <dsp:cNvPr id="0" name=""/>
+      <dsp:cNvGrpSpPr/>
+    </dsp:nvGrpSpPr>
+    <dsp:grpSpPr/>
+    <dsp:sp modelId="{957E430B-08A5-4536-99BA-D81142791BD6}">
+      <dsp:nvSpPr>
+        <dsp:cNvPr id="0" name=""/>
+        <dsp:cNvSpPr/>
+      </dsp:nvSpPr>
+      <dsp:spPr>
+        <a:xfrm>
+          <a:off x="3201741" y="1133479"/>
+          <a:ext cx="1370705" cy="475782"/>
+        </a:xfrm>
+        <a:custGeom>
+          <a:avLst/>
+          <a:gdLst/>
+          <a:ahLst/>
+          <a:cxnLst/>
+          <a:rect l="0" t="0" r="0" b="0"/>
+          <a:pathLst>
+            <a:path>
+              <a:moveTo>
+                <a:pt x="1370705" y="0"/>
+              </a:moveTo>
+              <a:lnTo>
+                <a:pt x="1370705" y="237891"/>
+              </a:lnTo>
+              <a:lnTo>
+                <a:pt x="0" y="237891"/>
+              </a:lnTo>
+              <a:lnTo>
+                <a:pt x="0" y="475782"/>
+              </a:lnTo>
+            </a:path>
+          </a:pathLst>
+        </a:custGeom>
+        <a:noFill/>
+        <a:ln w="12700" cap="flat" cmpd="sng" algn="ctr">
+          <a:solidFill>
+            <a:schemeClr val="accent1">
+              <a:shade val="60000"/>
+              <a:hueOff val="0"/>
+              <a:satOff val="0"/>
+              <a:lumOff val="0"/>
+              <a:alphaOff val="0"/>
+            </a:schemeClr>
+          </a:solidFill>
+          <a:prstDash val="solid"/>
+          <a:miter lim="800000"/>
+        </a:ln>
+        <a:effectLst/>
+      </dsp:spPr>
+      <dsp:style>
+        <a:lnRef idx="2">
+          <a:scrgbClr r="0" g="0" b="0"/>
+        </a:lnRef>
+        <a:fillRef idx="0">
+          <a:scrgbClr r="0" g="0" b="0"/>
+        </a:fillRef>
+        <a:effectRef idx="0">
+          <a:scrgbClr r="0" g="0" b="0"/>
+        </a:effectRef>
+        <a:fontRef idx="minor"/>
+      </dsp:style>
+    </dsp:sp>
+    <dsp:sp modelId="{5C7C6604-1F02-4ECA-A671-07418F430AEF}">
+      <dsp:nvSpPr>
+        <dsp:cNvPr id="0" name=""/>
+        <dsp:cNvSpPr/>
+      </dsp:nvSpPr>
+      <dsp:spPr>
+        <a:xfrm>
+          <a:off x="4572447" y="2742076"/>
+          <a:ext cx="1370705" cy="475782"/>
+        </a:xfrm>
+        <a:custGeom>
+          <a:avLst/>
+          <a:gdLst/>
+          <a:ahLst/>
+          <a:cxnLst/>
+          <a:rect l="0" t="0" r="0" b="0"/>
+          <a:pathLst>
+            <a:path>
+              <a:moveTo>
+                <a:pt x="1370705" y="0"/>
+              </a:moveTo>
+              <a:lnTo>
+                <a:pt x="1370705" y="237891"/>
+              </a:lnTo>
+              <a:lnTo>
+                <a:pt x="0" y="237891"/>
+              </a:lnTo>
+              <a:lnTo>
+                <a:pt x="0" y="475782"/>
+              </a:lnTo>
+            </a:path>
+          </a:pathLst>
+        </a:custGeom>
+        <a:noFill/>
+        <a:ln w="12700" cap="flat" cmpd="sng" algn="ctr">
+          <a:solidFill>
+            <a:schemeClr val="accent1">
+              <a:shade val="80000"/>
+              <a:hueOff val="0"/>
+              <a:satOff val="0"/>
+              <a:lumOff val="0"/>
+              <a:alphaOff val="0"/>
+            </a:schemeClr>
+          </a:solidFill>
+          <a:prstDash val="solid"/>
+          <a:miter lim="800000"/>
+        </a:ln>
+        <a:effectLst/>
+      </dsp:spPr>
+      <dsp:style>
+        <a:lnRef idx="2">
+          <a:scrgbClr r="0" g="0" b="0"/>
+        </a:lnRef>
+        <a:fillRef idx="0">
+          <a:scrgbClr r="0" g="0" b="0"/>
+        </a:fillRef>
+        <a:effectRef idx="0">
+          <a:scrgbClr r="0" g="0" b="0"/>
+        </a:effectRef>
+        <a:fontRef idx="minor"/>
+      </dsp:style>
+    </dsp:sp>
+    <dsp:sp modelId="{43596E3A-B4C3-4BF2-83A7-65276B31F129}">
+      <dsp:nvSpPr>
+        <dsp:cNvPr id="0" name=""/>
+        <dsp:cNvSpPr/>
+      </dsp:nvSpPr>
+      <dsp:spPr>
+        <a:xfrm>
+          <a:off x="5943152" y="2742076"/>
+          <a:ext cx="1370705" cy="475782"/>
+        </a:xfrm>
+        <a:custGeom>
+          <a:avLst/>
+          <a:gdLst/>
+          <a:ahLst/>
+          <a:cxnLst/>
+          <a:rect l="0" t="0" r="0" b="0"/>
+          <a:pathLst>
+            <a:path>
+              <a:moveTo>
+                <a:pt x="0" y="0"/>
+              </a:moveTo>
+              <a:lnTo>
+                <a:pt x="0" y="237891"/>
+              </a:lnTo>
+              <a:lnTo>
+                <a:pt x="1370705" y="237891"/>
+              </a:lnTo>
+              <a:lnTo>
+                <a:pt x="1370705" y="475782"/>
+              </a:lnTo>
+            </a:path>
+          </a:pathLst>
+        </a:custGeom>
+        <a:noFill/>
+        <a:ln w="12700" cap="flat" cmpd="sng" algn="ctr">
+          <a:solidFill>
+            <a:schemeClr val="accent1">
+              <a:shade val="80000"/>
+              <a:hueOff val="0"/>
+              <a:satOff val="0"/>
+              <a:lumOff val="0"/>
+              <a:alphaOff val="0"/>
+            </a:schemeClr>
+          </a:solidFill>
+          <a:prstDash val="solid"/>
+          <a:miter lim="800000"/>
+        </a:ln>
+        <a:effectLst/>
+      </dsp:spPr>
+      <dsp:style>
+        <a:lnRef idx="2">
+          <a:scrgbClr r="0" g="0" b="0"/>
+        </a:lnRef>
+        <a:fillRef idx="0">
+          <a:scrgbClr r="0" g="0" b="0"/>
+        </a:fillRef>
+        <a:effectRef idx="0">
+          <a:scrgbClr r="0" g="0" b="0"/>
+        </a:effectRef>
+        <a:fontRef idx="minor"/>
+      </dsp:style>
+    </dsp:sp>
+    <dsp:sp modelId="{3A270329-A585-4798-AD4F-CF958E8C8769}">
+      <dsp:nvSpPr>
+        <dsp:cNvPr id="0" name=""/>
+        <dsp:cNvSpPr/>
+      </dsp:nvSpPr>
+      <dsp:spPr>
+        <a:xfrm>
+          <a:off x="4572447" y="1133479"/>
+          <a:ext cx="1370705" cy="475782"/>
+        </a:xfrm>
+        <a:custGeom>
+          <a:avLst/>
+          <a:gdLst/>
+          <a:ahLst/>
+          <a:cxnLst/>
+          <a:rect l="0" t="0" r="0" b="0"/>
+          <a:pathLst>
+            <a:path>
+              <a:moveTo>
+                <a:pt x="0" y="0"/>
+              </a:moveTo>
+              <a:lnTo>
+                <a:pt x="0" y="237891"/>
+              </a:lnTo>
+              <a:lnTo>
+                <a:pt x="1370705" y="237891"/>
+              </a:lnTo>
+              <a:lnTo>
+                <a:pt x="1370705" y="475782"/>
+              </a:lnTo>
+            </a:path>
+          </a:pathLst>
+        </a:custGeom>
+        <a:noFill/>
+        <a:ln w="12700" cap="flat" cmpd="sng" algn="ctr">
+          <a:solidFill>
+            <a:schemeClr val="accent1">
+              <a:shade val="60000"/>
+              <a:hueOff val="0"/>
+              <a:satOff val="0"/>
+              <a:lumOff val="0"/>
+              <a:alphaOff val="0"/>
+            </a:schemeClr>
+          </a:solidFill>
+          <a:prstDash val="solid"/>
+          <a:miter lim="800000"/>
+        </a:ln>
+        <a:effectLst/>
+      </dsp:spPr>
+      <dsp:style>
+        <a:lnRef idx="2">
+          <a:scrgbClr r="0" g="0" b="0"/>
+        </a:lnRef>
+        <a:fillRef idx="0">
+          <a:scrgbClr r="0" g="0" b="0"/>
+        </a:fillRef>
+        <a:effectRef idx="0">
+          <a:scrgbClr r="0" g="0" b="0"/>
+        </a:effectRef>
+        <a:fontRef idx="minor"/>
+      </dsp:style>
+    </dsp:sp>
+    <dsp:sp modelId="{9E91ACEA-4398-4341-A5D1-63B4AF1DB5A7}">
+      <dsp:nvSpPr>
+        <dsp:cNvPr id="0" name=""/>
+        <dsp:cNvSpPr/>
+      </dsp:nvSpPr>
+      <dsp:spPr>
+        <a:xfrm>
+          <a:off x="3439632" y="665"/>
+          <a:ext cx="2265629" cy="1132814"/>
+        </a:xfrm>
+        <a:prstGeom prst="rect">
+          <a:avLst/>
+        </a:prstGeom>
+        <a:gradFill rotWithShape="0">
+          <a:gsLst>
+            <a:gs pos="0">
+              <a:schemeClr val="accent1">
+                <a:hueOff val="0"/>
+                <a:satOff val="0"/>
+                <a:lumOff val="0"/>
+                <a:alphaOff val="0"/>
+                <a:lumMod val="110000"/>
+                <a:satMod val="105000"/>
+                <a:tint val="67000"/>
+              </a:schemeClr>
+            </a:gs>
+            <a:gs pos="50000">
+              <a:schemeClr val="accent1">
+                <a:hueOff val="0"/>
+                <a:satOff val="0"/>
+                <a:lumOff val="0"/>
+                <a:alphaOff val="0"/>
+                <a:lumMod val="105000"/>
+                <a:satMod val="103000"/>
+                <a:tint val="73000"/>
+              </a:schemeClr>
+            </a:gs>
+            <a:gs pos="100000">
+              <a:schemeClr val="accent1">
+                <a:hueOff val="0"/>
+                <a:satOff val="0"/>
+                <a:lumOff val="0"/>
+                <a:alphaOff val="0"/>
+                <a:lumMod val="105000"/>
+                <a:satMod val="109000"/>
+                <a:tint val="81000"/>
+              </a:schemeClr>
+            </a:gs>
+          </a:gsLst>
+          <a:lin ang="5400000" scaled="0"/>
+        </a:gradFill>
+        <a:ln>
+          <a:noFill/>
+        </a:ln>
+        <a:effectLst/>
+        <a:scene3d>
+          <a:camera prst="orthographicFront"/>
+          <a:lightRig rig="flat" dir="t"/>
+        </a:scene3d>
+        <a:sp3d prstMaterial="dkEdge">
+          <a:bevelT w="8200" h="38100"/>
+        </a:sp3d>
+      </dsp:spPr>
+      <dsp:style>
+        <a:lnRef idx="0">
+          <a:scrgbClr r="0" g="0" b="0"/>
+        </a:lnRef>
+        <a:fillRef idx="2">
+          <a:scrgbClr r="0" g="0" b="0"/>
+        </a:fillRef>
+        <a:effectRef idx="1">
+          <a:scrgbClr r="0" g="0" b="0"/>
+        </a:effectRef>
+        <a:fontRef idx="minor">
+          <a:schemeClr val="dk1"/>
+        </a:fontRef>
+      </dsp:style>
+      <dsp:txBody>
+        <a:bodyPr spcFirstLastPara="0" vert="horz" wrap="square" lIns="26670" tIns="26670" rIns="26670" bIns="26670" numCol="1" spcCol="1270" anchor="ctr" anchorCtr="0">
+          <a:noAutofit/>
+        </a:bodyPr>
+        <a:lstStyle/>
+        <a:p>
+          <a:pPr marL="0" lvl="0" indent="0" algn="ctr" defTabSz="1866900">
+            <a:lnSpc>
+              <a:spcPct val="90000"/>
+            </a:lnSpc>
+            <a:spcBef>
+              <a:spcPct val="0"/>
+            </a:spcBef>
+            <a:spcAft>
+              <a:spcPct val="35000"/>
+            </a:spcAft>
+            <a:buNone/>
+          </a:pPr>
+          <a:r>
+            <a:rPr lang="en-US" altLang="zh-CN" sz="4200" kern="1200" dirty="0"/>
+            <a:t>BUBG</a:t>
+          </a:r>
+          <a:endParaRPr lang="zh-CN" altLang="en-US" sz="4200" kern="1200" dirty="0"/>
+        </a:p>
+      </dsp:txBody>
+      <dsp:txXfrm>
+        <a:off x="3439632" y="665"/>
+        <a:ext cx="2265629" cy="1132814"/>
+      </dsp:txXfrm>
+    </dsp:sp>
+    <dsp:sp modelId="{86417C25-55D8-46E0-8A33-B183A7480C7A}">
+      <dsp:nvSpPr>
+        <dsp:cNvPr id="0" name=""/>
+        <dsp:cNvSpPr/>
+      </dsp:nvSpPr>
+      <dsp:spPr>
+        <a:xfrm>
+          <a:off x="4810338" y="1609261"/>
+          <a:ext cx="2265629" cy="1132814"/>
+        </a:xfrm>
+        <a:prstGeom prst="rect">
+          <a:avLst/>
+        </a:prstGeom>
+        <a:gradFill rotWithShape="0">
+          <a:gsLst>
+            <a:gs pos="0">
+              <a:schemeClr val="accent1">
+                <a:hueOff val="0"/>
+                <a:satOff val="0"/>
+                <a:lumOff val="0"/>
+                <a:alphaOff val="0"/>
+                <a:lumMod val="110000"/>
+                <a:satMod val="105000"/>
+                <a:tint val="67000"/>
+              </a:schemeClr>
+            </a:gs>
+            <a:gs pos="50000">
+              <a:schemeClr val="accent1">
+                <a:hueOff val="0"/>
+                <a:satOff val="0"/>
+                <a:lumOff val="0"/>
+                <a:alphaOff val="0"/>
+                <a:lumMod val="105000"/>
+                <a:satMod val="103000"/>
+                <a:tint val="73000"/>
+              </a:schemeClr>
+            </a:gs>
+            <a:gs pos="100000">
+              <a:schemeClr val="accent1">
+                <a:hueOff val="0"/>
+                <a:satOff val="0"/>
+                <a:lumOff val="0"/>
+                <a:alphaOff val="0"/>
+                <a:lumMod val="105000"/>
+                <a:satMod val="109000"/>
+                <a:tint val="81000"/>
+              </a:schemeClr>
+            </a:gs>
+          </a:gsLst>
+          <a:lin ang="5400000" scaled="0"/>
+        </a:gradFill>
+        <a:ln>
+          <a:noFill/>
+        </a:ln>
+        <a:effectLst/>
+        <a:scene3d>
+          <a:camera prst="orthographicFront"/>
+          <a:lightRig rig="flat" dir="t"/>
+        </a:scene3d>
+        <a:sp3d prstMaterial="dkEdge">
+          <a:bevelT w="8200" h="38100"/>
+        </a:sp3d>
+      </dsp:spPr>
+      <dsp:style>
+        <a:lnRef idx="0">
+          <a:scrgbClr r="0" g="0" b="0"/>
+        </a:lnRef>
+        <a:fillRef idx="2">
+          <a:scrgbClr r="0" g="0" b="0"/>
+        </a:fillRef>
+        <a:effectRef idx="1">
+          <a:scrgbClr r="0" g="0" b="0"/>
+        </a:effectRef>
+        <a:fontRef idx="minor">
+          <a:schemeClr val="dk1"/>
+        </a:fontRef>
+      </dsp:style>
+      <dsp:txBody>
+        <a:bodyPr spcFirstLastPara="0" vert="horz" wrap="square" lIns="26670" tIns="26670" rIns="26670" bIns="26670" numCol="1" spcCol="1270" anchor="ctr" anchorCtr="0">
+          <a:noAutofit/>
+        </a:bodyPr>
+        <a:lstStyle/>
+        <a:p>
+          <a:pPr marL="0" lvl="0" indent="0" algn="ctr" defTabSz="1866900">
+            <a:lnSpc>
+              <a:spcPct val="90000"/>
+            </a:lnSpc>
+            <a:spcBef>
+              <a:spcPct val="0"/>
+            </a:spcBef>
+            <a:spcAft>
+              <a:spcPct val="35000"/>
+            </a:spcAft>
+            <a:buNone/>
+          </a:pPr>
+          <a:r>
+            <a:rPr lang="en-US" altLang="zh-CN" sz="4200" kern="1200" dirty="0" err="1"/>
+            <a:t>Controler</a:t>
+          </a:r>
+          <a:endParaRPr lang="zh-CN" altLang="en-US" sz="4200" kern="1200" dirty="0"/>
+        </a:p>
+      </dsp:txBody>
+      <dsp:txXfrm>
+        <a:off x="4810338" y="1609261"/>
+        <a:ext cx="2265629" cy="1132814"/>
+      </dsp:txXfrm>
+    </dsp:sp>
+    <dsp:sp modelId="{3C7D3777-0AE3-4731-B917-734818879FB0}">
+      <dsp:nvSpPr>
+        <dsp:cNvPr id="0" name=""/>
+        <dsp:cNvSpPr/>
+      </dsp:nvSpPr>
+      <dsp:spPr>
+        <a:xfrm>
+          <a:off x="6181043" y="3217858"/>
+          <a:ext cx="2265629" cy="1132814"/>
+        </a:xfrm>
+        <a:prstGeom prst="rect">
+          <a:avLst/>
+        </a:prstGeom>
+        <a:gradFill rotWithShape="0">
+          <a:gsLst>
+            <a:gs pos="0">
+              <a:schemeClr val="accent1">
+                <a:hueOff val="0"/>
+                <a:satOff val="0"/>
+                <a:lumOff val="0"/>
+                <a:alphaOff val="0"/>
+                <a:lumMod val="110000"/>
+                <a:satMod val="105000"/>
+                <a:tint val="67000"/>
+              </a:schemeClr>
+            </a:gs>
+            <a:gs pos="50000">
+              <a:schemeClr val="accent1">
+                <a:hueOff val="0"/>
+                <a:satOff val="0"/>
+                <a:lumOff val="0"/>
+                <a:alphaOff val="0"/>
+                <a:lumMod val="105000"/>
+                <a:satMod val="103000"/>
+                <a:tint val="73000"/>
+              </a:schemeClr>
+            </a:gs>
+            <a:gs pos="100000">
+              <a:schemeClr val="accent1">
+                <a:hueOff val="0"/>
+                <a:satOff val="0"/>
+                <a:lumOff val="0"/>
+                <a:alphaOff val="0"/>
+                <a:lumMod val="105000"/>
+                <a:satMod val="109000"/>
+                <a:tint val="81000"/>
+              </a:schemeClr>
+            </a:gs>
+          </a:gsLst>
+          <a:lin ang="5400000" scaled="0"/>
+        </a:gradFill>
+        <a:ln>
+          <a:noFill/>
+        </a:ln>
+        <a:effectLst/>
+        <a:scene3d>
+          <a:camera prst="orthographicFront"/>
+          <a:lightRig rig="flat" dir="t"/>
+        </a:scene3d>
+        <a:sp3d prstMaterial="dkEdge">
+          <a:bevelT w="8200" h="38100"/>
+        </a:sp3d>
+      </dsp:spPr>
+      <dsp:style>
+        <a:lnRef idx="0">
+          <a:scrgbClr r="0" g="0" b="0"/>
+        </a:lnRef>
+        <a:fillRef idx="2">
+          <a:scrgbClr r="0" g="0" b="0"/>
+        </a:fillRef>
+        <a:effectRef idx="1">
+          <a:scrgbClr r="0" g="0" b="0"/>
+        </a:effectRef>
+        <a:fontRef idx="minor">
+          <a:schemeClr val="dk1"/>
+        </a:fontRef>
+      </dsp:style>
+      <dsp:txBody>
+        <a:bodyPr spcFirstLastPara="0" vert="horz" wrap="square" lIns="26670" tIns="26670" rIns="26670" bIns="26670" numCol="1" spcCol="1270" anchor="ctr" anchorCtr="0">
+          <a:noAutofit/>
+        </a:bodyPr>
+        <a:lstStyle/>
+        <a:p>
+          <a:pPr marL="0" lvl="0" indent="0" algn="ctr" defTabSz="1866900">
+            <a:lnSpc>
+              <a:spcPct val="90000"/>
+            </a:lnSpc>
+            <a:spcBef>
+              <a:spcPct val="0"/>
+            </a:spcBef>
+            <a:spcAft>
+              <a:spcPct val="35000"/>
+            </a:spcAft>
+            <a:buNone/>
+          </a:pPr>
+          <a:r>
+            <a:rPr lang="zh-CN" altLang="en-US" sz="4200" kern="1200" dirty="0"/>
+            <a:t>基础组件</a:t>
+          </a:r>
+        </a:p>
+      </dsp:txBody>
+      <dsp:txXfrm>
+        <a:off x="6181043" y="3217858"/>
+        <a:ext cx="2265629" cy="1132814"/>
+      </dsp:txXfrm>
+    </dsp:sp>
+    <dsp:sp modelId="{76DB25AF-57D7-458E-BD89-5D17D774A691}">
+      <dsp:nvSpPr>
+        <dsp:cNvPr id="0" name=""/>
+        <dsp:cNvSpPr/>
+      </dsp:nvSpPr>
+      <dsp:spPr>
+        <a:xfrm>
+          <a:off x="3439632" y="3217858"/>
+          <a:ext cx="2265629" cy="1132814"/>
+        </a:xfrm>
+        <a:prstGeom prst="rect">
+          <a:avLst/>
+        </a:prstGeom>
+        <a:gradFill rotWithShape="0">
+          <a:gsLst>
+            <a:gs pos="0">
+              <a:schemeClr val="accent1">
+                <a:hueOff val="0"/>
+                <a:satOff val="0"/>
+                <a:lumOff val="0"/>
+                <a:alphaOff val="0"/>
+                <a:lumMod val="110000"/>
+                <a:satMod val="105000"/>
+                <a:tint val="67000"/>
+              </a:schemeClr>
+            </a:gs>
+            <a:gs pos="50000">
+              <a:schemeClr val="accent1">
+                <a:hueOff val="0"/>
+                <a:satOff val="0"/>
+                <a:lumOff val="0"/>
+                <a:alphaOff val="0"/>
+                <a:lumMod val="105000"/>
+                <a:satMod val="103000"/>
+                <a:tint val="73000"/>
+              </a:schemeClr>
+            </a:gs>
+            <a:gs pos="100000">
+              <a:schemeClr val="accent1">
+                <a:hueOff val="0"/>
+                <a:satOff val="0"/>
+                <a:lumOff val="0"/>
+                <a:alphaOff val="0"/>
+                <a:lumMod val="105000"/>
+                <a:satMod val="109000"/>
+                <a:tint val="81000"/>
+              </a:schemeClr>
+            </a:gs>
+          </a:gsLst>
+          <a:lin ang="5400000" scaled="0"/>
+        </a:gradFill>
+        <a:ln>
+          <a:noFill/>
+        </a:ln>
+        <a:effectLst/>
+        <a:scene3d>
+          <a:camera prst="orthographicFront"/>
+          <a:lightRig rig="flat" dir="t"/>
+        </a:scene3d>
+        <a:sp3d prstMaterial="dkEdge">
+          <a:bevelT w="8200" h="38100"/>
+        </a:sp3d>
+      </dsp:spPr>
+      <dsp:style>
+        <a:lnRef idx="0">
+          <a:scrgbClr r="0" g="0" b="0"/>
+        </a:lnRef>
+        <a:fillRef idx="2">
+          <a:scrgbClr r="0" g="0" b="0"/>
+        </a:fillRef>
+        <a:effectRef idx="1">
+          <a:scrgbClr r="0" g="0" b="0"/>
+        </a:effectRef>
+        <a:fontRef idx="minor">
+          <a:schemeClr val="dk1"/>
+        </a:fontRef>
+      </dsp:style>
+      <dsp:txBody>
+        <a:bodyPr spcFirstLastPara="0" vert="horz" wrap="square" lIns="26670" tIns="26670" rIns="26670" bIns="26670" numCol="1" spcCol="1270" anchor="ctr" anchorCtr="0">
+          <a:noAutofit/>
+        </a:bodyPr>
+        <a:lstStyle/>
+        <a:p>
+          <a:pPr marL="0" lvl="0" indent="0" algn="ctr" defTabSz="1866900">
+            <a:lnSpc>
+              <a:spcPct val="90000"/>
+            </a:lnSpc>
+            <a:spcBef>
+              <a:spcPct val="0"/>
+            </a:spcBef>
+            <a:spcAft>
+              <a:spcPct val="35000"/>
+            </a:spcAft>
+            <a:buNone/>
+          </a:pPr>
+          <a:r>
+            <a:rPr lang="zh-CN" altLang="en-US" sz="4200" kern="1200" dirty="0"/>
+            <a:t>网络组件</a:t>
+          </a:r>
+        </a:p>
+      </dsp:txBody>
+      <dsp:txXfrm>
+        <a:off x="3439632" y="3217858"/>
+        <a:ext cx="2265629" cy="1132814"/>
+      </dsp:txXfrm>
+    </dsp:sp>
+    <dsp:sp modelId="{EA3F216B-A106-4DCB-B869-1D79DD10095A}">
+      <dsp:nvSpPr>
+        <dsp:cNvPr id="0" name=""/>
+        <dsp:cNvSpPr/>
+      </dsp:nvSpPr>
+      <dsp:spPr>
+        <a:xfrm>
+          <a:off x="2068926" y="1609261"/>
+          <a:ext cx="2265629" cy="1132814"/>
+        </a:xfrm>
+        <a:prstGeom prst="rect">
+          <a:avLst/>
+        </a:prstGeom>
+        <a:gradFill rotWithShape="0">
+          <a:gsLst>
+            <a:gs pos="0">
+              <a:schemeClr val="accent1">
+                <a:hueOff val="0"/>
+                <a:satOff val="0"/>
+                <a:lumOff val="0"/>
+                <a:alphaOff val="0"/>
+                <a:lumMod val="110000"/>
+                <a:satMod val="105000"/>
+                <a:tint val="67000"/>
+              </a:schemeClr>
+            </a:gs>
+            <a:gs pos="50000">
+              <a:schemeClr val="accent1">
+                <a:hueOff val="0"/>
+                <a:satOff val="0"/>
+                <a:lumOff val="0"/>
+                <a:alphaOff val="0"/>
+                <a:lumMod val="105000"/>
+                <a:satMod val="103000"/>
+                <a:tint val="73000"/>
+              </a:schemeClr>
+            </a:gs>
+            <a:gs pos="100000">
+              <a:schemeClr val="accent1">
+                <a:hueOff val="0"/>
+                <a:satOff val="0"/>
+                <a:lumOff val="0"/>
+                <a:alphaOff val="0"/>
+                <a:lumMod val="105000"/>
+                <a:satMod val="109000"/>
+                <a:tint val="81000"/>
+              </a:schemeClr>
+            </a:gs>
+          </a:gsLst>
+          <a:lin ang="5400000" scaled="0"/>
+        </a:gradFill>
+        <a:ln>
+          <a:noFill/>
+        </a:ln>
+        <a:effectLst/>
+        <a:scene3d>
+          <a:camera prst="orthographicFront"/>
+          <a:lightRig rig="flat" dir="t"/>
+        </a:scene3d>
+        <a:sp3d prstMaterial="dkEdge">
+          <a:bevelT w="8200" h="38100"/>
+        </a:sp3d>
+      </dsp:spPr>
+      <dsp:style>
+        <a:lnRef idx="0">
+          <a:scrgbClr r="0" g="0" b="0"/>
+        </a:lnRef>
+        <a:fillRef idx="2">
+          <a:scrgbClr r="0" g="0" b="0"/>
+        </a:fillRef>
+        <a:effectRef idx="1">
+          <a:scrgbClr r="0" g="0" b="0"/>
+        </a:effectRef>
+        <a:fontRef idx="minor">
+          <a:schemeClr val="dk1"/>
+        </a:fontRef>
+      </dsp:style>
+      <dsp:txBody>
+        <a:bodyPr spcFirstLastPara="0" vert="horz" wrap="square" lIns="26670" tIns="26670" rIns="26670" bIns="26670" numCol="1" spcCol="1270" anchor="ctr" anchorCtr="0">
+          <a:noAutofit/>
+        </a:bodyPr>
+        <a:lstStyle/>
+        <a:p>
+          <a:pPr marL="0" lvl="0" indent="0" algn="ctr" defTabSz="1866900">
+            <a:lnSpc>
+              <a:spcPct val="90000"/>
+            </a:lnSpc>
+            <a:spcBef>
+              <a:spcPct val="0"/>
+            </a:spcBef>
+            <a:spcAft>
+              <a:spcPct val="35000"/>
+            </a:spcAft>
+            <a:buNone/>
+          </a:pPr>
+          <a:r>
+            <a:rPr lang="zh-CN" altLang="en-US" sz="4200" kern="1200" dirty="0"/>
+            <a:t>场景界面</a:t>
+          </a:r>
+        </a:p>
+      </dsp:txBody>
+      <dsp:txXfrm>
+        <a:off x="2068926" y="1609261"/>
+        <a:ext cx="2265629" cy="1132814"/>
+      </dsp:txXfrm>
+    </dsp:sp>
+  </dsp:spTree>
+</dsp:drawing>
+</file>
+
+<file path=ppt/diagrams/layout1.xml><?xml version="1.0" encoding="utf-8"?>
+<dgm:layoutDef xmlns:dgm="http://schemas.openxmlformats.org/drawingml/2006/diagram" xmlns:a="http://schemas.openxmlformats.org/drawingml/2006/main" uniqueId="urn:microsoft.com/office/officeart/2005/8/layout/orgChart1">
+  <dgm:title val=""/>
+  <dgm:desc val=""/>
+  <dgm:catLst>
+    <dgm:cat type="hierarchy" pri="1000"/>
+    <dgm:cat type="convert" pri="6000"/>
+  </dgm:catLst>
+  <dgm:sampData>
+    <dgm:dataModel>
+      <dgm:ptLst>
+        <dgm:pt modelId="0" type="doc"/>
+        <dgm:pt modelId="1">
+          <dgm:prSet phldr="1"/>
+        </dgm:pt>
+        <dgm:pt modelId="2" type="asst">
+          <dgm:prSet phldr="1"/>
+        </dgm:pt>
+        <dgm:pt modelId="3">
+          <dgm:prSet phldr="1"/>
+        </dgm:pt>
+        <dgm:pt modelId="4">
+          <dgm:prSet phldr="1"/>
+        </dgm:pt>
+        <dgm:pt modelId="5">
+          <dgm:prSet phldr="1"/>
+        </dgm:pt>
+      </dgm:ptLst>
+      <dgm:cxnLst>
+        <dgm:cxn modelId="5" srcId="0" destId="1" srcOrd="0" destOrd="0"/>
+        <dgm:cxn modelId="6" srcId="1" destId="2" srcOrd="0" destOrd="0"/>
+        <dgm:cxn modelId="7" srcId="1" destId="3" srcOrd="1" destOrd="0"/>
+        <dgm:cxn modelId="8" srcId="1" destId="4" srcOrd="2" destOrd="0"/>
+        <dgm:cxn modelId="9" srcId="1" destId="5" srcOrd="3" destOrd="0"/>
+      </dgm:cxnLst>
+      <dgm:bg/>
+      <dgm:whole/>
+    </dgm:dataModel>
+  </dgm:sampData>
+  <dgm:styleData>
+    <dgm:dataModel>
+      <dgm:ptLst>
+        <dgm:pt modelId="0" type="doc"/>
+        <dgm:pt modelId="1"/>
+        <dgm:pt modelId="12"/>
+        <dgm:pt modelId="13"/>
+      </dgm:ptLst>
+      <dgm:cxnLst>
+        <dgm:cxn modelId="2" srcId="0" destId="1" srcOrd="0" destOrd="0"/>
+        <dgm:cxn modelId="16" srcId="1" destId="12" srcOrd="1" destOrd="0"/>
+        <dgm:cxn modelId="17" srcId="1" destId="13" srcOrd="2" destOrd="0"/>
+      </dgm:cxnLst>
+      <dgm:bg/>
+      <dgm:whole/>
+    </dgm:dataModel>
+  </dgm:styleData>
+  <dgm:clrData>
+    <dgm:dataModel>
+      <dgm:ptLst>
+        <dgm:pt modelId="0" type="doc"/>
+        <dgm:pt modelId="1"/>
+        <dgm:pt modelId="11" type="asst"/>
+        <dgm:pt modelId="12"/>
+        <dgm:pt modelId="13"/>
+        <dgm:pt modelId="14"/>
+      </dgm:ptLst>
+      <dgm:cxnLst>
+        <dgm:cxn modelId="2" srcId="0" destId="1" srcOrd="0" destOrd="0"/>
+        <dgm:cxn modelId="15" srcId="1" destId="11" srcOrd="0" destOrd="0"/>
+        <dgm:cxn modelId="16" srcId="1" destId="12" srcOrd="1" destOrd="0"/>
+        <dgm:cxn modelId="17" srcId="1" destId="13" srcOrd="2" destOrd="0"/>
+        <dgm:cxn modelId="18" srcId="1" destId="14" srcOrd="2" destOrd="0"/>
+      </dgm:cxnLst>
+      <dgm:bg/>
+      <dgm:whole/>
+    </dgm:dataModel>
+  </dgm:clrData>
+  <dgm:layoutNode name="hierChild1">
+    <dgm:varLst>
+      <dgm:orgChart val="1"/>
+      <dgm:chPref val="1"/>
+      <dgm:dir/>
+      <dgm:animOne val="branch"/>
+      <dgm:animLvl val="lvl"/>
+      <dgm:resizeHandles/>
+    </dgm:varLst>
+    <dgm:choose name="Name0">
+      <dgm:if name="Name1" func="var" arg="dir" op="equ" val="norm">
+        <dgm:alg type="hierChild">
+          <dgm:param type="linDir" val="fromL"/>
+        </dgm:alg>
+      </dgm:if>
+      <dgm:else name="Name2">
+        <dgm:alg type="hierChild">
+          <dgm:param type="linDir" val="fromR"/>
+        </dgm:alg>
+      </dgm:else>
+    </dgm:choose>
+    <dgm:shape xmlns:r="http://schemas.openxmlformats.org/officeDocument/2006/relationships" r:blip="">
+      <dgm:adjLst/>
+    </dgm:shape>
+    <dgm:presOf/>
+    <dgm:constrLst>
+      <dgm:constr type="w" for="des" forName="rootComposite1" refType="w" fact="10"/>
+      <dgm:constr type="h" for="des" forName="rootComposite1" refType="w" refFor="des" refForName="rootComposite1" fact="0.5"/>
+      <dgm:constr type="w" for="des" forName="rootComposite" refType="w" fact="10"/>
+      <dgm:constr type="h" for="des" forName="rootComposite" refType="w" refFor="des" refForName="rootComposite1" fact="0.5"/>
+      <dgm:constr type="w" for="des" forName="rootComposite3" refType="w" fact="10"/>
+      <dgm:constr type="h" for="des" forName="rootComposite3" refType="w" refFor="des" refForName="rootComposite1" fact="0.5"/>
+      <dgm:constr type="primFontSz" for="des" ptType="node" op="equ"/>
+      <dgm:constr type="sp" for="des" op="equ"/>
+      <dgm:constr type="sp" for="des" forName="hierRoot1" refType="w" refFor="des" refForName="rootComposite1" fact="0.21"/>
+      <dgm:constr type="sp" for="des" forName="hierRoot2" refType="sp" refFor="des" refForName="hierRoot1"/>
+      <dgm:constr type="sp" for="des" forName="hierRoot3" refType="sp" refFor="des" refForName="hierRoot1"/>
+      <dgm:constr type="sibSp" refType="w" refFor="des" refForName="rootComposite1" fact="0.21"/>
+      <dgm:constr type="sibSp" for="des" forName="hierChild2" refType="sibSp"/>
+      <dgm:constr type="sibSp" for="des" forName="hierChild3" refType="sibSp"/>
+      <dgm:constr type="sibSp" for="des" forName="hierChild4" refType="sibSp"/>
+      <dgm:constr type="sibSp" for="des" forName="hierChild5" refType="sibSp"/>
+      <dgm:constr type="sibSp" for="des" forName="hierChild6" refType="sibSp"/>
+      <dgm:constr type="sibSp" for="des" forName="hierChild7" refType="sibSp"/>
+      <dgm:constr type="secSibSp" refType="w" refFor="des" refForName="rootComposite1" fact="0.21"/>
+      <dgm:constr type="secSibSp" for="des" forName="hierChild2" refType="secSibSp"/>
+      <dgm:constr type="secSibSp" for="des" forName="hierChild3" refType="secSibSp"/>
+      <dgm:constr type="secSibSp" for="des" forName="hierChild4" refType="secSibSp"/>
+      <dgm:constr type="secSibSp" for="des" forName="hierChild5" refType="secSibSp"/>
+      <dgm:constr type="secSibSp" for="des" forName="hierChild6" refType="secSibSp"/>
+      <dgm:constr type="secSibSp" for="des" forName="hierChild7" refType="secSibSp"/>
+    </dgm:constrLst>
+    <dgm:ruleLst/>
+    <dgm:forEach name="Name3" axis="ch">
+      <dgm:forEach name="Name4" axis="self" ptType="node">
+        <dgm:layoutNode name="hierRoot1">
+          <dgm:varLst>
+            <dgm:hierBranch val="init"/>
+          </dgm:varLst>
+          <dgm:choose name="Name5">
+            <dgm:if name="Name6" func="var" arg="hierBranch" op="equ" val="l">
+              <dgm:choose name="Name7">
+                <dgm:if name="Name8" axis="ch" ptType="asst" func="cnt" op="gte" val="1">
+                  <dgm:alg type="hierRoot">
+                    <dgm:param type="hierAlign" val="tR"/>
+                  </dgm:alg>
+                  <dgm:constrLst>
+                    <dgm:constr type="alignOff" val="0.65"/>
+                  </dgm:constrLst>
+                </dgm:if>
+                <dgm:else name="Name9">
+                  <dgm:alg type="hierRoot">
+                    <dgm:param type="hierAlign" val="tR"/>
+                  </dgm:alg>
+                  <dgm:constrLst>
+                    <dgm:constr type="alignOff" val="0.25"/>
+                  </dgm:constrLst>
+                </dgm:else>
+              </dgm:choose>
+            </dgm:if>
+            <dgm:if name="Name10" func="var" arg="hierBranch" op="equ" val="r">
+              <dgm:choose name="Name11">
+                <dgm:if name="Name12" axis="ch" ptType="asst" func="cnt" op="gte" val="1">
+                  <dgm:alg type="hierRoot">
+                    <dgm:param type="hierAlign" val="tL"/>
+                  </dgm:alg>
+                  <dgm:constrLst>
+                    <dgm:constr type="alignOff" val="0.65"/>
+                  </dgm:constrLst>
+                </dgm:if>
+                <dgm:else name="Name13">
+                  <dgm:alg type="hierRoot">
+                    <dgm:param type="hierAlign" val="tL"/>
+                  </dgm:alg>
+                  <dgm:constrLst>
+                    <dgm:constr type="alignOff" val="0.25"/>
+                  </dgm:constrLst>
+                </dgm:else>
+              </dgm:choose>
+            </dgm:if>
+            <dgm:if name="Name14" func="var" arg="hierBranch" op="equ" val="hang">
+              <dgm:alg type="hierRoot"/>
+              <dgm:constrLst>
+                <dgm:constr type="alignOff" val="0.65"/>
+              </dgm:constrLst>
+            </dgm:if>
+            <dgm:else name="Name15">
+              <dgm:alg type="hierRoot"/>
+              <dgm:constrLst>
+                <dgm:constr type="alignOff"/>
+                <dgm:constr type="bendDist" for="des" ptType="parTrans" refType="sp" fact="0.5"/>
+              </dgm:constrLst>
+            </dgm:else>
+          </dgm:choose>
+          <dgm:shape xmlns:r="http://schemas.openxmlformats.org/officeDocument/2006/relationships" r:blip="">
+            <dgm:adjLst/>
+          </dgm:shape>
+          <dgm:presOf/>
+          <dgm:ruleLst/>
+          <dgm:layoutNode name="rootComposite1">
+            <dgm:alg type="composite"/>
+            <dgm:shape xmlns:r="http://schemas.openxmlformats.org/officeDocument/2006/relationships" r:blip="">
+              <dgm:adjLst/>
+            </dgm:shape>
+            <dgm:presOf axis="self" ptType="node" cnt="1"/>
+            <dgm:choose name="Name16">
+              <dgm:if name="Name17" func="var" arg="hierBranch" op="equ" val="init">
+                <dgm:constrLst>
+                  <dgm:constr type="l" for="ch" forName="rootText1"/>
+                  <dgm:constr type="t" for="ch" forName="rootText1"/>
+                  <dgm:constr type="w" for="ch" forName="rootText1" refType="w"/>
+                  <dgm:constr type="h" for="ch" forName="rootText1" refType="h"/>
+                  <dgm:constr type="l" for="ch" forName="rootConnector1"/>
+                  <dgm:constr type="t" for="ch" forName="rootConnector1"/>
+                  <dgm:constr type="w" for="ch" forName="rootConnector1" refType="w" refFor="ch" refForName="rootText1" fact="0.2"/>
+                  <dgm:constr type="h" for="ch" forName="rootConnector1" refType="h" refFor="ch" refForName="rootText1"/>
+                </dgm:constrLst>
+              </dgm:if>
+              <dgm:if name="Name18" func="var" arg="hierBranch" op="equ" val="l">
+                <dgm:constrLst>
+                  <dgm:constr type="l" for="ch" forName="rootText1"/>
+                  <dgm:constr type="t" for="ch" forName="rootText1"/>
+                  <dgm:constr type="w" for="ch" forName="rootText1" refType="w"/>
+                  <dgm:constr type="h" for="ch" forName="rootText1" refType="h"/>
+                  <dgm:constr type="r" for="ch" forName="rootConnector1" refType="w"/>
+                  <dgm:constr type="t" for="ch" forName="rootConnector1"/>
+                  <dgm:constr type="w" for="ch" forName="rootConnector1" refType="w" refFor="ch" refForName="rootText1" fact="0.2"/>
+                  <dgm:constr type="h" for="ch" forName="rootConnector1" refType="h" refFor="ch" refForName="rootText1"/>
+                </dgm:constrLst>
+              </dgm:if>
+              <dgm:if name="Name19" func="var" arg="hierBranch" op="equ" val="r">
+                <dgm:constrLst>
+                  <dgm:constr type="l" for="ch" forName="rootText1"/>
+                  <dgm:constr type="t" for="ch" forName="rootText1"/>
+                  <dgm:constr type="w" for="ch" forName="rootText1" refType="w"/>
+                  <dgm:constr type="h" for="ch" forName="rootText1" refType="h"/>
+                  <dgm:constr type="l" for="ch" forName="rootConnector1"/>
+                  <dgm:constr type="t" for="ch" forName="rootConnector1"/>
+                  <dgm:constr type="w" for="ch" forName="rootConnector1" refType="w" refFor="ch" refForName="rootText1" fact="0.2"/>
+                  <dgm:constr type="h" for="ch" forName="rootConnector1" refType="h" refFor="ch" refForName="rootText1"/>
+                </dgm:constrLst>
+              </dgm:if>
+              <dgm:else name="Name20">
+                <dgm:constrLst>
+                  <dgm:constr type="l" for="ch" forName="rootText1"/>
+                  <dgm:constr type="t" for="ch" forName="rootText1"/>
+                  <dgm:constr type="w" for="ch" forName="rootText1" refType="w"/>
+                  <dgm:constr type="h" for="ch" forName="rootText1" refType="h"/>
+                  <dgm:constr type="r" for="ch" forName="rootConnector1" refType="w"/>
+                  <dgm:constr type="t" for="ch" forName="rootConnector1"/>
+                  <dgm:constr type="w" for="ch" forName="rootConnector1" refType="w" refFor="ch" refForName="rootText1" fact="0.2"/>
+                  <dgm:constr type="h" for="ch" forName="rootConnector1" refType="h" refFor="ch" refForName="rootText1"/>
+                </dgm:constrLst>
+              </dgm:else>
+            </dgm:choose>
+            <dgm:ruleLst/>
+            <dgm:layoutNode name="rootText1" styleLbl="node0">
+              <dgm:varLst>
+                <dgm:chPref val="3"/>
+              </dgm:varLst>
+              <dgm:alg type="tx"/>
+              <dgm:shape xmlns:r="http://schemas.openxmlformats.org/officeDocument/2006/relationships" type="rect" r:blip="">
+                <dgm:adjLst/>
+              </dgm:shape>
+              <dgm:presOf axis="self" ptType="node" cnt="1"/>
+              <dgm:constrLst>
+                <dgm:constr type="primFontSz" val="65"/>
+                <dgm:constr type="lMarg" refType="primFontSz" fact="0.05"/>
+                <dgm:constr type="rMarg" refType="primFontSz" fact="0.05"/>
+                <dgm:constr type="tMarg" refType="primFontSz" fact="0.05"/>
+                <dgm:constr type="bMarg" refType="primFontSz" fact="0.05"/>
+              </dgm:constrLst>
+              <dgm:ruleLst>
+                <dgm:rule type="primFontSz" val="5" fact="NaN" max="NaN"/>
+              </dgm:ruleLst>
+            </dgm:layoutNode>
+            <dgm:layoutNode name="rootConnector1" moveWith="rootText1">
+              <dgm:alg type="sp"/>
+              <dgm:shape xmlns:r="http://schemas.openxmlformats.org/officeDocument/2006/relationships" type="rect" r:blip="" hideGeom="1">
+                <dgm:adjLst/>
+              </dgm:shape>
+              <dgm:presOf axis="self" ptType="node" cnt="1"/>
+              <dgm:constrLst/>
+              <dgm:ruleLst/>
+            </dgm:layoutNode>
+          </dgm:layoutNode>
+          <dgm:layoutNode name="hierChild2">
+            <dgm:choose name="Name21">
+              <dgm:if name="Name22" func="var" arg="hierBranch" op="equ" val="l">
+                <dgm:alg type="hierChild">
+                  <dgm:param type="chAlign" val="r"/>
+                  <dgm:param type="linDir" val="fromT"/>
+                </dgm:alg>
+              </dgm:if>
+              <dgm:if name="Name23" func="var" arg="hierBranch" op="equ" val="r">
+                <dgm:alg type="hierChild">
+                  <dgm:param type="chAlign" val="l"/>
+                  <dgm:param type="linDir" val="fromT"/>
+                </dgm:alg>
+              </dgm:if>
+              <dgm:if name="Name24" func="var" arg="hierBranch" op="equ" val="hang">
+                <dgm:choose name="Name25">
+                  <dgm:if name="Name26" func="var" arg="dir" op="equ" val="norm">
+                    <dgm:alg type="hierChild">
+                      <dgm:param type="chAlign" val="l"/>
+                      <dgm:param type="linDir" val="fromL"/>
+                      <dgm:param type="secChAlign" val="t"/>
+                      <dgm:param type="secLinDir" val="fromT"/>
+                    </dgm:alg>
+                  </dgm:if>
+                  <dgm:else name="Name27">
+                    <dgm:alg type="hierChild">
+                      <dgm:param type="chAlign" val="l"/>
+                      <dgm:param type="linDir" val="fromR"/>
+                      <dgm:param type="secChAlign" val="t"/>
+                      <dgm:param type="secLinDir" val="fromT"/>
+                    </dgm:alg>
+                  </dgm:else>
+                </dgm:choose>
+              </dgm:if>
+              <dgm:else name="Name28">
+                <dgm:choose name="Name29">
+                  <dgm:if name="Name30" func="var" arg="dir" op="equ" val="norm">
+                    <dgm:alg type="hierChild"/>
+                  </dgm:if>
+                  <dgm:else name="Name31">
+                    <dgm:alg type="hierChild">
+                      <dgm:param type="linDir" val="fromR"/>
+                    </dgm:alg>
+                  </dgm:else>
+                </dgm:choose>
+              </dgm:else>
+            </dgm:choose>
+            <dgm:shape xmlns:r="http://schemas.openxmlformats.org/officeDocument/2006/relationships" r:blip="">
+              <dgm:adjLst/>
+            </dgm:shape>
+            <dgm:presOf/>
+            <dgm:constrLst/>
+            <dgm:ruleLst/>
+            <dgm:forEach name="rep2a" axis="ch" ptType="nonAsst">
+              <dgm:forEach name="Name32" axis="precedSib" ptType="parTrans" st="-1" cnt="1">
+                <dgm:choose name="Name33">
+                  <dgm:if name="Name34" func="var" arg="hierBranch" op="equ" val="std">
+                    <dgm:layoutNode name="Name35">
+                      <dgm:alg type="conn">
+                        <dgm:param type="connRout" val="bend"/>
+                        <dgm:param type="dim" val="1D"/>
+                        <dgm:param type="endSty" val="noArr"/>
+                        <dgm:param type="begPts" val="bCtr"/>
+                        <dgm:param type="endPts" val="tCtr"/>
+                        <dgm:param type="bendPt" val="end"/>
+                      </dgm:alg>
+                      <dgm:shape xmlns:r="http://schemas.openxmlformats.org/officeDocument/2006/relationships" type="conn" r:blip="" zOrderOff="-99999">
+                        <dgm:adjLst/>
+                      </dgm:shape>
+                      <dgm:presOf axis="self"/>
+                      <dgm:constrLst>
+                        <dgm:constr type="begPad"/>
+                        <dgm:constr type="endPad"/>
+                      </dgm:constrLst>
+                      <dgm:ruleLst/>
+                    </dgm:layoutNode>
+                  </dgm:if>
+                  <dgm:if name="Name36" func="var" arg="hierBranch" op="equ" val="init">
+                    <dgm:layoutNode name="Name37">
+                      <dgm:choose name="Name38">
+                        <dgm:if name="Name39" axis="self" func="depth" op="lte" val="2">
+                          <dgm:alg type="conn">
+                            <dgm:param type="connRout" val="bend"/>
+                            <dgm:param type="dim" val="1D"/>
+                            <dgm:param type="endSty" val="noArr"/>
+                            <dgm:param type="begPts" val="bCtr"/>
+                            <dgm:param type="endPts" val="tCtr"/>
+                            <dgm:param type="bendPt" val="end"/>
+                          </dgm:alg>
+                        </dgm:if>
+                        <dgm:else name="Name40">
+                          <dgm:choose name="Name41">
+                            <dgm:if name="Name42" axis="par des" func="maxDepth" op="lte" val="1">
+                              <dgm:choose name="Name43">
+                                <dgm:if name="Name44" axis="par ch" ptType="node asst" func="cnt" op="gte" val="1">
+                                  <dgm:alg type="conn">
+                                    <dgm:param type="connRout" val="bend"/>
+                                    <dgm:param type="dim" val="1D"/>
+                                    <dgm:param type="endSty" val="noArr"/>
+                                    <dgm:param type="begPts" val="bCtr"/>
+                                    <dgm:param type="endPts" val="midL midR"/>
+                                  </dgm:alg>
+                                </dgm:if>
+                                <dgm:else name="Name45">
+                                  <dgm:alg type="conn">
+                                    <dgm:param type="connRout" val="bend"/>
+                                    <dgm:param type="dim" val="1D"/>
+                                    <dgm:param type="endSty" val="noArr"/>
+                                    <dgm:param type="begPts" val="bCtr"/>
+                                    <dgm:param type="endPts" val="midL midR"/>
+                                    <dgm:param type="srcNode" val="rootConnector"/>
+                                  </dgm:alg>
+                                </dgm:else>
+                              </dgm:choose>
+                            </dgm:if>
+                            <dgm:else name="Name46">
+                              <dgm:alg type="conn">
+                                <dgm:param type="connRout" val="bend"/>
+                                <dgm:param type="dim" val="1D"/>
+                                <dgm:param type="endSty" val="noArr"/>
+                                <dgm:param type="begPts" val="bCtr"/>
+                                <dgm:param type="endPts" val="tCtr"/>
+                                <dgm:param type="bendPt" val="end"/>
+                              </dgm:alg>
+                            </dgm:else>
+                          </dgm:choose>
+                        </dgm:else>
+                      </dgm:choose>
+                      <dgm:shape xmlns:r="http://schemas.openxmlformats.org/officeDocument/2006/relationships" type="conn" r:blip="" zOrderOff="-99999">
+                        <dgm:adjLst/>
+                      </dgm:shape>
+                      <dgm:presOf axis="self"/>
+                      <dgm:constrLst>
+                        <dgm:constr type="begPad"/>
+                        <dgm:constr type="endPad"/>
+                      </dgm:constrLst>
+                      <dgm:ruleLst/>
+                    </dgm:layoutNode>
+                  </dgm:if>
+                  <dgm:if name="Name47" func="var" arg="hierBranch" op="equ" val="hang">
+                    <dgm:layoutNode name="Name48">
+                      <dgm:alg type="conn">
+                        <dgm:param type="connRout" val="bend"/>
+                        <dgm:param type="dim" val="1D"/>
+                        <dgm:param type="endSty" val="noArr"/>
+                        <dgm:param type="begPts" val="bCtr"/>
+                        <dgm:param type="endPts" val="midL midR"/>
+                      </dgm:alg>
+                      <dgm:shape xmlns:r="http://schemas.openxmlformats.org/officeDocument/2006/relationships" type="conn" r:blip="" zOrderOff="-99999">
+                        <dgm:adjLst/>
+                      </dgm:shape>
+                      <dgm:presOf axis="self"/>
+                      <dgm:constrLst>
+                        <dgm:constr type="begPad"/>
+                        <dgm:constr type="endPad"/>
+                      </dgm:constrLst>
+                      <dgm:ruleLst/>
+                    </dgm:layoutNode>
+                  </dgm:if>
+                  <dgm:else name="Name49">
+                    <dgm:layoutNode name="Name50">
+                      <dgm:choose name="Name51">
+                        <dgm:if name="Name52" axis="self" func="depth" op="lte" val="2">
+                          <dgm:choose name="Name53">
+                            <dgm:if name="Name54" axis="par ch" ptType="node asst" func="cnt" op="gte" val="1">
+                              <dgm:alg type="conn">
+                                <dgm:param type="connRout" val="bend"/>
+                                <dgm:param type="dim" val="1D"/>
+                                <dgm:param type="endSty" val="noArr"/>
+                                <dgm:param type="begPts" val="bCtr"/>
+                                <dgm:param type="endPts" val="midL midR"/>
+                              </dgm:alg>
+                            </dgm:if>
+                            <dgm:else name="Name55">
+                              <dgm:alg type="conn">
+                                <dgm:param type="connRout" val="bend"/>
+                                <dgm:param type="dim" val="1D"/>
+                                <dgm:param type="endSty" val="noArr"/>
+                                <dgm:param type="begPts" val="bCtr"/>
+                                <dgm:param type="endPts" val="midL midR"/>
+                                <dgm:param type="srcNode" val="rootConnector1"/>
+                              </dgm:alg>
+                            </dgm:else>
+                          </dgm:choose>
+                        </dgm:if>
+                        <dgm:else name="Name56">
+                          <dgm:choose name="Name57">
+                            <dgm:if name="Name58" axis="par ch" ptType="node asst" func="cnt" op="gte" val="1">
+                              <dgm:alg type="conn">
+                                <dgm:param type="connRout" val="bend"/>
+                                <dgm:param type="dim" val="1D"/>
+                                <dgm:param type="endSty" val="noArr"/>
+                                <dgm:param type="begPts" val="bCtr"/>
+                                <dgm:param type="endPts" val="midL midR"/>
+                              </dgm:alg>
+                            </dgm:if>
+                            <dgm:else name="Name59">
+                              <dgm:alg type="conn">
+                                <dgm:param type="connRout" val="bend"/>
+                                <dgm:param type="dim" val="1D"/>
+                                <dgm:param type="endSty" val="noArr"/>
+                                <dgm:param type="begPts" val="bCtr"/>
+                                <dgm:param type="endPts" val="midL midR"/>
+                                <dgm:param type="srcNode" val="rootConnector"/>
+                              </dgm:alg>
+                            </dgm:else>
+                          </dgm:choose>
+                        </dgm:else>
+                      </dgm:choose>
+                      <dgm:shape xmlns:r="http://schemas.openxmlformats.org/officeDocument/2006/relationships" type="conn" r:blip="" zOrderOff="-99999">
+                        <dgm:adjLst/>
+                      </dgm:shape>
+                      <dgm:presOf axis="self"/>
+                      <dgm:constrLst>
+                        <dgm:constr type="begPad"/>
+                        <dgm:constr type="endPad"/>
+                      </dgm:constrLst>
+                      <dgm:ruleLst/>
+                    </dgm:layoutNode>
+                  </dgm:else>
+                </dgm:choose>
+              </dgm:forEach>
+              <dgm:layoutNode name="hierRoot2">
+                <dgm:varLst>
+                  <dgm:hierBranch val="init"/>
+                </dgm:varLst>
+                <dgm:choose name="Name60">
+                  <dgm:if name="Name61" func="var" arg="hierBranch" op="equ" val="l">
+                    <dgm:choose name="Name62">
+                      <dgm:if name="Name63" axis="ch" ptType="asst" func="cnt" op="gte" val="1">
+                        <dgm:alg type="hierRoot">
+                          <dgm:param type="hierAlign" val="tR"/>
+                        </dgm:alg>
+                        <dgm:shape xmlns:r="http://schemas.openxmlformats.org/officeDocument/2006/relationships" r:blip="">
+                          <dgm:adjLst/>
+                        </dgm:shape>
+                        <dgm:presOf/>
+                        <dgm:constrLst>
+                          <dgm:constr type="alignOff" val="0.65"/>
+                        </dgm:constrLst>
+                      </dgm:if>
+                      <dgm:else name="Name64">
+                        <dgm:alg type="hierRoot">
+                          <dgm:param type="hierAlign" val="tR"/>
+                        </dgm:alg>
+                        <dgm:shape xmlns:r="http://schemas.openxmlformats.org/officeDocument/2006/relationships" r:blip="">
+                          <dgm:adjLst/>
+                        </dgm:shape>
+                        <dgm:presOf/>
+                        <dgm:constrLst>
+                          <dgm:constr type="alignOff" val="0.25"/>
+                        </dgm:constrLst>
+                      </dgm:else>
+                    </dgm:choose>
+                  </dgm:if>
+                  <dgm:if name="Name65" func="var" arg="hierBranch" op="equ" val="r">
+                    <dgm:choose name="Name66">
+                      <dgm:if name="Name67" axis="ch" ptType="asst" func="cnt" op="gte" val="1">
+                        <dgm:alg type="hierRoot">
+                          <dgm:param type="hierAlign" val="tL"/>
+                        </dgm:alg>
+                        <dgm:shape xmlns:r="http://schemas.openxmlformats.org/officeDocument/2006/relationships" r:blip="">
+                          <dgm:adjLst/>
+                        </dgm:shape>
+                        <dgm:presOf/>
+                        <dgm:constrLst>
+                          <dgm:constr type="alignOff" val="0.65"/>
+                        </dgm:constrLst>
+                      </dgm:if>
+                      <dgm:else name="Name68">
+                        <dgm:alg type="hierRoot">
+                          <dgm:param type="hierAlign" val="tL"/>
+                        </dgm:alg>
+                        <dgm:shape xmlns:r="http://schemas.openxmlformats.org/officeDocument/2006/relationships" r:blip="">
+                          <dgm:adjLst/>
+                        </dgm:shape>
+                        <dgm:presOf/>
+                        <dgm:constrLst>
+                          <dgm:constr type="alignOff" val="0.25"/>
+                        </dgm:constrLst>
+                      </dgm:else>
+                    </dgm:choose>
+                  </dgm:if>
+                  <dgm:if name="Name69" func="var" arg="hierBranch" op="equ" val="std">
+                    <dgm:alg type="hierRoot"/>
+                    <dgm:shape xmlns:r="http://schemas.openxmlformats.org/officeDocument/2006/relationships" r:blip="">
+                      <dgm:adjLst/>
+                    </dgm:shape>
+                    <dgm:presOf/>
+                    <dgm:constrLst>
+                      <dgm:constr type="alignOff"/>
+                      <dgm:constr type="bendDist" for="des" ptType="parTrans" refType="sp" fact="0.5"/>
+                    </dgm:constrLst>
+                  </dgm:if>
+                  <dgm:if name="Name70" func="var" arg="hierBranch" op="equ" val="init">
+                    <dgm:choose name="Name71">
+                      <dgm:if name="Name72" axis="des" func="maxDepth" op="lte" val="1">
+                        <dgm:choose name="Name73">
+                          <dgm:if name="Name74" axis="ch" ptType="asst" func="cnt" op="gte" val="1">
+                            <dgm:alg type="hierRoot">
+                              <dgm:param type="hierAlign" val="tL"/>
+                            </dgm:alg>
+                            <dgm:shape xmlns:r="http://schemas.openxmlformats.org/officeDocument/2006/relationships" r:blip="">
+                              <dgm:adjLst/>
+                            </dgm:shape>
+                            <dgm:presOf/>
+                            <dgm:constrLst>
+                              <dgm:constr type="alignOff" val="0.65"/>
+                            </dgm:constrLst>
+                          </dgm:if>
+                          <dgm:else name="Name75">
+                            <dgm:alg type="hierRoot">
+                              <dgm:param type="hierAlign" val="tL"/>
+                            </dgm:alg>
+                            <dgm:shape xmlns:r="http://schemas.openxmlformats.org/officeDocument/2006/relationships" r:blip="">
+                              <dgm:adjLst/>
+                            </dgm:shape>
+                            <dgm:presOf/>
+                            <dgm:constrLst>
+                              <dgm:constr type="alignOff" val="0.25"/>
+                            </dgm:constrLst>
+                          </dgm:else>
+                        </dgm:choose>
+                      </dgm:if>
+                      <dgm:else name="Name76">
+                        <dgm:alg type="hierRoot"/>
+                        <dgm:shape xmlns:r="http://schemas.openxmlformats.org/officeDocument/2006/relationships" r:blip="">
+                          <dgm:adjLst/>
+                        </dgm:shape>
+                        <dgm:presOf/>
+                        <dgm:constrLst>
+                          <dgm:constr type="alignOff"/>
+                          <dgm:constr type="bendDist" for="des" ptType="parTrans" refType="sp" fact="0.5"/>
+                        </dgm:constrLst>
+                      </dgm:else>
+                    </dgm:choose>
+                  </dgm:if>
+                  <dgm:else name="Name77">
+                    <dgm:alg type="hierRoot"/>
+                    <dgm:shape xmlns:r="http://schemas.openxmlformats.org/officeDocument/2006/relationships" r:blip="">
+                      <dgm:adjLst/>
+                    </dgm:shape>
+                    <dgm:presOf/>
+                    <dgm:constrLst>
+                      <dgm:constr type="alignOff" val="0.65"/>
+                    </dgm:constrLst>
+                  </dgm:else>
+                </dgm:choose>
+                <dgm:ruleLst/>
+                <dgm:layoutNode name="rootComposite">
+                  <dgm:alg type="composite"/>
+                  <dgm:shape xmlns:r="http://schemas.openxmlformats.org/officeDocument/2006/relationships" r:blip="">
+                    <dgm:adjLst/>
+                  </dgm:shape>
+                  <dgm:presOf axis="self" ptType="node" cnt="1"/>
+                  <dgm:choose name="Name78">
+                    <dgm:if name="Name79" func="var" arg="hierBranch" op="equ" val="init">
+                      <dgm:constrLst>
+                        <dgm:constr type="l" for="ch" forName="rootText"/>
+                        <dgm:constr type="t" for="ch" forName="rootText"/>
+                        <dgm:constr type="w" for="ch" forName="rootText" refType="w"/>
+                        <dgm:constr type="h" for="ch" forName="rootText" refType="h"/>
+                        <dgm:constr type="l" for="ch" forName="rootConnector"/>
+                        <dgm:constr type="t" for="ch" forName="rootConnector"/>
+                        <dgm:constr type="w" for="ch" forName="rootConnector" refType="w" refFor="ch" refForName="rootText" fact="0.2"/>
+                        <dgm:constr type="h" for="ch" forName="rootConnector" refType="h" refFor="ch" refForName="rootText"/>
+                      </dgm:constrLst>
+                    </dgm:if>
+                    <dgm:if name="Name80" func="var" arg="hierBranch" op="equ" val="l">
+                      <dgm:constrLst>
+                        <dgm:constr type="l" for="ch" forName="rootText"/>
+                        <dgm:constr type="t" for="ch" forName="rootText"/>
+                        <dgm:constr type="w" for="ch" forName="rootText" refType="w"/>
+                        <dgm:constr type="h" for="ch" forName="rootText" refType="h"/>
+                        <dgm:constr type="r" for="ch" forName="rootConnector" refType="w"/>
+                        <dgm:constr type="t" for="ch" forName="rootConnector"/>
+                        <dgm:constr type="w" for="ch" forName="rootConnector" refType="w" refFor="ch" refForName="rootText" fact="0.2"/>
+                        <dgm:constr type="h" for="ch" forName="rootConnector" refType="h" refFor="ch" refForName="rootText"/>
+                      </dgm:constrLst>
+                    </dgm:if>
+                    <dgm:if name="Name81" func="var" arg="hierBranch" op="equ" val="r">
+                      <dgm:constrLst>
+                        <dgm:constr type="l" for="ch" forName="rootText"/>
+                        <dgm:constr type="t" for="ch" forName="rootText"/>
+                        <dgm:constr type="w" for="ch" forName="rootText" refType="w"/>
+                        <dgm:constr type="h" for="ch" forName="rootText" refType="h"/>
+                        <dgm:constr type="l" for="ch" forName="rootConnector"/>
+                        <dgm:constr type="t" for="ch" forName="rootConnector"/>
+                        <dgm:constr type="w" for="ch" forName="rootConnector" refType="w" refFor="ch" refForName="rootText" fact="0.2"/>
+                        <dgm:constr type="h" for="ch" forName="rootConnector" refType="h" refFor="ch" refForName="rootText"/>
+                      </dgm:constrLst>
+                    </dgm:if>
+                    <dgm:else name="Name82">
+                      <dgm:constrLst>
+                        <dgm:constr type="l" for="ch" forName="rootText"/>
+                        <dgm:constr type="t" for="ch" forName="rootText"/>
+                        <dgm:constr type="w" for="ch" forName="rootText" refType="w"/>
+                        <dgm:constr type="h" for="ch" forName="rootText" refType="h"/>
+                        <dgm:constr type="r" for="ch" forName="rootConnector" refType="w"/>
+                        <dgm:constr type="t" for="ch" forName="rootConnector"/>
+                        <dgm:constr type="w" for="ch" forName="rootConnector" refType="w" refFor="ch" refForName="rootText" fact="0.2"/>
+                        <dgm:constr type="h" for="ch" forName="rootConnector" refType="h" refFor="ch" refForName="rootText"/>
+                      </dgm:constrLst>
+                    </dgm:else>
+                  </dgm:choose>
+                  <dgm:ruleLst/>
+                  <dgm:layoutNode name="rootText">
+                    <dgm:varLst>
+                      <dgm:chPref val="3"/>
+                    </dgm:varLst>
+                    <dgm:alg type="tx"/>
+                    <dgm:shape xmlns:r="http://schemas.openxmlformats.org/officeDocument/2006/relationships" type="rect" r:blip="">
+                      <dgm:adjLst/>
+                    </dgm:shape>
+                    <dgm:presOf axis="self" ptType="node" cnt="1"/>
+                    <dgm:constrLst>
+                      <dgm:constr type="primFontSz" val="65"/>
+                      <dgm:constr type="lMarg" refType="primFontSz" fact="0.05"/>
+                      <dgm:constr type="rMarg" refType="primFontSz" fact="0.05"/>
+                      <dgm:constr type="tMarg" refType="primFontSz" fact="0.05"/>
+                      <dgm:constr type="bMarg" refType="primFontSz" fact="0.05"/>
+                    </dgm:constrLst>
+                    <dgm:ruleLst>
+                      <dgm:rule type="primFontSz" val="5" fact="NaN" max="NaN"/>
+                    </dgm:ruleLst>
+                  </dgm:layoutNode>
+                  <dgm:layoutNode name="rootConnector" moveWith="rootText">
+                    <dgm:alg type="sp"/>
+                    <dgm:shape xmlns:r="http://schemas.openxmlformats.org/officeDocument/2006/relationships" type="rect" r:blip="" hideGeom="1">
+                      <dgm:adjLst/>
+                    </dgm:shape>
+                    <dgm:presOf axis="self" ptType="node" cnt="1"/>
+                    <dgm:constrLst/>
+                    <dgm:ruleLst/>
+                  </dgm:layoutNode>
+                </dgm:layoutNode>
+                <dgm:layoutNode name="hierChild4">
+                  <dgm:choose name="Name83">
+                    <dgm:if name="Name84" func="var" arg="hierBranch" op="equ" val="l">
+                      <dgm:alg type="hierChild">
+                        <dgm:param type="chAlign" val="r"/>
+                        <dgm:param type="linDir" val="fromT"/>
+                      </dgm:alg>
+                    </dgm:if>
+                    <dgm:if name="Name85" func="var" arg="hierBranch" op="equ" val="r">
+                      <dgm:alg type="hierChild">
+                        <dgm:param type="chAlign" val="l"/>
+                        <dgm:param type="linDir" val="fromT"/>
+                      </dgm:alg>
+                    </dgm:if>
+                    <dgm:if name="Name86" func="var" arg="hierBranch" op="equ" val="hang">
+                      <dgm:choose name="Name87">
+                        <dgm:if name="Name88" func="var" arg="dir" op="equ" val="norm">
+                          <dgm:alg type="hierChild">
+                            <dgm:param type="chAlign" val="l"/>
+                            <dgm:param type="linDir" val="fromL"/>
+                            <dgm:param type="secChAlign" val="t"/>
+                            <dgm:param type="secLinDir" val="fromT"/>
+                          </dgm:alg>
+                        </dgm:if>
+                        <dgm:else name="Name89">
+                          <dgm:alg type="hierChild">
+                            <dgm:param type="chAlign" val="l"/>
+                            <dgm:param type="linDir" val="fromR"/>
+                            <dgm:param type="secChAlign" val="t"/>
+                            <dgm:param type="secLinDir" val="fromT"/>
+                          </dgm:alg>
+                        </dgm:else>
+                      </dgm:choose>
+                    </dgm:if>
+                    <dgm:if name="Name90" func="var" arg="hierBranch" op="equ" val="std">
+                      <dgm:choose name="Name91">
+                        <dgm:if name="Name92" func="var" arg="dir" op="equ" val="norm">
+                          <dgm:alg type="hierChild"/>
+                        </dgm:if>
+                        <dgm:else name="Name93">
+                          <dgm:alg type="hierChild">
+                            <dgm:param type="linDir" val="fromR"/>
+                          </dgm:alg>
+                        </dgm:else>
+                      </dgm:choose>
+                    </dgm:if>
+                    <dgm:if name="Name94" func="var" arg="hierBranch" op="equ" val="init">
+                      <dgm:choose name="Name95">
+                        <dgm:if name="Name96" axis="des" func="maxDepth" op="lte" val="1">
+                          <dgm:alg type="hierChild">
+                            <dgm:param type="chAlign" val="l"/>
+                            <dgm:param type="linDir" val="fromT"/>
+                          </dgm:alg>
+                        </dgm:if>
+                        <dgm:else name="Name97">
+                          <dgm:choose name="Name98">
+                            <dgm:if name="Name99" func="var" arg="dir" op="equ" val="norm">
+                              <dgm:alg type="hierChild"/>
+                            </dgm:if>
+                            <dgm:else name="Name100">
+                              <dgm:alg type="hierChild">
+                                <dgm:param type="linDir" val="fromR"/>
+                              </dgm:alg>
+                            </dgm:else>
+                          </dgm:choose>
+                        </dgm:else>
+                      </dgm:choose>
+                    </dgm:if>
+                    <dgm:else name="Name101"/>
+                  </dgm:choose>
+                  <dgm:shape xmlns:r="http://schemas.openxmlformats.org/officeDocument/2006/relationships" r:blip="">
+                    <dgm:adjLst/>
+                  </dgm:shape>
+                  <dgm:presOf/>
+                  <dgm:constrLst/>
+                  <dgm:ruleLst/>
+                  <dgm:forEach name="Name102" ref="rep2a"/>
+                </dgm:layoutNode>
+                <dgm:layoutNode name="hierChild5">
+                  <dgm:choose name="Name103">
+                    <dgm:if name="Name104" func="var" arg="dir" op="equ" val="norm">
+                      <dgm:alg type="hierChild">
+                        <dgm:param type="chAlign" val="l"/>
+                        <dgm:param type="linDir" val="fromL"/>
+                        <dgm:param type="secChAlign" val="t"/>
+                        <dgm:param type="secLinDir" val="fromT"/>
+                      </dgm:alg>
+                    </dgm:if>
+                    <dgm:else name="Name105">
+                      <dgm:alg type="hierChild">
+                        <dgm:param type="chAlign" val="l"/>
+                        <dgm:param type="linDir" val="fromR"/>
+                        <dgm:param type="secChAlign" val="t"/>
+                        <dgm:param type="secLinDir" val="fromT"/>
+                      </dgm:alg>
+                    </dgm:else>
+                  </dgm:choose>
+                  <dgm:shape xmlns:r="http://schemas.openxmlformats.org/officeDocument/2006/relationships" r:blip="">
+                    <dgm:adjLst/>
+                  </dgm:shape>
+                  <dgm:presOf/>
+                  <dgm:constrLst/>
+                  <dgm:ruleLst/>
+                  <dgm:forEach name="Name106" ref="rep2b"/>
+                </dgm:layoutNode>
+              </dgm:layoutNode>
+            </dgm:forEach>
+          </dgm:layoutNode>
+          <dgm:layoutNode name="hierChild3">
+            <dgm:choose name="Name107">
+              <dgm:if name="Name108" func="var" arg="dir" op="equ" val="norm">
+                <dgm:alg type="hierChild">
+                  <dgm:param type="chAlign" val="l"/>
+                  <dgm:param type="linDir" val="fromL"/>
+                  <dgm:param type="secChAlign" val="t"/>
+                  <dgm:param type="secLinDir" val="fromT"/>
+                </dgm:alg>
+              </dgm:if>
+              <dgm:else name="Name109">
+                <dgm:alg type="hierChild">
+                  <dgm:param type="chAlign" val="l"/>
+                  <dgm:param type="linDir" val="fromR"/>
+                  <dgm:param type="secChAlign" val="t"/>
+                  <dgm:param type="secLinDir" val="fromT"/>
+                </dgm:alg>
+              </dgm:else>
+            </dgm:choose>
+            <dgm:shape xmlns:r="http://schemas.openxmlformats.org/officeDocument/2006/relationships" r:blip="">
+              <dgm:adjLst/>
+            </dgm:shape>
+            <dgm:presOf/>
+            <dgm:constrLst/>
+            <dgm:ruleLst/>
+            <dgm:forEach name="rep2b" axis="ch" ptType="asst">
+              <dgm:forEach name="Name110" axis="precedSib" ptType="parTrans" st="-1" cnt="1">
+                <dgm:layoutNode name="Name111">
+                  <dgm:alg type="conn">
+                    <dgm:param type="connRout" val="bend"/>
+                    <dgm:param type="dim" val="1D"/>
+                    <dgm:param type="endSty" val="noArr"/>
+                    <dgm:param type="begPts" val="bCtr"/>
+                    <dgm:param type="endPts" val="midL midR"/>
+                  </dgm:alg>
+                  <dgm:shape xmlns:r="http://schemas.openxmlformats.org/officeDocument/2006/relationships" type="conn" r:blip="" zOrderOff="-99999">
+                    <dgm:adjLst/>
+                  </dgm:shape>
+                  <dgm:presOf axis="self"/>
+                  <dgm:constrLst>
+                    <dgm:constr type="begPad"/>
+                    <dgm:constr type="endPad"/>
+                  </dgm:constrLst>
+                  <dgm:ruleLst/>
+                </dgm:layoutNode>
+              </dgm:forEach>
+              <dgm:layoutNode name="hierRoot3">
+                <dgm:varLst>
+                  <dgm:hierBranch val="init"/>
+                </dgm:varLst>
+                <dgm:choose name="Name112">
+                  <dgm:if name="Name113" func="var" arg="hierBranch" op="equ" val="l">
+                    <dgm:alg type="hierRoot">
+                      <dgm:param type="hierAlign" val="tR"/>
+                    </dgm:alg>
+                    <dgm:shape xmlns:r="http://schemas.openxmlformats.org/officeDocument/2006/relationships" r:blip="">
+                      <dgm:adjLst/>
+                    </dgm:shape>
+                    <dgm:presOf/>
+                    <dgm:constrLst>
+                      <dgm:constr type="alignOff" val="0.65"/>
+                    </dgm:constrLst>
+                  </dgm:if>
+                  <dgm:if name="Name114" func="var" arg="hierBranch" op="equ" val="r">
+                    <dgm:alg type="hierRoot">
+                      <dgm:param type="hierAlign" val="tL"/>
+                    </dgm:alg>
+                    <dgm:shape xmlns:r="http://schemas.openxmlformats.org/officeDocument/2006/relationships" r:blip="">
+                      <dgm:adjLst/>
+                    </dgm:shape>
+                    <dgm:presOf/>
+                    <dgm:constrLst>
+                      <dgm:constr type="alignOff" val="0.65"/>
+                    </dgm:constrLst>
+                  </dgm:if>
+                  <dgm:if name="Name115" func="var" arg="hierBranch" op="equ" val="hang">
+                    <dgm:alg type="hierRoot"/>
+                    <dgm:shape xmlns:r="http://schemas.openxmlformats.org/officeDocument/2006/relationships" r:blip="">
+                      <dgm:adjLst/>
+                    </dgm:shape>
+                    <dgm:presOf/>
+                    <dgm:constrLst>
+                      <dgm:constr type="alignOff" val="0.65"/>
+                    </dgm:constrLst>
+                  </dgm:if>
+                  <dgm:if name="Name116" func="var" arg="hierBranch" op="equ" val="std">
+                    <dgm:alg type="hierRoot"/>
+                    <dgm:shape xmlns:r="http://schemas.openxmlformats.org/officeDocument/2006/relationships" r:blip="">
+                      <dgm:adjLst/>
+                    </dgm:shape>
+                    <dgm:presOf/>
+                    <dgm:constrLst>
+                      <dgm:constr type="alignOff"/>
+                      <dgm:constr type="bendDist" for="des" ptType="parTrans" refType="sp" fact="0.5"/>
+                    </dgm:constrLst>
+                  </dgm:if>
+                  <dgm:if name="Name117" func="var" arg="hierBranch" op="equ" val="init">
+                    <dgm:choose name="Name118">
+                      <dgm:if name="Name119" axis="des" func="maxDepth" op="lte" val="1">
+                        <dgm:alg type="hierRoot">
+                          <dgm:param type="hierAlign" val="tL"/>
+                        </dgm:alg>
+                        <dgm:shape xmlns:r="http://schemas.openxmlformats.org/officeDocument/2006/relationships" r:blip="">
+                          <dgm:adjLst/>
+                        </dgm:shape>
+                        <dgm:presOf/>
+                        <dgm:constrLst>
+                          <dgm:constr type="alignOff" val="0.65"/>
+                        </dgm:constrLst>
+                      </dgm:if>
+                      <dgm:else name="Name120">
+                        <dgm:alg type="hierRoot"/>
+                        <dgm:shape xmlns:r="http://schemas.openxmlformats.org/officeDocument/2006/relationships" r:blip="">
+                          <dgm:adjLst/>
+                        </dgm:shape>
+                        <dgm:presOf/>
+                        <dgm:constrLst>
+                          <dgm:constr type="alignOff"/>
+                          <dgm:constr type="bendDist" for="des" ptType="parTrans" refType="sp" fact="0.5"/>
+                        </dgm:constrLst>
+                      </dgm:else>
+                    </dgm:choose>
+                  </dgm:if>
+                  <dgm:else name="Name121"/>
+                </dgm:choose>
+                <dgm:ruleLst/>
+                <dgm:layoutNode name="rootComposite3">
+                  <dgm:alg type="composite"/>
+                  <dgm:shape xmlns:r="http://schemas.openxmlformats.org/officeDocument/2006/relationships" r:blip="">
+                    <dgm:adjLst/>
+                  </dgm:shape>
+                  <dgm:presOf axis="self" ptType="node" cnt="1"/>
+                  <dgm:choose name="Name122">
+                    <dgm:if name="Name123" func="var" arg="hierBranch" op="equ" val="init">
+                      <dgm:constrLst>
+                        <dgm:constr type="l" for="ch" forName="rootText3"/>
+                        <dgm:constr type="t" for="ch" forName="rootText3"/>
+                        <dgm:constr type="w" for="ch" forName="rootText3" refType="w"/>
+                        <dgm:constr type="h" for="ch" forName="rootText3" refType="h"/>
+                        <dgm:constr type="l" for="ch" forName="rootConnector3"/>
+                        <dgm:constr type="t" for="ch" forName="rootConnector3"/>
+                        <dgm:constr type="w" for="ch" forName="rootConnector3" refType="w" refFor="ch" refForName="rootText3" fact="0.2"/>
+                        <dgm:constr type="h" for="ch" forName="rootConnector3" refType="h" refFor="ch" refForName="rootText3"/>
+                      </dgm:constrLst>
+                    </dgm:if>
+                    <dgm:if name="Name124" func="var" arg="hierBranch" op="equ" val="l">
+                      <dgm:constrLst>
+                        <dgm:constr type="l" for="ch" forName="rootText3"/>
+                        <dgm:constr type="t" for="ch" forName="rootText3"/>
+                        <dgm:constr type="w" for="ch" forName="rootText3" refType="w"/>
+                        <dgm:constr type="h" for="ch" forName="rootText3" refType="h"/>
+                        <dgm:constr type="r" for="ch" forName="rootConnector3" refType="w"/>
+                        <dgm:constr type="t" for="ch" forName="rootConnector3"/>
+                        <dgm:constr type="w" for="ch" forName="rootConnector3" refType="w" refFor="ch" refForName="rootText3" fact="0.2"/>
+                        <dgm:constr type="h" for="ch" forName="rootConnector3" refType="h" refFor="ch" refForName="rootText3"/>
+                      </dgm:constrLst>
+                    </dgm:if>
+                    <dgm:if name="Name125" func="var" arg="hierBranch" op="equ" val="r">
+                      <dgm:constrLst>
+                        <dgm:constr type="l" for="ch" forName="rootText3"/>
+                        <dgm:constr type="t" for="ch" forName="rootText3"/>
+                        <dgm:constr type="w" for="ch" forName="rootText3" refType="w"/>
+                        <dgm:constr type="h" for="ch" forName="rootText3" refType="h"/>
+                        <dgm:constr type="l" for="ch" forName="rootConnector3"/>
+                        <dgm:constr type="t" for="ch" forName="rootConnector3"/>
+                        <dgm:constr type="w" for="ch" forName="rootConnector3" refType="w" refFor="ch" refForName="rootText3" fact="0.2"/>
+                        <dgm:constr type="h" for="ch" forName="rootConnector3" refType="h" refFor="ch" refForName="rootText3"/>
+                      </dgm:constrLst>
+                    </dgm:if>
+                    <dgm:else name="Name126">
+                      <dgm:constrLst>
+                        <dgm:constr type="l" for="ch" forName="rootText3"/>
+                        <dgm:constr type="t" for="ch" forName="rootText3"/>
+                        <dgm:constr type="w" for="ch" forName="rootText3" refType="w"/>
+                        <dgm:constr type="h" for="ch" forName="rootText3" refType="h"/>
+                        <dgm:constr type="r" for="ch" forName="rootConnector3" refType="w"/>
+                        <dgm:constr type="t" for="ch" forName="rootConnector3"/>
+                        <dgm:constr type="w" for="ch" forName="rootConnector3" refType="w" refFor="ch" refForName="rootText3" fact="0.2"/>
+                        <dgm:constr type="h" for="ch" forName="rootConnector3" refType="h" refFor="ch" refForName="rootText3"/>
+                      </dgm:constrLst>
+                    </dgm:else>
+                  </dgm:choose>
+                  <dgm:ruleLst/>
+                  <dgm:layoutNode name="rootText3">
+                    <dgm:varLst>
+                      <dgm:chPref val="3"/>
+                    </dgm:varLst>
+                    <dgm:alg type="tx"/>
+                    <dgm:shape xmlns:r="http://schemas.openxmlformats.org/officeDocument/2006/relationships" type="rect" r:blip="">
+                      <dgm:adjLst/>
+                    </dgm:shape>
+                    <dgm:presOf axis="self" ptType="node" cnt="1"/>
+                    <dgm:constrLst>
+                      <dgm:constr type="primFontSz" val="65"/>
+                      <dgm:constr type="lMarg" refType="primFontSz" fact="0.05"/>
+                      <dgm:constr type="rMarg" refType="primFontSz" fact="0.05"/>
+                      <dgm:constr type="tMarg" refType="primFontSz" fact="0.05"/>
+                      <dgm:constr type="bMarg" refType="primFontSz" fact="0.05"/>
+                    </dgm:constrLst>
+                    <dgm:ruleLst>
+                      <dgm:rule type="primFontSz" val="5" fact="NaN" max="NaN"/>
+                    </dgm:ruleLst>
+                  </dgm:layoutNode>
+                  <dgm:layoutNode name="rootConnector3" moveWith="rootText1">
+                    <dgm:alg type="sp"/>
+                    <dgm:shape xmlns:r="http://schemas.openxmlformats.org/officeDocument/2006/relationships" type="rect" r:blip="" hideGeom="1">
+                      <dgm:adjLst/>
+                    </dgm:shape>
+                    <dgm:presOf axis="self" ptType="node" cnt="1"/>
+                    <dgm:constrLst/>
+                    <dgm:ruleLst/>
+                  </dgm:layoutNode>
+                </dgm:layoutNode>
+                <dgm:layoutNode name="hierChild6">
+                  <dgm:choose name="Name127">
+                    <dgm:if name="Name128" func="var" arg="hierBranch" op="equ" val="l">
+                      <dgm:alg type="hierChild">
+                        <dgm:param type="chAlign" val="r"/>
+                        <dgm:param type="linDir" val="fromT"/>
+                      </dgm:alg>
+                    </dgm:if>
+                    <dgm:if name="Name129" func="var" arg="hierBranch" op="equ" val="r">
+                      <dgm:alg type="hierChild">
+                        <dgm:param type="chAlign" val="l"/>
+                        <dgm:param type="linDir" val="fromT"/>
+                      </dgm:alg>
+                    </dgm:if>
+                    <dgm:if name="Name130" func="var" arg="hierBranch" op="equ" val="hang">
+                      <dgm:choose name="Name131">
+                        <dgm:if name="Name132" func="var" arg="dir" op="equ" val="norm">
+                          <dgm:alg type="hierChild">
+                            <dgm:param type="chAlign" val="l"/>
+                            <dgm:param type="linDir" val="fromL"/>
+                            <dgm:param type="secChAlign" val="t"/>
+                            <dgm:param type="secLinDir" val="fromT"/>
+                          </dgm:alg>
+                        </dgm:if>
+                        <dgm:else name="Name133">
+                          <dgm:alg type="hierChild">
+                            <dgm:param type="chAlign" val="l"/>
+                            <dgm:param type="linDir" val="fromR"/>
+                            <dgm:param type="secChAlign" val="t"/>
+                            <dgm:param type="secLinDir" val="fromT"/>
+                          </dgm:alg>
+                        </dgm:else>
+                      </dgm:choose>
+                    </dgm:if>
+                    <dgm:if name="Name134" func="var" arg="hierBranch" op="equ" val="std">
+                      <dgm:choose name="Name135">
+                        <dgm:if name="Name136" func="var" arg="dir" op="equ" val="norm">
+                          <dgm:alg type="hierChild"/>
+                        </dgm:if>
+                        <dgm:else name="Name137">
+                          <dgm:alg type="hierChild">
+                            <dgm:param type="linDir" val="fromR"/>
+                          </dgm:alg>
+                        </dgm:else>
+                      </dgm:choose>
+                    </dgm:if>
+                    <dgm:if name="Name138" func="var" arg="hierBranch" op="equ" val="init">
+                      <dgm:choose name="Name139">
+                        <dgm:if name="Name140" axis="des" func="maxDepth" op="lte" val="1">
+                          <dgm:alg type="hierChild">
+                            <dgm:param type="chAlign" val="l"/>
+                            <dgm:param type="linDir" val="fromT"/>
+                          </dgm:alg>
+                        </dgm:if>
+                        <dgm:else name="Name141">
+                          <dgm:alg type="hierChild"/>
+                        </dgm:else>
+                      </dgm:choose>
+                    </dgm:if>
+                    <dgm:else name="Name142"/>
+                  </dgm:choose>
+                  <dgm:shape xmlns:r="http://schemas.openxmlformats.org/officeDocument/2006/relationships" r:blip="">
+                    <dgm:adjLst/>
+                  </dgm:shape>
+                  <dgm:presOf/>
+                  <dgm:constrLst/>
+                  <dgm:ruleLst/>
+                  <dgm:forEach name="Name143" ref="rep2a"/>
+                </dgm:layoutNode>
+                <dgm:layoutNode name="hierChild7">
+                  <dgm:choose name="Name144">
+                    <dgm:if name="Name145" func="var" arg="dir" op="equ" val="norm">
+                      <dgm:alg type="hierChild">
+                        <dgm:param type="chAlign" val="l"/>
+                        <dgm:param type="linDir" val="fromL"/>
+                        <dgm:param type="secChAlign" val="t"/>
+                        <dgm:param type="secLinDir" val="fromT"/>
+                      </dgm:alg>
+                    </dgm:if>
+                    <dgm:else name="Name146">
+                      <dgm:alg type="hierChild">
+                        <dgm:param type="chAlign" val="l"/>
+                        <dgm:param type="linDir" val="fromR"/>
+                        <dgm:param type="secChAlign" val="t"/>
+                        <dgm:param type="secLinDir" val="fromT"/>
+                      </dgm:alg>
+                    </dgm:else>
+                  </dgm:choose>
+                  <dgm:shape xmlns:r="http://schemas.openxmlformats.org/officeDocument/2006/relationships" r:blip="">
+                    <dgm:adjLst/>
+                  </dgm:shape>
+                  <dgm:presOf/>
+                  <dgm:constrLst/>
+                  <dgm:ruleLst/>
+                  <dgm:forEach name="Name147" ref="rep2b"/>
+                </dgm:layoutNode>
+              </dgm:layoutNode>
+            </dgm:forEach>
+          </dgm:layoutNode>
+        </dgm:layoutNode>
+      </dgm:forEach>
+    </dgm:forEach>
+  </dgm:layoutNode>
+</dgm:layoutDef>
+</file>
+
+<file path=ppt/diagrams/quickStyle1.xml><?xml version="1.0" encoding="utf-8"?>
+<dgm:styleDef xmlns:dgm="http://schemas.openxmlformats.org/drawingml/2006/diagram" xmlns:a="http://schemas.openxmlformats.org/drawingml/2006/main" uniqueId="urn:microsoft.com/office/officeart/2005/8/quickstyle/simple3">
+  <dgm:title val=""/>
+  <dgm:desc val=""/>
+  <dgm:catLst>
+    <dgm:cat type="simple" pri="10300"/>
+  </dgm:catLst>
+  <dgm:scene3d>
+    <a:camera prst="orthographicFront"/>
+    <a:lightRig rig="threePt" dir="t"/>
+  </dgm:scene3d>
+  <dgm:styleLbl name="node0">
+    <dgm:scene3d>
+      <a:camera prst="orthographicFront"/>
+      <a:lightRig rig="flat" dir="t"/>
+    </dgm:scene3d>
+    <dgm:sp3d prstMaterial="dkEdge">
+      <a:bevelT w="8200" h="38100"/>
+    </dgm:sp3d>
+    <dgm:txPr/>
+    <dgm:style>
+      <a:lnRef idx="0">
+        <a:scrgbClr r="0" g="0" b="0"/>
+      </a:lnRef>
+      <a:fillRef idx="2">
+        <a:scrgbClr r="0" g="0" b="0"/>
+      </a:fillRef>
+      <a:effectRef idx="1">
+        <a:scrgbClr r="0" g="0" b="0"/>
+      </a:effectRef>
+      <a:fontRef idx="minor">
+        <a:schemeClr val="dk1"/>
+      </a:fontRef>
+    </dgm:style>
+  </dgm:styleLbl>
+  <dgm:styleLbl name="lnNode1">
+    <dgm:scene3d>
+      <a:camera prst="orthographicFront"/>
+      <a:lightRig rig="flat" dir="t"/>
+    </dgm:scene3d>
+    <dgm:sp3d prstMaterial="dkEdge">
+      <a:bevelT w="8200" h="38100"/>
+    </dgm:sp3d>
+    <dgm:txPr/>
+    <dgm:style>
+      <a:lnRef idx="1">
+        <a:scrgbClr r="0" g="0" b="0"/>
+      </a:lnRef>
+      <a:fillRef idx="2">
+        <a:scrgbClr r="0" g="0" b="0"/>
+      </a:fillRef>
+      <a:effectRef idx="0">
+        <a:scrgbClr r="0" g="0" b="0"/>
+      </a:effectRef>
+      <a:fontRef idx="minor">
+        <a:schemeClr val="dk1"/>
+      </a:fontRef>
+    </dgm:style>
+  </dgm:styleLbl>
+  <dgm:styleLbl name="vennNode1">
+    <dgm:scene3d>
+      <a:camera prst="orthographicFront"/>
+      <a:lightRig rig="flat" dir="t"/>
+    </dgm:scene3d>
+    <dgm:sp3d prstMaterial="dkEdge">
+      <a:bevelT w="8200" h="38100"/>
+    </dgm:sp3d>
+    <dgm:txPr/>
+    <dgm:style>
+      <a:lnRef idx="0">
+        <a:scrgbClr r="0" g="0" b="0"/>
+      </a:lnRef>
+      <a:fillRef idx="2">
+        <a:scrgbClr r="0" g="0" b="0"/>
+      </a:fillRef>
+      <a:effectRef idx="0">
+        <a:scrgbClr r="0" g="0" b="0"/>
+      </a:effectRef>
+      <a:fontRef idx="minor">
+        <a:schemeClr val="tx1"/>
+      </a:fontRef>
+    </dgm:style>
+  </dgm:styleLbl>
+  <dgm:styleLbl name="alignNode1">
+    <dgm:scene3d>
+      <a:camera prst="orthographicFront"/>
+      <a:lightRig rig="threePt" dir="t"/>
+    </dgm:scene3d>
+    <dgm:sp3d/>
+    <dgm:txPr/>
+    <dgm:style>
+      <a:lnRef idx="1">
+        <a:scrgbClr r="0" g="0" b="0"/>
+      </a:lnRef>
+      <a:fillRef idx="2">
+        <a:scrgbClr r="0" g="0" b="0"/>
+      </a:fillRef>
+      <a:effectRef idx="1">
+        <a:scrgbClr r="0" g="0" b="0"/>
+      </a:effectRef>
+      <a:fontRef idx="minor">
+        <a:schemeClr val="dk1"/>
+      </a:fontRef>
+    </dgm:style>
+  </dgm:styleLbl>
+  <dgm:styleLbl name="node1">
+    <dgm:scene3d>
+      <a:camera prst="orthographicFront"/>
+      <a:lightRig rig="flat" dir="t"/>
+    </dgm:scene3d>
+    <dgm:sp3d prstMaterial="dkEdge">
+      <a:bevelT w="8200" h="38100"/>
+    </dgm:sp3d>
+    <dgm:txPr/>
+    <dgm:style>
+      <a:lnRef idx="0">
+        <a:scrgbClr r="0" g="0" b="0"/>
+      </a:lnRef>
+      <a:fillRef idx="2">
+        <a:scrgbClr r="0" g="0" b="0"/>
+      </a:fillRef>
+      <a:effectRef idx="1">
+        <a:scrgbClr r="0" g="0" b="0"/>
+      </a:effectRef>
+      <a:fontRef idx="minor">
+        <a:schemeClr val="dk1"/>
+      </a:fontRef>
+    </dgm:style>
+  </dgm:styleLbl>
+  <dgm:styleLbl name="node2">
+    <dgm:scene3d>
+      <a:camera prst="orthographicFront"/>
+      <a:lightRig rig="flat" dir="t"/>
+    </dgm:scene3d>
+    <dgm:sp3d prstMaterial="dkEdge">
+      <a:bevelT w="8200" h="38100"/>
+    </dgm:sp3d>
+    <dgm:txPr/>
+    <dgm:style>
+      <a:lnRef idx="0">
+        <a:scrgbClr r="0" g="0" b="0"/>
+      </a:lnRef>
+      <a:fillRef idx="2">
+        <a:scrgbClr r="0" g="0" b="0"/>
+      </a:fillRef>
+      <a:effectRef idx="1">
+        <a:scrgbClr r="0" g="0" b="0"/>
+      </a:effectRef>
+      <a:fontRef idx="minor">
+        <a:schemeClr val="dk1"/>
+      </a:fontRef>
+    </dgm:style>
+  </dgm:styleLbl>
+  <dgm:styleLbl name="node3">
+    <dgm:scene3d>
+      <a:camera prst="orthographicFront"/>
+      <a:lightRig rig="flat" dir="t"/>
+    </dgm:scene3d>
+    <dgm:sp3d prstMaterial="dkEdge">
+      <a:bevelT w="8200" h="38100"/>
+    </dgm:sp3d>
+    <dgm:txPr/>
+    <dgm:style>
+      <a:lnRef idx="0">
+        <a:scrgbClr r="0" g="0" b="0"/>
+      </a:lnRef>
+      <a:fillRef idx="2">
+        <a:scrgbClr r="0" g="0" b="0"/>
+      </a:fillRef>
+      <a:effectRef idx="1">
+        <a:scrgbClr r="0" g="0" b="0"/>
+      </a:effectRef>
+      <a:fontRef idx="minor">
+        <a:schemeClr val="dk1"/>
+      </a:fontRef>
+    </dgm:style>
+  </dgm:styleLbl>
+  <dgm:styleLbl name="node4">
+    <dgm:scene3d>
+      <a:camera prst="orthographicFront"/>
+      <a:lightRig rig="flat" dir="t"/>
+    </dgm:scene3d>
+    <dgm:sp3d prstMaterial="dkEdge">
+      <a:bevelT w="8200" h="38100"/>
+    </dgm:sp3d>
+    <dgm:txPr/>
+    <dgm:style>
+      <a:lnRef idx="0">
+        <a:scrgbClr r="0" g="0" b="0"/>
+      </a:lnRef>
+      <a:fillRef idx="2">
+        <a:scrgbClr r="0" g="0" b="0"/>
+      </a:fillRef>
+      <a:effectRef idx="1">
+        <a:scrgbClr r="0" g="0" b="0"/>
+      </a:effectRef>
+      <a:fontRef idx="minor">
+        <a:schemeClr val="dk1"/>
+      </a:fontRef>
+    </dgm:style>
+  </dgm:styleLbl>
+  <dgm:styleLbl name="fgImgPlace1">
+    <dgm:scene3d>
+      <a:camera prst="orthographicFront"/>
+      <a:lightRig rig="threePt" dir="t"/>
+    </dgm:scene3d>
+    <dgm:sp3d/>
+    <dgm:txPr/>
+    <dgm:style>
+      <a:lnRef idx="1">
+        <a:scrgbClr r="0" g="0" b="0"/>
+      </a:lnRef>
+      <a:fillRef idx="1">
+        <a:scrgbClr r="0" g="0" b="0"/>
+      </a:fillRef>
+      <a:effectRef idx="1">
+        <a:scrgbClr r="0" g="0" b="0"/>
+      </a:effectRef>
+      <a:fontRef idx="minor"/>
+    </dgm:style>
+  </dgm:styleLbl>
+  <dgm:styleLbl name="alignImgPlace1">
+    <dgm:scene3d>
+      <a:camera prst="orthographicFront"/>
+      <a:lightRig rig="threePt" dir="t"/>
+    </dgm:scene3d>
+    <dgm:sp3d/>
+    <dgm:txPr/>
+    <dgm:style>
+      <a:lnRef idx="1">
+        <a:scrgbClr r="0" g="0" b="0"/>
+      </a:lnRef>
+      <a:fillRef idx="1">
+        <a:scrgbClr r="0" g="0" b="0"/>
+      </a:fillRef>
+      <a:effectRef idx="1">
+        <a:scrgbClr r="0" g="0" b="0"/>
+      </a:effectRef>
+      <a:fontRef idx="minor"/>
+    </dgm:style>
+  </dgm:styleLbl>
+  <dgm:styleLbl name="bgImgPlace1">
+    <dgm:scene3d>
+      <a:camera prst="orthographicFront"/>
+      <a:lightRig rig="threePt" dir="t"/>
+    </dgm:scene3d>
+    <dgm:sp3d/>
+    <dgm:txPr/>
+    <dgm:style>
+      <a:lnRef idx="1">
+        <a:scrgbClr r="0" g="0" b="0"/>
+      </a:lnRef>
+      <a:fillRef idx="1">
+        <a:scrgbClr r="0" g="0" b="0"/>
+      </a:fillRef>
+      <a:effectRef idx="1">
+        <a:scrgbClr r="0" g="0" b="0"/>
+      </a:effectRef>
+      <a:fontRef idx="minor"/>
+    </dgm:style>
+  </dgm:styleLbl>
+  <dgm:styleLbl name="sibTrans2D1">
+    <dgm:scene3d>
+      <a:camera prst="orthographicFront"/>
+      <a:lightRig rig="threePt" dir="t"/>
+    </dgm:scene3d>
+    <dgm:sp3d/>
+    <dgm:txPr/>
+    <dgm:style>
+      <a:lnRef idx="0">
+        <a:scrgbClr r="0" g="0" b="0"/>
+      </a:lnRef>
+      <a:fillRef idx="2">
+        <a:scrgbClr r="0" g="0" b="0"/>
+      </a:fillRef>
+      <a:effectRef idx="1">
+        <a:scrgbClr r="0" g="0" b="0"/>
+      </a:effectRef>
+      <a:fontRef idx="minor">
+        <a:schemeClr val="dk1"/>
+      </a:fontRef>
+    </dgm:style>
+  </dgm:styleLbl>
+  <dgm:styleLbl name="fgSibTrans2D1">
+    <dgm:scene3d>
+      <a:camera prst="orthographicFront"/>
+      <a:lightRig rig="threePt" dir="t"/>
+    </dgm:scene3d>
+    <dgm:sp3d/>
+    <dgm:txPr/>
+    <dgm:style>
+      <a:lnRef idx="0">
+        <a:scrgbClr r="0" g="0" b="0"/>
+      </a:lnRef>
+      <a:fillRef idx="2">
+        <a:scrgbClr r="0" g="0" b="0"/>
+      </a:fillRef>
+      <a:effectRef idx="1">
+        <a:scrgbClr r="0" g="0" b="0"/>
+      </a:effectRef>
+      <a:fontRef idx="minor">
+        <a:schemeClr val="dk1"/>
+      </a:fontRef>
+    </dgm:style>
+  </dgm:styleLbl>
+  <dgm:styleLbl name="bgSibTrans2D1">
+    <dgm:scene3d>
+      <a:camera prst="orthographicFront"/>
+      <a:lightRig rig="threePt" dir="t"/>
+    </dgm:scene3d>
+    <dgm:sp3d/>
+    <dgm:txPr/>
+    <dgm:style>
+      <a:lnRef idx="0">
+        <a:scrgbClr r="0" g="0" b="0"/>
+      </a:lnRef>
+      <a:fillRef idx="2">
+        <a:scrgbClr r="0" g="0" b="0"/>
+      </a:fillRef>
+      <a:effectRef idx="1">
+        <a:scrgbClr r="0" g="0" b="0"/>
+      </a:effectRef>
+      <a:fontRef idx="minor">
+        <a:schemeClr val="dk1"/>
+      </a:fontRef>
+    </dgm:style>
+  </dgm:styleLbl>
+  <dgm:styleLbl name="sibTrans1D1">
+    <dgm:scene3d>
+      <a:camera prst="orthographicFront"/>
+      <a:lightRig rig="threePt" dir="t"/>
+    </dgm:scene3d>
+    <dgm:sp3d/>
+    <dgm:txPr/>
+    <dgm:style>
+      <a:lnRef idx="1">
+        <a:scrgbClr r="0" g="0" b="0"/>
+      </a:lnRef>
+      <a:fillRef idx="0">
+        <a:scrgbClr r="0" g="0" b="0"/>
+      </a:fillRef>
+      <a:effectRef idx="0">
+        <a:scrgbClr r="0" g="0" b="0"/>
+      </a:effectRef>
+      <a:fontRef idx="minor"/>
+    </dgm:style>
+  </dgm:styleLbl>
+  <dgm:styleLbl name="callout">
+    <dgm:scene3d>
+      <a:camera prst="orthographicFront"/>
+      <a:lightRig rig="threePt" dir="t"/>
+    </dgm:scene3d>
+    <dgm:sp3d/>
+    <dgm:txPr/>
+    <dgm:style>
+      <a:lnRef idx="1">
+        <a:scrgbClr r="0" g="0" b="0"/>
+      </a:lnRef>
+      <a:fillRef idx="2">
+        <a:scrgbClr r="0" g="0" b="0"/>
+      </a:fillRef>
+      <a:effectRef idx="1">
+        <a:scrgbClr r="0" g="0" b="0"/>
+      </a:effectRef>
+      <a:fontRef idx="minor"/>
+    </dgm:style>
+  </dgm:styleLbl>
+  <dgm:styleLbl name="asst0">
+    <dgm:scene3d>
+      <a:camera prst="orthographicFront"/>
+      <a:lightRig rig="flat" dir="t"/>
+    </dgm:scene3d>
+    <dgm:sp3d prstMaterial="dkEdge">
+      <a:bevelT w="8200" h="38100"/>
+    </dgm:sp3d>
+    <dgm:txPr/>
+    <dgm:style>
+      <a:lnRef idx="0">
+        <a:scrgbClr r="0" g="0" b="0"/>
+      </a:lnRef>
+      <a:fillRef idx="2">
+        <a:scrgbClr r="0" g="0" b="0"/>
+      </a:fillRef>
+      <a:effectRef idx="1">
+        <a:scrgbClr r="0" g="0" b="0"/>
+      </a:effectRef>
+      <a:fontRef idx="minor">
+        <a:schemeClr val="dk1"/>
+      </a:fontRef>
+    </dgm:style>
+  </dgm:styleLbl>
+  <dgm:styleLbl name="asst1">
+    <dgm:scene3d>
+      <a:camera prst="orthographicFront"/>
+      <a:lightRig rig="flat" dir="t"/>
+    </dgm:scene3d>
+    <dgm:sp3d prstMaterial="dkEdge">
+      <a:bevelT w="8200" h="38100"/>
+    </dgm:sp3d>
+    <dgm:txPr/>
+    <dgm:style>
+      <a:lnRef idx="0">
+        <a:scrgbClr r="0" g="0" b="0"/>
+      </a:lnRef>
+      <a:fillRef idx="2">
+        <a:scrgbClr r="0" g="0" b="0"/>
+      </a:fillRef>
+      <a:effectRef idx="1">
+        <a:scrgbClr r="0" g="0" b="0"/>
+      </a:effectRef>
+      <a:fontRef idx="minor">
+        <a:schemeClr val="dk1"/>
+      </a:fontRef>
+    </dgm:style>
+  </dgm:styleLbl>
+  <dgm:styleLbl name="asst2">
+    <dgm:scene3d>
+      <a:camera prst="orthographicFront"/>
+      <a:lightRig rig="flat" dir="t"/>
+    </dgm:scene3d>
+    <dgm:sp3d prstMaterial="dkEdge">
+      <a:bevelT w="8200" h="38100"/>
+    </dgm:sp3d>
+    <dgm:txPr/>
+    <dgm:style>
+      <a:lnRef idx="0">
+        <a:scrgbClr r="0" g="0" b="0"/>
+      </a:lnRef>
+      <a:fillRef idx="2">
+        <a:scrgbClr r="0" g="0" b="0"/>
+      </a:fillRef>
+      <a:effectRef idx="1">
+        <a:scrgbClr r="0" g="0" b="0"/>
+      </a:effectRef>
+      <a:fontRef idx="minor">
+        <a:schemeClr val="dk1"/>
+      </a:fontRef>
+    </dgm:style>
+  </dgm:styleLbl>
+  <dgm:styleLbl name="asst3">
+    <dgm:scene3d>
+      <a:camera prst="orthographicFront"/>
+      <a:lightRig rig="flat" dir="t"/>
+    </dgm:scene3d>
+    <dgm:sp3d prstMaterial="dkEdge">
+      <a:bevelT w="8200" h="38100"/>
+    </dgm:sp3d>
+    <dgm:txPr/>
+    <dgm:style>
+      <a:lnRef idx="0">
+        <a:scrgbClr r="0" g="0" b="0"/>
+      </a:lnRef>
+      <a:fillRef idx="2">
+        <a:scrgbClr r="0" g="0" b="0"/>
+      </a:fillRef>
+      <a:effectRef idx="1">
+        <a:scrgbClr r="0" g="0" b="0"/>
+      </a:effectRef>
+      <a:fontRef idx="minor">
+        <a:schemeClr val="dk1"/>
+      </a:fontRef>
+    </dgm:style>
+  </dgm:styleLbl>
+  <dgm:styleLbl name="asst4">
+    <dgm:scene3d>
+      <a:camera prst="orthographicFront"/>
+      <a:lightRig rig="flat" dir="t"/>
+    </dgm:scene3d>
+    <dgm:sp3d prstMaterial="dkEdge">
+      <a:bevelT w="8200" h="38100"/>
+    </dgm:sp3d>
+    <dgm:txPr/>
+    <dgm:style>
+      <a:lnRef idx="0">
+        <a:scrgbClr r="0" g="0" b="0"/>
+      </a:lnRef>
+      <a:fillRef idx="2">
+        <a:scrgbClr r="0" g="0" b="0"/>
+      </a:fillRef>
+      <a:effectRef idx="1">
+        <a:scrgbClr r="0" g="0" b="0"/>
+      </a:effectRef>
+      <a:fontRef idx="minor">
+        <a:schemeClr val="dk1"/>
+      </a:fontRef>
+    </dgm:style>
+  </dgm:styleLbl>
+  <dgm:styleLbl name="parChTrans2D1">
+    <dgm:scene3d>
+      <a:camera prst="orthographicFront"/>
+      <a:lightRig rig="threePt" dir="t"/>
+    </dgm:scene3d>
+    <dgm:sp3d/>
+    <dgm:txPr/>
+    <dgm:style>
+      <a:lnRef idx="1">
+        <a:scrgbClr r="0" g="0" b="0"/>
+      </a:lnRef>
+      <a:fillRef idx="2">
+        <a:scrgbClr r="0" g="0" b="0"/>
+      </a:fillRef>
+      <a:effectRef idx="1">
+        <a:scrgbClr r="0" g="0" b="0"/>
+      </a:effectRef>
+      <a:fontRef idx="minor">
+        <a:schemeClr val="dk1"/>
+      </a:fontRef>
+    </dgm:style>
+  </dgm:styleLbl>
+  <dgm:styleLbl name="parChTrans2D2">
+    <dgm:scene3d>
+      <a:camera prst="orthographicFront"/>
+      <a:lightRig rig="threePt" dir="t"/>
+    </dgm:scene3d>
+    <dgm:sp3d/>
+    <dgm:txPr/>
+    <dgm:style>
+      <a:lnRef idx="1">
+        <a:scrgbClr r="0" g="0" b="0"/>
+      </a:lnRef>
+      <a:fillRef idx="2">
+        <a:scrgbClr r="0" g="0" b="0"/>
+      </a:fillRef>
+      <a:effectRef idx="1">
+        <a:scrgbClr r="0" g="0" b="0"/>
+      </a:effectRef>
+      <a:fontRef idx="minor">
+        <a:schemeClr val="dk1"/>
+      </a:fontRef>
+    </dgm:style>
+  </dgm:styleLbl>
+  <dgm:styleLbl name="parChTrans2D3">
+    <dgm:scene3d>
+      <a:camera prst="orthographicFront"/>
+      <a:lightRig rig="threePt" dir="t"/>
+    </dgm:scene3d>
+    <dgm:sp3d/>
+    <dgm:txPr/>
+    <dgm:style>
+      <a:lnRef idx="1">
+        <a:scrgbClr r="0" g="0" b="0"/>
+      </a:lnRef>
+      <a:fillRef idx="2">
+        <a:scrgbClr r="0" g="0" b="0"/>
+      </a:fillRef>
+      <a:effectRef idx="1">
+        <a:scrgbClr r="0" g="0" b="0"/>
+      </a:effectRef>
+      <a:fontRef idx="minor">
+        <a:schemeClr val="dk1"/>
+      </a:fontRef>
+    </dgm:style>
+  </dgm:styleLbl>
+  <dgm:styleLbl name="parChTrans2D4">
+    <dgm:scene3d>
+      <a:camera prst="orthographicFront"/>
+      <a:lightRig rig="threePt" dir="t"/>
+    </dgm:scene3d>
+    <dgm:sp3d/>
+    <dgm:txPr/>
+    <dgm:style>
+      <a:lnRef idx="1">
+        <a:scrgbClr r="0" g="0" b="0"/>
+      </a:lnRef>
+      <a:fillRef idx="2">
+        <a:scrgbClr r="0" g="0" b="0"/>
+      </a:fillRef>
+      <a:effectRef idx="1">
+        <a:scrgbClr r="0" g="0" b="0"/>
+      </a:effectRef>
+      <a:fontRef idx="minor">
+        <a:schemeClr val="dk1"/>
+      </a:fontRef>
+    </dgm:style>
+  </dgm:styleLbl>
+  <dgm:styleLbl name="parChTrans1D1">
+    <dgm:scene3d>
+      <a:camera prst="orthographicFront"/>
+      <a:lightRig rig="threePt" dir="t"/>
+    </dgm:scene3d>
+    <dgm:sp3d/>
+    <dgm:txPr/>
+    <dgm:style>
+      <a:lnRef idx="2">
+        <a:scrgbClr r="0" g="0" b="0"/>
+      </a:lnRef>
+      <a:fillRef idx="0">
+        <a:scrgbClr r="0" g="0" b="0"/>
+      </a:fillRef>
+      <a:effectRef idx="0">
+        <a:scrgbClr r="0" g="0" b="0"/>
+      </a:effectRef>
+      <a:fontRef idx="minor"/>
+    </dgm:style>
+  </dgm:styleLbl>
+  <dgm:styleLbl name="parChTrans1D2">
+    <dgm:scene3d>
+      <a:camera prst="orthographicFront"/>
+      <a:lightRig rig="threePt" dir="t"/>
+    </dgm:scene3d>
+    <dgm:sp3d/>
+    <dgm:txPr/>
+    <dgm:style>
+      <a:lnRef idx="2">
+        <a:scrgbClr r="0" g="0" b="0"/>
+      </a:lnRef>
+      <a:fillRef idx="0">
+        <a:scrgbClr r="0" g="0" b="0"/>
+      </a:fillRef>
+      <a:effectRef idx="0">
+        <a:scrgbClr r="0" g="0" b="0"/>
+      </a:effectRef>
+      <a:fontRef idx="minor"/>
+    </dgm:style>
+  </dgm:styleLbl>
+  <dgm:styleLbl name="parChTrans1D3">
+    <dgm:scene3d>
+      <a:camera prst="orthographicFront"/>
+      <a:lightRig rig="threePt" dir="t"/>
+    </dgm:scene3d>
+    <dgm:sp3d/>
+    <dgm:txPr/>
+    <dgm:style>
+      <a:lnRef idx="2">
+        <a:scrgbClr r="0" g="0" b="0"/>
+      </a:lnRef>
+      <a:fillRef idx="0">
+        <a:scrgbClr r="0" g="0" b="0"/>
+      </a:fillRef>
+      <a:effectRef idx="0">
+        <a:scrgbClr r="0" g="0" b="0"/>
+      </a:effectRef>
+      <a:fontRef idx="minor"/>
+    </dgm:style>
+  </dgm:styleLbl>
+  <dgm:styleLbl name="parChTrans1D4">
+    <dgm:scene3d>
+      <a:camera prst="orthographicFront"/>
+      <a:lightRig rig="threePt" dir="t"/>
+    </dgm:scene3d>
+    <dgm:sp3d/>
+    <dgm:txPr/>
+    <dgm:style>
+      <a:lnRef idx="2">
+        <a:scrgbClr r="0" g="0" b="0"/>
+      </a:lnRef>
+      <a:fillRef idx="0">
+        <a:scrgbClr r="0" g="0" b="0"/>
+      </a:fillRef>
+      <a:effectRef idx="0">
+        <a:scrgbClr r="0" g="0" b="0"/>
+      </a:effectRef>
+      <a:fontRef idx="minor"/>
+    </dgm:style>
+  </dgm:styleLbl>
+  <dgm:styleLbl name="fgAcc1">
+    <dgm:scene3d>
+      <a:camera prst="orthographicFront"/>
+      <a:lightRig rig="threePt" dir="t"/>
+    </dgm:scene3d>
+    <dgm:sp3d/>
+    <dgm:txPr/>
+    <dgm:style>
+      <a:lnRef idx="1">
+        <a:scrgbClr r="0" g="0" b="0"/>
+      </a:lnRef>
+      <a:fillRef idx="1">
+        <a:scrgbClr r="0" g="0" b="0"/>
+      </a:fillRef>
+      <a:effectRef idx="0">
+        <a:scrgbClr r="0" g="0" b="0"/>
+      </a:effectRef>
+      <a:fontRef idx="minor"/>
+    </dgm:style>
+  </dgm:styleLbl>
+  <dgm:styleLbl name="conFgAcc1">
+    <dgm:scene3d>
+      <a:camera prst="orthographicFront"/>
+      <a:lightRig rig="threePt" dir="t"/>
+    </dgm:scene3d>
+    <dgm:sp3d/>
+    <dgm:txPr/>
+    <dgm:style>
+      <a:lnRef idx="1">
+        <a:scrgbClr r="0" g="0" b="0"/>
+      </a:lnRef>
+      <a:fillRef idx="1">
+        <a:scrgbClr r="0" g="0" b="0"/>
+      </a:fillRef>
+      <a:effectRef idx="0">
+        <a:scrgbClr r="0" g="0" b="0"/>
+      </a:effectRef>
+      <a:fontRef idx="minor"/>
+    </dgm:style>
+  </dgm:styleLbl>
+  <dgm:styleLbl name="alignAcc1">
+    <dgm:scene3d>
+      <a:camera prst="orthographicFront"/>
+      <a:lightRig rig="threePt" dir="t"/>
+    </dgm:scene3d>
+    <dgm:sp3d/>
+    <dgm:txPr/>
+    <dgm:style>
+      <a:lnRef idx="1">
+        <a:scrgbClr r="0" g="0" b="0"/>
+      </a:lnRef>
+      <a:fillRef idx="1">
+        <a:scrgbClr r="0" g="0" b="0"/>
+      </a:fillRef>
+      <a:effectRef idx="0">
+        <a:scrgbClr r="0" g="0" b="0"/>
+      </a:effectRef>
+      <a:fontRef idx="minor"/>
+    </dgm:style>
+  </dgm:styleLbl>
+  <dgm:styleLbl name="trAlignAcc1">
+    <dgm:scene3d>
+      <a:camera prst="orthographicFront"/>
+      <a:lightRig rig="threePt" dir="t"/>
+    </dgm:scene3d>
+    <dgm:sp3d/>
+    <dgm:txPr/>
+    <dgm:style>
+      <a:lnRef idx="1">
+        <a:scrgbClr r="0" g="0" b="0"/>
+      </a:lnRef>
+      <a:fillRef idx="1">
+        <a:scrgbClr r="0" g="0" b="0"/>
+      </a:fillRef>
+      <a:effectRef idx="0">
+        <a:scrgbClr r="0" g="0" b="0"/>
+      </a:effectRef>
+      <a:fontRef idx="minor"/>
+    </dgm:style>
+  </dgm:styleLbl>
+  <dgm:styleLbl name="bgAcc1">
+    <dgm:scene3d>
+      <a:camera prst="orthographicFront"/>
+      <a:lightRig rig="threePt" dir="t"/>
+    </dgm:scene3d>
+    <dgm:sp3d/>
+    <dgm:txPr/>
+    <dgm:style>
+      <a:lnRef idx="1">
+        <a:scrgbClr r="0" g="0" b="0"/>
+      </a:lnRef>
+      <a:fillRef idx="1">
+        <a:scrgbClr r="0" g="0" b="0"/>
+      </a:fillRef>
+      <a:effectRef idx="0">
+        <a:scrgbClr r="0" g="0" b="0"/>
+      </a:effectRef>
+      <a:fontRef idx="minor"/>
+    </dgm:style>
+  </dgm:styleLbl>
+  <dgm:styleLbl name="solidFgAcc1">
+    <dgm:scene3d>
+      <a:camera prst="orthographicFront"/>
+      <a:lightRig rig="threePt" dir="t"/>
+    </dgm:scene3d>
+    <dgm:sp3d/>
+    <dgm:txPr/>
+    <dgm:style>
+      <a:lnRef idx="1">
+        <a:scrgbClr r="0" g="0" b="0"/>
+      </a:lnRef>
+      <a:fillRef idx="2">
+        <a:scrgbClr r="0" g="0" b="0"/>
+      </a:fillRef>
+      <a:effectRef idx="0">
+        <a:scrgbClr r="0" g="0" b="0"/>
+      </a:effectRef>
+      <a:fontRef idx="minor"/>
+    </dgm:style>
+  </dgm:styleLbl>
+  <dgm:styleLbl name="solidAlignAcc1">
+    <dgm:scene3d>
+      <a:camera prst="orthographicFront"/>
+      <a:lightRig rig="threePt" dir="t"/>
+    </dgm:scene3d>
+    <dgm:sp3d/>
+    <dgm:txPr/>
+    <dgm:style>
+      <a:lnRef idx="1">
+        <a:scrgbClr r="0" g="0" b="0"/>
+      </a:lnRef>
+      <a:fillRef idx="1">
+        <a:scrgbClr r="0" g="0" b="0"/>
+      </a:fillRef>
+      <a:effectRef idx="0">
+        <a:scrgbClr r="0" g="0" b="0"/>
+      </a:effectRef>
+      <a:fontRef idx="minor"/>
+    </dgm:style>
+  </dgm:styleLbl>
+  <dgm:styleLbl name="solidBgAcc1">
+    <dgm:scene3d>
+      <a:camera prst="orthographicFront"/>
+      <a:lightRig rig="threePt" dir="t"/>
+    </dgm:scene3d>
+    <dgm:sp3d/>
+    <dgm:txPr/>
+    <dgm:style>
+      <a:lnRef idx="1">
+        <a:scrgbClr r="0" g="0" b="0"/>
+      </a:lnRef>
+      <a:fillRef idx="1">
+        <a:scrgbClr r="0" g="0" b="0"/>
+      </a:fillRef>
+      <a:effectRef idx="0">
+        <a:scrgbClr r="0" g="0" b="0"/>
+      </a:effectRef>
+      <a:fontRef idx="minor"/>
+    </dgm:style>
+  </dgm:styleLbl>
+  <dgm:styleLbl name="fgAccFollowNode1">
+    <dgm:scene3d>
+      <a:camera prst="orthographicFront"/>
+      <a:lightRig rig="threePt" dir="t"/>
+    </dgm:scene3d>
+    <dgm:sp3d/>
+    <dgm:txPr/>
+    <dgm:style>
+      <a:lnRef idx="1">
+        <a:scrgbClr r="0" g="0" b="0"/>
+      </a:lnRef>
+      <a:fillRef idx="1">
+        <a:scrgbClr r="0" g="0" b="0"/>
+      </a:fillRef>
+      <a:effectRef idx="0">
+        <a:scrgbClr r="0" g="0" b="0"/>
+      </a:effectRef>
+      <a:fontRef idx="minor"/>
+    </dgm:style>
+  </dgm:styleLbl>
+  <dgm:styleLbl name="alignAccFollowNode1">
+    <dgm:scene3d>
+      <a:camera prst="orthographicFront"/>
+      <a:lightRig rig="threePt" dir="t"/>
+    </dgm:scene3d>
+    <dgm:sp3d/>
+    <dgm:txPr/>
+    <dgm:style>
+      <a:lnRef idx="1">
+        <a:scrgbClr r="0" g="0" b="0"/>
+      </a:lnRef>
+      <a:fillRef idx="1">
+        <a:scrgbClr r="0" g="0" b="0"/>
+      </a:fillRef>
+      <a:effectRef idx="0">
+        <a:scrgbClr r="0" g="0" b="0"/>
+      </a:effectRef>
+      <a:fontRef idx="minor"/>
+    </dgm:style>
+  </dgm:styleLbl>
+  <dgm:styleLbl name="bgAccFollowNode1">
+    <dgm:scene3d>
+      <a:camera prst="orthographicFront"/>
+      <a:lightRig rig="threePt" dir="t"/>
+    </dgm:scene3d>
+    <dgm:sp3d/>
+    <dgm:txPr/>
+    <dgm:style>
+      <a:lnRef idx="1">
+        <a:scrgbClr r="0" g="0" b="0"/>
+      </a:lnRef>
+      <a:fillRef idx="1">
+        <a:scrgbClr r="0" g="0" b="0"/>
+      </a:fillRef>
+      <a:effectRef idx="0">
+        <a:scrgbClr r="0" g="0" b="0"/>
+      </a:effectRef>
+      <a:fontRef idx="minor"/>
+    </dgm:style>
+  </dgm:styleLbl>
+  <dgm:styleLbl name="fgAcc0">
+    <dgm:scene3d>
+      <a:camera prst="orthographicFront"/>
+      <a:lightRig rig="threePt" dir="t"/>
+    </dgm:scene3d>
+    <dgm:sp3d/>
+    <dgm:txPr/>
+    <dgm:style>
+      <a:lnRef idx="1">
+        <a:scrgbClr r="0" g="0" b="0"/>
+      </a:lnRef>
+      <a:fillRef idx="1">
+        <a:scrgbClr r="0" g="0" b="0"/>
+      </a:fillRef>
+      <a:effectRef idx="0">
+        <a:scrgbClr r="0" g="0" b="0"/>
+      </a:effectRef>
+      <a:fontRef idx="minor"/>
+    </dgm:style>
+  </dgm:styleLbl>
+  <dgm:styleLbl name="fgAcc2">
+    <dgm:scene3d>
+      <a:camera prst="orthographicFront"/>
+      <a:lightRig rig="threePt" dir="t"/>
+    </dgm:scene3d>
+    <dgm:sp3d/>
+    <dgm:txPr/>
+    <dgm:style>
+      <a:lnRef idx="1">
+        <a:scrgbClr r="0" g="0" b="0"/>
+      </a:lnRef>
+      <a:fillRef idx="1">
+        <a:scrgbClr r="0" g="0" b="0"/>
+      </a:fillRef>
+      <a:effectRef idx="0">
+        <a:scrgbClr r="0" g="0" b="0"/>
+      </a:effectRef>
+      <a:fontRef idx="minor"/>
+    </dgm:style>
+  </dgm:styleLbl>
+  <dgm:styleLbl name="fgAcc3">
+    <dgm:scene3d>
+      <a:camera prst="orthographicFront"/>
+      <a:lightRig rig="threePt" dir="t"/>
+    </dgm:scene3d>
+    <dgm:sp3d/>
+    <dgm:txPr/>
+    <dgm:style>
+      <a:lnRef idx="1">
+        <a:scrgbClr r="0" g="0" b="0"/>
+      </a:lnRef>
+      <a:fillRef idx="1">
+        <a:scrgbClr r="0" g="0" b="0"/>
+      </a:fillRef>
+      <a:effectRef idx="0">
+        <a:scrgbClr r="0" g="0" b="0"/>
+      </a:effectRef>
+      <a:fontRef idx="minor"/>
+    </dgm:style>
+  </dgm:styleLbl>
+  <dgm:styleLbl name="fgAcc4">
+    <dgm:scene3d>
+      <a:camera prst="orthographicFront"/>
+      <a:lightRig rig="threePt" dir="t"/>
+    </dgm:scene3d>
+    <dgm:sp3d/>
+    <dgm:txPr/>
+    <dgm:style>
+      <a:lnRef idx="1">
+        <a:scrgbClr r="0" g="0" b="0"/>
+      </a:lnRef>
+      <a:fillRef idx="1">
+        <a:scrgbClr r="0" g="0" b="0"/>
+      </a:fillRef>
+      <a:effectRef idx="0">
+        <a:scrgbClr r="0" g="0" b="0"/>
+      </a:effectRef>
+      <a:fontRef idx="minor"/>
+    </dgm:style>
+  </dgm:styleLbl>
+  <dgm:styleLbl name="bgShp">
+    <dgm:scene3d>
+      <a:camera prst="orthographicFront"/>
+      <a:lightRig rig="threePt" dir="t"/>
+    </dgm:scene3d>
+    <dgm:sp3d/>
+    <dgm:txPr/>
+    <dgm:style>
+      <a:lnRef idx="0">
+        <a:scrgbClr r="0" g="0" b="0"/>
+      </a:lnRef>
+      <a:fillRef idx="1">
+        <a:scrgbClr r="0" g="0" b="0"/>
+      </a:fillRef>
+      <a:effectRef idx="1">
+        <a:scrgbClr r="0" g="0" b="0"/>
+      </a:effectRef>
+      <a:fontRef idx="minor"/>
+    </dgm:style>
+  </dgm:styleLbl>
+  <dgm:styleLbl name="dkBgShp">
+    <dgm:scene3d>
+      <a:camera prst="orthographicFront"/>
+      <a:lightRig rig="threePt" dir="t"/>
+    </dgm:scene3d>
+    <dgm:sp3d/>
+    <dgm:txPr/>
+    <dgm:style>
+      <a:lnRef idx="0">
+        <a:scrgbClr r="0" g="0" b="0"/>
+      </a:lnRef>
+      <a:fillRef idx="1">
+        <a:scrgbClr r="0" g="0" b="0"/>
+      </a:fillRef>
+      <a:effectRef idx="1">
+        <a:scrgbClr r="0" g="0" b="0"/>
+      </a:effectRef>
+      <a:fontRef idx="minor"/>
+    </dgm:style>
+  </dgm:styleLbl>
+  <dgm:styleLbl name="trBgShp">
+    <dgm:scene3d>
+      <a:camera prst="orthographicFront"/>
+      <a:lightRig rig="threePt" dir="t"/>
+    </dgm:scene3d>
+    <dgm:sp3d/>
+    <dgm:txPr/>
+    <dgm:style>
+      <a:lnRef idx="0">
+        <a:scrgbClr r="0" g="0" b="0"/>
+      </a:lnRef>
+      <a:fillRef idx="1">
+        <a:scrgbClr r="0" g="0" b="0"/>
+      </a:fillRef>
+      <a:effectRef idx="0">
+        <a:scrgbClr r="0" g="0" b="0"/>
+      </a:effectRef>
+      <a:fontRef idx="minor"/>
+    </dgm:style>
+  </dgm:styleLbl>
+  <dgm:styleLbl name="fgShp">
+    <dgm:scene3d>
+      <a:camera prst="orthographicFront"/>
+      <a:lightRig rig="flat" dir="t"/>
+    </dgm:scene3d>
+    <dgm:sp3d prstMaterial="dkEdge">
+      <a:bevelT w="8200" h="38100"/>
+    </dgm:sp3d>
+    <dgm:txPr/>
+    <dgm:style>
+      <a:lnRef idx="1">
+        <a:scrgbClr r="0" g="0" b="0"/>
+      </a:lnRef>
+      <a:fillRef idx="2">
+        <a:scrgbClr r="0" g="0" b="0"/>
+      </a:fillRef>
+      <a:effectRef idx="1">
+        <a:scrgbClr r="0" g="0" b="0"/>
+      </a:effectRef>
+      <a:fontRef idx="minor"/>
+    </dgm:style>
+  </dgm:styleLbl>
+  <dgm:styleLbl name="revTx">
+    <dgm:scene3d>
+      <a:camera prst="orthographicFront"/>
+      <a:lightRig rig="threePt" dir="t"/>
+    </dgm:scene3d>
+    <dgm:sp3d/>
+    <dgm:txPr/>
+    <dgm:style>
+      <a:lnRef idx="0">
+        <a:scrgbClr r="0" g="0" b="0"/>
+      </a:lnRef>
+      <a:fillRef idx="0">
+        <a:scrgbClr r="0" g="0" b="0"/>
+      </a:fillRef>
+      <a:effectRef idx="0">
+        <a:scrgbClr r="0" g="0" b="0"/>
+      </a:effectRef>
+      <a:fontRef idx="minor"/>
+    </dgm:style>
+  </dgm:styleLbl>
+</dgm:styleDef>
 </file>
 
 <file path=ppt/slideLayouts/slideLayout1.xml><?xml version="1.0" encoding="utf-8"?>
@@ -3498,6 +7697,285 @@
           <p:cNvPr id="2" name="标题 1">
             <a:extLst>
               <a:ext uri="{FF2B5EF4-FFF2-40B4-BE49-F238E27FC236}">
+                <a16:creationId xmlns:a16="http://schemas.microsoft.com/office/drawing/2014/main" id="{66F0C2EB-731A-4310-B3B3-608D0662A16B}"/>
+              </a:ext>
+            </a:extLst>
+          </p:cNvPr>
+          <p:cNvSpPr>
+            <a:spLocks noGrp="1"/>
+          </p:cNvSpPr>
+          <p:nvPr>
+            <p:ph type="title"/>
+          </p:nvPr>
+        </p:nvSpPr>
+        <p:spPr/>
+        <p:txBody>
+          <a:bodyPr/>
+          <a:lstStyle/>
+          <a:p>
+            <a:r>
+              <a:rPr lang="zh-CN" altLang="en-US" dirty="0"/>
+              <a:t>场景</a:t>
+            </a:r>
+            <a:r>
+              <a:rPr lang="en-US" altLang="zh-CN" dirty="0"/>
+              <a:t>Class</a:t>
+            </a:r>
+            <a:r>
+              <a:rPr lang="zh-CN" altLang="en-US" dirty="0"/>
+              <a:t>设计</a:t>
+            </a:r>
+          </a:p>
+        </p:txBody>
+      </p:sp>
+      <p:sp>
+        <p:nvSpPr>
+          <p:cNvPr id="3" name="内容占位符 2">
+            <a:extLst>
+              <a:ext uri="{FF2B5EF4-FFF2-40B4-BE49-F238E27FC236}">
+                <a16:creationId xmlns:a16="http://schemas.microsoft.com/office/drawing/2014/main" id="{B79A2116-5B6B-454F-9C90-EEA2B38569A8}"/>
+              </a:ext>
+            </a:extLst>
+          </p:cNvPr>
+          <p:cNvSpPr>
+            <a:spLocks noGrp="1"/>
+          </p:cNvSpPr>
+          <p:nvPr>
+            <p:ph idx="1"/>
+          </p:nvPr>
+        </p:nvSpPr>
+        <p:spPr/>
+        <p:txBody>
+          <a:bodyPr/>
+          <a:lstStyle/>
+          <a:p>
+            <a:endParaRPr lang="zh-CN" altLang="en-US" dirty="0"/>
+          </a:p>
+        </p:txBody>
+      </p:sp>
+    </p:spTree>
+    <p:extLst>
+      <p:ext uri="{BB962C8B-B14F-4D97-AF65-F5344CB8AC3E}">
+        <p14:creationId xmlns:p14="http://schemas.microsoft.com/office/powerpoint/2010/main" val="3833432949"/>
+      </p:ext>
+    </p:extLst>
+  </p:cSld>
+  <p:clrMapOvr>
+    <a:masterClrMapping/>
+  </p:clrMapOvr>
+</p:sld>
+</file>
+
+<file path=ppt/slides/slide11.xml><?xml version="1.0" encoding="utf-8"?>
+<p:sld xmlns:a="http://schemas.openxmlformats.org/drawingml/2006/main" xmlns:r="http://schemas.openxmlformats.org/officeDocument/2006/relationships" xmlns:p="http://schemas.openxmlformats.org/presentationml/2006/main">
+  <p:cSld>
+    <p:bg>
+      <p:bgPr>
+        <a:gradFill>
+          <a:gsLst>
+            <a:gs pos="0">
+              <a:schemeClr val="accent1">
+                <a:lumMod val="5000"/>
+                <a:lumOff val="95000"/>
+              </a:schemeClr>
+            </a:gs>
+            <a:gs pos="74000">
+              <a:schemeClr val="accent1">
+                <a:lumMod val="45000"/>
+                <a:lumOff val="55000"/>
+              </a:schemeClr>
+            </a:gs>
+            <a:gs pos="83000">
+              <a:schemeClr val="accent1">
+                <a:lumMod val="45000"/>
+                <a:lumOff val="55000"/>
+              </a:schemeClr>
+            </a:gs>
+            <a:gs pos="100000">
+              <a:schemeClr val="accent1">
+                <a:lumMod val="30000"/>
+                <a:lumOff val="70000"/>
+              </a:schemeClr>
+            </a:gs>
+          </a:gsLst>
+          <a:lin ang="5400000" scaled="1"/>
+        </a:gradFill>
+        <a:effectLst/>
+      </p:bgPr>
+    </p:bg>
+    <p:spTree>
+      <p:nvGrpSpPr>
+        <p:cNvPr id="1" name=""/>
+        <p:cNvGrpSpPr/>
+        <p:nvPr/>
+      </p:nvGrpSpPr>
+      <p:grpSpPr>
+        <a:xfrm>
+          <a:off x="0" y="0"/>
+          <a:ext cx="0" cy="0"/>
+          <a:chOff x="0" y="0"/>
+          <a:chExt cx="0" cy="0"/>
+        </a:xfrm>
+      </p:grpSpPr>
+      <p:sp>
+        <p:nvSpPr>
+          <p:cNvPr id="2" name="标题 1">
+            <a:extLst>
+              <a:ext uri="{FF2B5EF4-FFF2-40B4-BE49-F238E27FC236}">
+                <a16:creationId xmlns:a16="http://schemas.microsoft.com/office/drawing/2014/main" id="{F5B470EB-990C-490E-8C1B-586AF2136AA0}"/>
+              </a:ext>
+            </a:extLst>
+          </p:cNvPr>
+          <p:cNvSpPr>
+            <a:spLocks noGrp="1"/>
+          </p:cNvSpPr>
+          <p:nvPr>
+            <p:ph type="title"/>
+          </p:nvPr>
+        </p:nvSpPr>
+        <p:spPr/>
+        <p:txBody>
+          <a:bodyPr/>
+          <a:lstStyle/>
+          <a:p>
+            <a:r>
+              <a:rPr lang="zh-CN" altLang="en-US" dirty="0"/>
+              <a:t>使用的</a:t>
+            </a:r>
+            <a:r>
+              <a:rPr lang="en-US" altLang="zh-CN" dirty="0"/>
+              <a:t>C++11</a:t>
+            </a:r>
+            <a:r>
+              <a:rPr lang="zh-CN" altLang="en-US" dirty="0"/>
+              <a:t>特性</a:t>
+            </a:r>
+          </a:p>
+        </p:txBody>
+      </p:sp>
+      <p:sp>
+        <p:nvSpPr>
+          <p:cNvPr id="3" name="内容占位符 2">
+            <a:extLst>
+              <a:ext uri="{FF2B5EF4-FFF2-40B4-BE49-F238E27FC236}">
+                <a16:creationId xmlns:a16="http://schemas.microsoft.com/office/drawing/2014/main" id="{20E81262-B5A0-4967-829A-327094D7573A}"/>
+              </a:ext>
+            </a:extLst>
+          </p:cNvPr>
+          <p:cNvSpPr>
+            <a:spLocks noGrp="1"/>
+          </p:cNvSpPr>
+          <p:nvPr>
+            <p:ph idx="1"/>
+          </p:nvPr>
+        </p:nvSpPr>
+        <p:spPr/>
+        <p:txBody>
+          <a:bodyPr/>
+          <a:lstStyle/>
+          <a:p>
+            <a:r>
+              <a:rPr lang="zh-CN" altLang="en-US" dirty="0"/>
+              <a:t>初始化列表</a:t>
+            </a:r>
+            <a:endParaRPr lang="en-US" altLang="zh-CN" dirty="0"/>
+          </a:p>
+          <a:p>
+            <a:r>
+              <a:rPr lang="zh-CN" altLang="en-US" dirty="0"/>
+              <a:t>类型判断</a:t>
+            </a:r>
+            <a:endParaRPr lang="en-US" altLang="zh-CN" dirty="0"/>
+          </a:p>
+          <a:p>
+            <a:r>
+              <a:rPr lang="zh-CN" altLang="en-US" dirty="0"/>
+              <a:t>智能指针</a:t>
+            </a:r>
+            <a:endParaRPr lang="en-US" altLang="zh-CN" dirty="0"/>
+          </a:p>
+          <a:p>
+            <a:r>
+              <a:rPr lang="en-US" altLang="zh-CN" dirty="0"/>
+              <a:t>Lambda</a:t>
+            </a:r>
+            <a:r>
+              <a:rPr lang="zh-CN" altLang="en-US" dirty="0"/>
+              <a:t>表达式</a:t>
+            </a:r>
+            <a:endParaRPr lang="en-US" altLang="zh-CN" dirty="0"/>
+          </a:p>
+        </p:txBody>
+      </p:sp>
+    </p:spTree>
+    <p:extLst>
+      <p:ext uri="{BB962C8B-B14F-4D97-AF65-F5344CB8AC3E}">
+        <p14:creationId xmlns:p14="http://schemas.microsoft.com/office/powerpoint/2010/main" val="3351691183"/>
+      </p:ext>
+    </p:extLst>
+  </p:cSld>
+  <p:clrMapOvr>
+    <a:masterClrMapping/>
+  </p:clrMapOvr>
+</p:sld>
+</file>
+
+<file path=ppt/slides/slide12.xml><?xml version="1.0" encoding="utf-8"?>
+<p:sld xmlns:a="http://schemas.openxmlformats.org/drawingml/2006/main" xmlns:r="http://schemas.openxmlformats.org/officeDocument/2006/relationships" xmlns:p="http://schemas.openxmlformats.org/presentationml/2006/main">
+  <p:cSld>
+    <p:bg>
+      <p:bgPr>
+        <a:gradFill>
+          <a:gsLst>
+            <a:gs pos="0">
+              <a:schemeClr val="accent1">
+                <a:lumMod val="5000"/>
+                <a:lumOff val="95000"/>
+              </a:schemeClr>
+            </a:gs>
+            <a:gs pos="74000">
+              <a:schemeClr val="accent1">
+                <a:lumMod val="45000"/>
+                <a:lumOff val="55000"/>
+              </a:schemeClr>
+            </a:gs>
+            <a:gs pos="83000">
+              <a:schemeClr val="accent1">
+                <a:lumMod val="45000"/>
+                <a:lumOff val="55000"/>
+              </a:schemeClr>
+            </a:gs>
+            <a:gs pos="100000">
+              <a:schemeClr val="accent1">
+                <a:lumMod val="30000"/>
+                <a:lumOff val="70000"/>
+              </a:schemeClr>
+            </a:gs>
+          </a:gsLst>
+          <a:lin ang="5400000" scaled="1"/>
+        </a:gradFill>
+        <a:effectLst/>
+      </p:bgPr>
+    </p:bg>
+    <p:spTree>
+      <p:nvGrpSpPr>
+        <p:cNvPr id="1" name=""/>
+        <p:cNvGrpSpPr/>
+        <p:nvPr/>
+      </p:nvGrpSpPr>
+      <p:grpSpPr>
+        <a:xfrm>
+          <a:off x="0" y="0"/>
+          <a:ext cx="0" cy="0"/>
+          <a:chOff x="0" y="0"/>
+          <a:chExt cx="0" cy="0"/>
+        </a:xfrm>
+      </p:grpSpPr>
+      <p:sp>
+        <p:nvSpPr>
+          <p:cNvPr id="2" name="标题 1">
+            <a:extLst>
+              <a:ext uri="{FF2B5EF4-FFF2-40B4-BE49-F238E27FC236}">
                 <a16:creationId xmlns:a16="http://schemas.microsoft.com/office/drawing/2014/main" id="{DCBFAA59-ED73-4F8E-BC10-91FF34B2FEBF}"/>
               </a:ext>
             </a:extLst>
@@ -3585,7 +8063,7 @@
 </p:sld>
 </file>
 
-<file path=ppt/slides/slide11.xml><?xml version="1.0" encoding="utf-8"?>
+<file path=ppt/slides/slide13.xml><?xml version="1.0" encoding="utf-8"?>
 <p:sld xmlns:a="http://schemas.openxmlformats.org/drawingml/2006/main" xmlns:r="http://schemas.openxmlformats.org/officeDocument/2006/relationships" xmlns:p="http://schemas.openxmlformats.org/presentationml/2006/main">
   <p:cSld>
     <p:bg>
@@ -4040,6 +8518,129 @@
       </p:grpSpPr>
       <p:sp>
         <p:nvSpPr>
+          <p:cNvPr id="2" name="标题 1">
+            <a:extLst>
+              <a:ext uri="{FF2B5EF4-FFF2-40B4-BE49-F238E27FC236}">
+                <a16:creationId xmlns:a16="http://schemas.microsoft.com/office/drawing/2014/main" id="{B427EA38-5D6C-4892-8E2C-4873BC56A1FB}"/>
+              </a:ext>
+            </a:extLst>
+          </p:cNvPr>
+          <p:cNvSpPr>
+            <a:spLocks noGrp="1"/>
+          </p:cNvSpPr>
+          <p:nvPr>
+            <p:ph type="title"/>
+          </p:nvPr>
+        </p:nvSpPr>
+        <p:spPr/>
+        <p:txBody>
+          <a:bodyPr/>
+          <a:lstStyle/>
+          <a:p>
+            <a:r>
+              <a:rPr lang="zh-CN" altLang="en-US" dirty="0"/>
+              <a:t>项目结构</a:t>
+            </a:r>
+          </a:p>
+        </p:txBody>
+      </p:sp>
+      <p:graphicFrame>
+        <p:nvGraphicFramePr>
+          <p:cNvPr id="4" name="内容占位符 3">
+            <a:extLst>
+              <a:ext uri="{FF2B5EF4-FFF2-40B4-BE49-F238E27FC236}">
+                <a16:creationId xmlns:a16="http://schemas.microsoft.com/office/drawing/2014/main" id="{A203813E-76AC-4B0D-B0A0-57B95E7161FB}"/>
+              </a:ext>
+            </a:extLst>
+          </p:cNvPr>
+          <p:cNvGraphicFramePr>
+            <a:graphicFrameLocks noGrp="1"/>
+          </p:cNvGraphicFramePr>
+          <p:nvPr>
+            <p:ph idx="1"/>
+            <p:extLst>
+              <p:ext uri="{D42A27DB-BD31-4B8C-83A1-F6EECF244321}">
+                <p14:modId xmlns:p14="http://schemas.microsoft.com/office/powerpoint/2010/main" val="3534615449"/>
+              </p:ext>
+            </p:extLst>
+          </p:nvPr>
+        </p:nvGraphicFramePr>
+        <p:xfrm>
+          <a:off x="838200" y="1825625"/>
+          <a:ext cx="10515600" cy="4351338"/>
+        </p:xfrm>
+        <a:graphic>
+          <a:graphicData uri="http://schemas.openxmlformats.org/drawingml/2006/diagram">
+            <dgm:relIds xmlns:dgm="http://schemas.openxmlformats.org/drawingml/2006/diagram" xmlns:r="http://schemas.openxmlformats.org/officeDocument/2006/relationships" r:dm="rId2" r:lo="rId3" r:qs="rId4" r:cs="rId5"/>
+          </a:graphicData>
+        </a:graphic>
+      </p:graphicFrame>
+    </p:spTree>
+    <p:extLst>
+      <p:ext uri="{BB962C8B-B14F-4D97-AF65-F5344CB8AC3E}">
+        <p14:creationId xmlns:p14="http://schemas.microsoft.com/office/powerpoint/2010/main" val="4131412678"/>
+      </p:ext>
+    </p:extLst>
+  </p:cSld>
+  <p:clrMapOvr>
+    <a:masterClrMapping/>
+  </p:clrMapOvr>
+</p:sld>
+</file>
+
+<file path=ppt/slides/slide5.xml><?xml version="1.0" encoding="utf-8"?>
+<p:sld xmlns:a="http://schemas.openxmlformats.org/drawingml/2006/main" xmlns:r="http://schemas.openxmlformats.org/officeDocument/2006/relationships" xmlns:p="http://schemas.openxmlformats.org/presentationml/2006/main">
+  <p:cSld>
+    <p:bg>
+      <p:bgPr>
+        <a:gradFill>
+          <a:gsLst>
+            <a:gs pos="0">
+              <a:schemeClr val="accent1">
+                <a:lumMod val="5000"/>
+                <a:lumOff val="95000"/>
+              </a:schemeClr>
+            </a:gs>
+            <a:gs pos="74000">
+              <a:schemeClr val="accent1">
+                <a:lumMod val="45000"/>
+                <a:lumOff val="55000"/>
+              </a:schemeClr>
+            </a:gs>
+            <a:gs pos="83000">
+              <a:schemeClr val="accent1">
+                <a:lumMod val="45000"/>
+                <a:lumOff val="55000"/>
+              </a:schemeClr>
+            </a:gs>
+            <a:gs pos="100000">
+              <a:schemeClr val="accent1">
+                <a:lumMod val="30000"/>
+                <a:lumOff val="70000"/>
+              </a:schemeClr>
+            </a:gs>
+          </a:gsLst>
+          <a:lin ang="5400000" scaled="1"/>
+        </a:gradFill>
+        <a:effectLst/>
+      </p:bgPr>
+    </p:bg>
+    <p:spTree>
+      <p:nvGrpSpPr>
+        <p:cNvPr id="1" name=""/>
+        <p:cNvGrpSpPr/>
+        <p:nvPr/>
+      </p:nvGrpSpPr>
+      <p:grpSpPr>
+        <a:xfrm>
+          <a:off x="0" y="0"/>
+          <a:ext cx="0" cy="0"/>
+          <a:chOff x="0" y="0"/>
+          <a:chExt cx="0" cy="0"/>
+        </a:xfrm>
+      </p:grpSpPr>
+      <p:sp>
+        <p:nvSpPr>
           <p:cNvPr id="5" name="标题 4">
             <a:extLst>
               <a:ext uri="{FF2B5EF4-FFF2-40B4-BE49-F238E27FC236}">
@@ -4098,163 +8699,141 @@
           <a:lstStyle/>
           <a:p>
             <a:r>
-              <a:rPr lang="en-US" altLang="zh-CN" sz="2000" dirty="0" err="1"/>
+              <a:rPr lang="en-US" altLang="zh-CN" dirty="0" err="1"/>
               <a:t>BaseBall</a:t>
             </a:r>
             <a:r>
-              <a:rPr lang="en-US" altLang="zh-CN" sz="2000" dirty="0"/>
+              <a:rPr lang="en-US" altLang="zh-CN" dirty="0"/>
               <a:t>:</a:t>
             </a:r>
             <a:r>
-              <a:rPr lang="zh-CN" altLang="en-US" sz="2000" dirty="0"/>
+              <a:rPr lang="zh-CN" altLang="en-US" dirty="0"/>
               <a:t>继承自</a:t>
             </a:r>
             <a:r>
-              <a:rPr lang="en-US" altLang="zh-CN" sz="2000" dirty="0"/>
+              <a:rPr lang="en-US" altLang="zh-CN" dirty="0"/>
               <a:t>cocos2d::Sprite</a:t>
             </a:r>
             <a:r>
-              <a:rPr lang="zh-CN" altLang="en-US" sz="2000" dirty="0"/>
+              <a:rPr lang="zh-CN" altLang="en-US" dirty="0"/>
               <a:t>类，作为所有球的基类</a:t>
             </a:r>
-            <a:endParaRPr lang="en-US" altLang="zh-CN" sz="2000" dirty="0"/>
-          </a:p>
-          <a:p>
-            <a:r>
-              <a:rPr lang="en-US" altLang="zh-CN" sz="2000" dirty="0" err="1"/>
+            <a:endParaRPr lang="en-US" altLang="zh-CN" dirty="0"/>
+          </a:p>
+          <a:p>
+            <a:r>
+              <a:rPr lang="en-US" altLang="zh-CN" dirty="0" err="1"/>
               <a:t>FoodBall</a:t>
             </a:r>
             <a:r>
-              <a:rPr lang="en-US" altLang="zh-CN" sz="2000" dirty="0"/>
+              <a:rPr lang="en-US" altLang="zh-CN" dirty="0"/>
               <a:t>:</a:t>
             </a:r>
             <a:r>
-              <a:rPr lang="zh-CN" altLang="en-US" sz="2000" dirty="0"/>
+              <a:rPr lang="zh-CN" altLang="en-US" dirty="0"/>
               <a:t>继承自</a:t>
             </a:r>
             <a:r>
-              <a:rPr lang="en-US" altLang="zh-CN" sz="2000" dirty="0" err="1"/>
+              <a:rPr lang="en-US" altLang="zh-CN" dirty="0" err="1"/>
               <a:t>BaseBall</a:t>
             </a:r>
             <a:r>
-              <a:rPr lang="zh-CN" altLang="en-US" sz="2000" dirty="0"/>
+              <a:rPr lang="zh-CN" altLang="en-US" dirty="0"/>
               <a:t>类，游戏中的食物单元</a:t>
             </a:r>
-            <a:endParaRPr lang="en-US" altLang="zh-CN" sz="2000" dirty="0"/>
-          </a:p>
-          <a:p>
-            <a:r>
-              <a:rPr lang="en-US" altLang="zh-CN" sz="2000" dirty="0" err="1"/>
+            <a:endParaRPr lang="en-US" altLang="zh-CN" dirty="0"/>
+          </a:p>
+          <a:p>
+            <a:r>
+              <a:rPr lang="en-US" altLang="zh-CN" dirty="0" err="1"/>
               <a:t>ControledBall</a:t>
             </a:r>
             <a:r>
-              <a:rPr lang="en-US" altLang="zh-CN" sz="2000" dirty="0"/>
+              <a:rPr lang="en-US" altLang="zh-CN" dirty="0"/>
               <a:t>:</a:t>
             </a:r>
             <a:r>
-              <a:rPr lang="zh-CN" altLang="en-US" sz="2000" dirty="0"/>
+              <a:rPr lang="zh-CN" altLang="en-US" dirty="0"/>
               <a:t>继承自</a:t>
             </a:r>
             <a:r>
-              <a:rPr lang="en-US" altLang="zh-CN" sz="2000" dirty="0" err="1"/>
+              <a:rPr lang="en-US" altLang="zh-CN" dirty="0" err="1"/>
               <a:t>BaseBall</a:t>
             </a:r>
             <a:r>
-              <a:rPr lang="zh-CN" altLang="en-US" sz="2000" dirty="0"/>
+              <a:rPr lang="zh-CN" altLang="en-US" dirty="0"/>
               <a:t>类，作为玩家操控的小球</a:t>
             </a:r>
-            <a:endParaRPr lang="en-US" altLang="zh-CN" sz="2000" dirty="0"/>
-          </a:p>
-          <a:p>
-            <a:r>
-              <a:rPr lang="en-US" altLang="zh-CN" sz="2000" dirty="0" err="1"/>
+            <a:endParaRPr lang="en-US" altLang="zh-CN" dirty="0"/>
+          </a:p>
+          <a:p>
+            <a:r>
+              <a:rPr lang="en-US" altLang="zh-CN" dirty="0" err="1"/>
               <a:t>VirusBall</a:t>
             </a:r>
             <a:r>
-              <a:rPr lang="en-US" altLang="zh-CN" sz="2000" dirty="0"/>
+              <a:rPr lang="en-US" altLang="zh-CN" dirty="0"/>
               <a:t>:</a:t>
             </a:r>
             <a:r>
-              <a:rPr lang="zh-CN" altLang="en-US" sz="2000" dirty="0"/>
+              <a:rPr lang="zh-CN" altLang="en-US" dirty="0"/>
               <a:t>继承自</a:t>
             </a:r>
             <a:r>
-              <a:rPr lang="en-US" altLang="zh-CN" sz="2000" dirty="0" err="1"/>
+              <a:rPr lang="en-US" altLang="zh-CN" dirty="0" err="1"/>
               <a:t>BassBall</a:t>
             </a:r>
             <a:r>
-              <a:rPr lang="zh-CN" altLang="en-US" sz="2000" dirty="0"/>
+              <a:rPr lang="zh-CN" altLang="en-US" dirty="0"/>
               <a:t>类，可以使</a:t>
             </a:r>
             <a:r>
-              <a:rPr lang="en-US" altLang="zh-CN" sz="2000" dirty="0" err="1"/>
+              <a:rPr lang="en-US" altLang="zh-CN" dirty="0" err="1"/>
               <a:t>ControledBall</a:t>
             </a:r>
             <a:r>
-              <a:rPr lang="zh-CN" altLang="en-US" sz="2000" dirty="0"/>
+              <a:rPr lang="zh-CN" altLang="en-US" dirty="0"/>
               <a:t>分裂</a:t>
             </a:r>
-            <a:endParaRPr lang="en-US" altLang="zh-CN" sz="2000" dirty="0"/>
-          </a:p>
-          <a:p>
-            <a:r>
-              <a:rPr lang="en-US" altLang="zh-CN" sz="2000" dirty="0" err="1"/>
+            <a:endParaRPr lang="en-US" altLang="zh-CN" dirty="0"/>
+          </a:p>
+          <a:p>
+            <a:r>
+              <a:rPr lang="en-US" altLang="zh-CN" dirty="0" err="1"/>
               <a:t>FoodBallManager</a:t>
             </a:r>
             <a:r>
-              <a:rPr lang="en-US" altLang="zh-CN" sz="2000" dirty="0"/>
+              <a:rPr lang="en-US" altLang="zh-CN" dirty="0"/>
               <a:t>:</a:t>
             </a:r>
             <a:r>
-              <a:rPr lang="zh-CN" altLang="en-US" sz="2000" dirty="0"/>
+              <a:rPr lang="zh-CN" altLang="en-US" dirty="0"/>
               <a:t>对游戏中的</a:t>
             </a:r>
             <a:r>
-              <a:rPr lang="en-US" altLang="zh-CN" sz="2000" dirty="0" err="1"/>
+              <a:rPr lang="en-US" altLang="zh-CN" dirty="0" err="1"/>
               <a:t>FoodBall</a:t>
             </a:r>
             <a:r>
-              <a:rPr lang="zh-CN" altLang="en-US" sz="2000" dirty="0"/>
+              <a:rPr lang="zh-CN" altLang="en-US" dirty="0"/>
               <a:t>进行管理</a:t>
             </a:r>
-            <a:endParaRPr lang="en-US" altLang="zh-CN" sz="2000" dirty="0"/>
-          </a:p>
-          <a:p>
-            <a:r>
-              <a:rPr lang="en-US" altLang="zh-CN" sz="2000" dirty="0" err="1"/>
+            <a:endParaRPr lang="en-US" altLang="zh-CN" dirty="0"/>
+          </a:p>
+          <a:p>
+            <a:r>
+              <a:rPr lang="en-US" altLang="zh-CN" dirty="0" err="1"/>
               <a:t>ControledBallManager</a:t>
             </a:r>
             <a:r>
-              <a:rPr lang="en-US" altLang="zh-CN" sz="2000" dirty="0"/>
+              <a:rPr lang="en-US" altLang="zh-CN" dirty="0"/>
               <a:t>:</a:t>
             </a:r>
             <a:r>
-              <a:rPr lang="zh-CN" altLang="en-US" sz="2000" dirty="0"/>
+              <a:rPr lang="zh-CN" altLang="en-US" dirty="0"/>
               <a:t>直接管理一位玩家操控的所有小球</a:t>
             </a:r>
-            <a:endParaRPr lang="en-US" altLang="zh-CN" sz="2000" dirty="0"/>
-          </a:p>
-          <a:p>
-            <a:r>
-              <a:rPr lang="en-US" altLang="zh-CN" sz="2000" dirty="0" err="1"/>
-              <a:t>LocalControler</a:t>
-            </a:r>
-            <a:r>
-              <a:rPr lang="en-US" altLang="zh-CN" sz="2000" dirty="0"/>
-              <a:t>: </a:t>
-            </a:r>
-            <a:r>
-              <a:rPr lang="zh-CN" altLang="en-US" sz="2000" dirty="0"/>
-              <a:t>直接与玩家进行交互，获取玩家输入，通过</a:t>
-            </a:r>
-            <a:r>
-              <a:rPr lang="en-US" altLang="zh-CN" sz="2000" dirty="0" err="1"/>
-              <a:t>ControledBallManager</a:t>
-            </a:r>
-            <a:r>
-              <a:rPr lang="zh-CN" altLang="en-US" sz="2000" dirty="0"/>
-              <a:t>操控小球的移动、分裂</a:t>
-            </a:r>
+            <a:endParaRPr lang="en-US" altLang="zh-CN" dirty="0"/>
           </a:p>
         </p:txBody>
       </p:sp>
@@ -4271,7 +8850,7 @@
 </p:sld>
 </file>
 
-<file path=ppt/slides/slide5.xml><?xml version="1.0" encoding="utf-8"?>
+<file path=ppt/slides/slide6.xml><?xml version="1.0" encoding="utf-8"?>
 <p:sld xmlns:a="http://schemas.openxmlformats.org/drawingml/2006/main" xmlns:r="http://schemas.openxmlformats.org/officeDocument/2006/relationships" xmlns:p="http://schemas.openxmlformats.org/presentationml/2006/main">
   <p:cSld>
     <p:bg>
@@ -4418,12 +8997,37 @@
           <a:p>
             <a:r>
               <a:rPr lang="en-US" altLang="zh-CN" dirty="0" err="1"/>
-              <a:t>NetControler</a:t>
+              <a:t>NetData.h</a:t>
             </a:r>
             <a:r>
               <a:rPr lang="zh-CN" altLang="en-US" dirty="0"/>
-              <a:t>：通过网络端发送的指令控制小球的移动和分裂</a:t>
-            </a:r>
+              <a:t>：文件内定义了</a:t>
+            </a:r>
+            <a:r>
+              <a:rPr lang="en-US" altLang="zh-CN" dirty="0"/>
+              <a:t>Player</a:t>
+            </a:r>
+            <a:r>
+              <a:rPr lang="zh-CN" altLang="en-US" dirty="0"/>
+              <a:t>和</a:t>
+            </a:r>
+            <a:r>
+              <a:rPr lang="en-US" altLang="zh-CN" dirty="0" err="1"/>
+              <a:t>CommandImformation</a:t>
+            </a:r>
+            <a:r>
+              <a:rPr lang="zh-CN" altLang="en-US" dirty="0"/>
+              <a:t>两个</a:t>
+            </a:r>
+            <a:r>
+              <a:rPr lang="en-US" altLang="zh-CN" dirty="0"/>
+              <a:t>struct</a:t>
+            </a:r>
+            <a:r>
+              <a:rPr lang="zh-CN" altLang="en-US" dirty="0"/>
+              <a:t>储存玩家信息与传输的信息格式</a:t>
+            </a:r>
+            <a:endParaRPr lang="en-US" altLang="zh-CN" dirty="0"/>
           </a:p>
         </p:txBody>
       </p:sp>
@@ -4440,7 +9044,7 @@
 </p:sld>
 </file>
 
-<file path=ppt/slides/slide6.xml><?xml version="1.0" encoding="utf-8"?>
+<file path=ppt/slides/slide7.xml><?xml version="1.0" encoding="utf-8"?>
 <p:sld xmlns:a="http://schemas.openxmlformats.org/drawingml/2006/main" xmlns:r="http://schemas.openxmlformats.org/officeDocument/2006/relationships" xmlns:p="http://schemas.openxmlformats.org/presentationml/2006/main">
   <p:cSld>
     <p:bg>
@@ -4573,6 +9177,27 @@
           <a:p>
             <a:r>
               <a:rPr lang="zh-CN" altLang="en-US" dirty="0"/>
+              <a:t>定义了一套简单的指令集进行信息传输</a:t>
+            </a:r>
+            <a:endParaRPr lang="en-US" altLang="zh-CN" dirty="0"/>
+          </a:p>
+          <a:p>
+            <a:r>
+              <a:rPr lang="zh-CN" altLang="en-US" dirty="0"/>
+              <a:t>使用两个通信端口分别进行指令数据传输和聊天信息传输</a:t>
+            </a:r>
+            <a:endParaRPr lang="en-US" altLang="zh-CN" dirty="0"/>
+          </a:p>
+          <a:p>
+            <a:r>
+              <a:rPr lang="zh-CN" altLang="en-US" dirty="0"/>
+              <a:t>在服务端与客户端的连接上采用了异常处理，可以正常关闭服务端的连接函数以及正确处理客户端连接失败后的场景调控。</a:t>
+            </a:r>
+            <a:endParaRPr lang="en-US" altLang="zh-CN" dirty="0"/>
+          </a:p>
+          <a:p>
+            <a:r>
+              <a:rPr lang="zh-CN" altLang="en-US" dirty="0"/>
               <a:t>对</a:t>
             </a:r>
             <a:r>
@@ -4605,24 +9230,7 @@
             </a:r>
           </a:p>
           <a:p>
-            <a:r>
-              <a:rPr lang="zh-CN" altLang="en-US" dirty="0"/>
-              <a:t>定义了一套简单的指令集进行信息传输</a:t>
-            </a:r>
-            <a:endParaRPr lang="en-US" altLang="zh-CN" dirty="0"/>
-          </a:p>
-          <a:p>
-            <a:r>
-              <a:rPr lang="zh-CN" altLang="en-US" dirty="0"/>
-              <a:t>使用两个通信端口分别进行指令数据传输和聊天信息传输</a:t>
-            </a:r>
-            <a:endParaRPr lang="en-US" altLang="zh-CN" dirty="0"/>
-          </a:p>
-          <a:p>
-            <a:r>
-              <a:rPr lang="zh-CN" altLang="en-US" dirty="0"/>
-              <a:t>在服务端与客户端的连接上采用了异常处理，可以正常关闭服务端的连接函数以及正确处理客户端连接失败后的场景调控。</a:t>
-            </a:r>
+            <a:endParaRPr lang="zh-CN" altLang="en-US" dirty="0"/>
           </a:p>
         </p:txBody>
       </p:sp>
@@ -4639,7 +9247,7 @@
 </p:sld>
 </file>
 
-<file path=ppt/slides/slide7.xml><?xml version="1.0" encoding="utf-8"?>
+<file path=ppt/slides/slide8.xml><?xml version="1.0" encoding="utf-8"?>
 <p:sld xmlns:a="http://schemas.openxmlformats.org/drawingml/2006/main" xmlns:r="http://schemas.openxmlformats.org/officeDocument/2006/relationships" xmlns:p="http://schemas.openxmlformats.org/presentationml/2006/main">
   <p:cSld>
     <p:bg>
@@ -4781,131 +9389,6 @@
 </p:sld>
 </file>
 
-<file path=ppt/slides/slide8.xml><?xml version="1.0" encoding="utf-8"?>
-<p:sld xmlns:a="http://schemas.openxmlformats.org/drawingml/2006/main" xmlns:r="http://schemas.openxmlformats.org/officeDocument/2006/relationships" xmlns:p="http://schemas.openxmlformats.org/presentationml/2006/main">
-  <p:cSld>
-    <p:bg>
-      <p:bgPr>
-        <a:gradFill>
-          <a:gsLst>
-            <a:gs pos="0">
-              <a:schemeClr val="accent1">
-                <a:lumMod val="5000"/>
-                <a:lumOff val="95000"/>
-              </a:schemeClr>
-            </a:gs>
-            <a:gs pos="74000">
-              <a:schemeClr val="accent1">
-                <a:lumMod val="45000"/>
-                <a:lumOff val="55000"/>
-              </a:schemeClr>
-            </a:gs>
-            <a:gs pos="83000">
-              <a:schemeClr val="accent1">
-                <a:lumMod val="45000"/>
-                <a:lumOff val="55000"/>
-              </a:schemeClr>
-            </a:gs>
-            <a:gs pos="100000">
-              <a:schemeClr val="accent1">
-                <a:lumMod val="30000"/>
-                <a:lumOff val="70000"/>
-              </a:schemeClr>
-            </a:gs>
-          </a:gsLst>
-          <a:lin ang="5400000" scaled="1"/>
-        </a:gradFill>
-        <a:effectLst/>
-      </p:bgPr>
-    </p:bg>
-    <p:spTree>
-      <p:nvGrpSpPr>
-        <p:cNvPr id="1" name=""/>
-        <p:cNvGrpSpPr/>
-        <p:nvPr/>
-      </p:nvGrpSpPr>
-      <p:grpSpPr>
-        <a:xfrm>
-          <a:off x="0" y="0"/>
-          <a:ext cx="0" cy="0"/>
-          <a:chOff x="0" y="0"/>
-          <a:chExt cx="0" cy="0"/>
-        </a:xfrm>
-      </p:grpSpPr>
-      <p:sp>
-        <p:nvSpPr>
-          <p:cNvPr id="2" name="标题 1">
-            <a:extLst>
-              <a:ext uri="{FF2B5EF4-FFF2-40B4-BE49-F238E27FC236}">
-                <a16:creationId xmlns:a16="http://schemas.microsoft.com/office/drawing/2014/main" id="{66F0C2EB-731A-4310-B3B3-608D0662A16B}"/>
-              </a:ext>
-            </a:extLst>
-          </p:cNvPr>
-          <p:cNvSpPr>
-            <a:spLocks noGrp="1"/>
-          </p:cNvSpPr>
-          <p:nvPr>
-            <p:ph type="title"/>
-          </p:nvPr>
-        </p:nvSpPr>
-        <p:spPr/>
-        <p:txBody>
-          <a:bodyPr/>
-          <a:lstStyle/>
-          <a:p>
-            <a:r>
-              <a:rPr lang="zh-CN" altLang="en-US" dirty="0"/>
-              <a:t>场景</a:t>
-            </a:r>
-            <a:r>
-              <a:rPr lang="en-US" altLang="zh-CN" dirty="0"/>
-              <a:t>Class</a:t>
-            </a:r>
-            <a:r>
-              <a:rPr lang="zh-CN" altLang="en-US" dirty="0"/>
-              <a:t>设计</a:t>
-            </a:r>
-          </a:p>
-        </p:txBody>
-      </p:sp>
-      <p:sp>
-        <p:nvSpPr>
-          <p:cNvPr id="3" name="内容占位符 2">
-            <a:extLst>
-              <a:ext uri="{FF2B5EF4-FFF2-40B4-BE49-F238E27FC236}">
-                <a16:creationId xmlns:a16="http://schemas.microsoft.com/office/drawing/2014/main" id="{B79A2116-5B6B-454F-9C90-EEA2B38569A8}"/>
-              </a:ext>
-            </a:extLst>
-          </p:cNvPr>
-          <p:cNvSpPr>
-            <a:spLocks noGrp="1"/>
-          </p:cNvSpPr>
-          <p:nvPr>
-            <p:ph idx="1"/>
-          </p:nvPr>
-        </p:nvSpPr>
-        <p:spPr/>
-        <p:txBody>
-          <a:bodyPr/>
-          <a:lstStyle/>
-          <a:p>
-            <a:endParaRPr lang="zh-CN" altLang="en-US" dirty="0"/>
-          </a:p>
-        </p:txBody>
-      </p:sp>
-    </p:spTree>
-    <p:extLst>
-      <p:ext uri="{BB962C8B-B14F-4D97-AF65-F5344CB8AC3E}">
-        <p14:creationId xmlns:p14="http://schemas.microsoft.com/office/powerpoint/2010/main" val="3833432949"/>
-      </p:ext>
-    </p:extLst>
-  </p:cSld>
-  <p:clrMapOvr>
-    <a:masterClrMapping/>
-  </p:clrMapOvr>
-</p:sld>
-</file>
-
 <file path=ppt/slides/slide9.xml><?xml version="1.0" encoding="utf-8"?>
 <p:sld xmlns:a="http://schemas.openxmlformats.org/drawingml/2006/main" xmlns:r="http://schemas.openxmlformats.org/officeDocument/2006/relationships" xmlns:p="http://schemas.openxmlformats.org/presentationml/2006/main">
   <p:cSld>
@@ -4962,7 +9445,7 @@
           <p:cNvPr id="2" name="标题 1">
             <a:extLst>
               <a:ext uri="{FF2B5EF4-FFF2-40B4-BE49-F238E27FC236}">
-                <a16:creationId xmlns:a16="http://schemas.microsoft.com/office/drawing/2014/main" id="{F5B470EB-990C-490E-8C1B-586AF2136AA0}"/>
+                <a16:creationId xmlns:a16="http://schemas.microsoft.com/office/drawing/2014/main" id="{83D7FCDC-AC9A-40C5-A868-2F250D62A3D6}"/>
               </a:ext>
             </a:extLst>
           </p:cNvPr>
@@ -4979,16 +9462,12 @@
           <a:lstStyle/>
           <a:p>
             <a:r>
+              <a:rPr lang="en-US" altLang="zh-CN" dirty="0" err="1"/>
+              <a:t>Controler</a:t>
+            </a:r>
+            <a:r>
               <a:rPr lang="zh-CN" altLang="en-US" dirty="0"/>
-              <a:t>使用的</a:t>
-            </a:r>
-            <a:r>
-              <a:rPr lang="en-US" altLang="zh-CN" dirty="0"/>
-              <a:t>C++11</a:t>
-            </a:r>
-            <a:r>
-              <a:rPr lang="zh-CN" altLang="en-US" dirty="0"/>
-              <a:t>特性</a:t>
+              <a:t>类</a:t>
             </a:r>
           </a:p>
         </p:txBody>
@@ -4998,7 +9477,7 @@
           <p:cNvPr id="3" name="内容占位符 2">
             <a:extLst>
               <a:ext uri="{FF2B5EF4-FFF2-40B4-BE49-F238E27FC236}">
-                <a16:creationId xmlns:a16="http://schemas.microsoft.com/office/drawing/2014/main" id="{20E81262-B5A0-4967-829A-327094D7573A}"/>
+                <a16:creationId xmlns:a16="http://schemas.microsoft.com/office/drawing/2014/main" id="{4EF8A183-0581-4AEB-BA3C-636975099D3D}"/>
               </a:ext>
             </a:extLst>
           </p:cNvPr>
@@ -5011,46 +9490,138 @@
         </p:nvSpPr>
         <p:spPr/>
         <p:txBody>
-          <a:bodyPr/>
+          <a:bodyPr>
+            <a:normAutofit fontScale="92500" lnSpcReduction="20000"/>
+          </a:bodyPr>
           <a:lstStyle/>
           <a:p>
             <a:r>
               <a:rPr lang="zh-CN" altLang="en-US" dirty="0"/>
-              <a:t>初始化列表</a:t>
+              <a:t>对主游戏界面进行调控</a:t>
             </a:r>
             <a:endParaRPr lang="en-US" altLang="zh-CN" dirty="0"/>
           </a:p>
           <a:p>
             <a:r>
+              <a:rPr lang="en-US" altLang="zh-CN" b="1" dirty="0" err="1"/>
+              <a:t>LocalControler</a:t>
+            </a:r>
+            <a:r>
+              <a:rPr lang="en-US" altLang="zh-CN" b="1" dirty="0"/>
+              <a:t>: </a:t>
+            </a:r>
+          </a:p>
+          <a:p>
+            <a:r>
               <a:rPr lang="zh-CN" altLang="en-US" dirty="0"/>
-              <a:t>类型判断</a:t>
+              <a:t>直接与玩家进行交互，获取玩家输入，操控小球的移动、分裂</a:t>
+            </a:r>
+          </a:p>
+          <a:p>
+            <a:r>
+              <a:rPr lang="en-US" altLang="zh-CN" b="1" dirty="0" err="1"/>
+              <a:t>NetControler</a:t>
+            </a:r>
+            <a:r>
+              <a:rPr lang="zh-CN" altLang="en-US" b="1" dirty="0"/>
+              <a:t>：</a:t>
+            </a:r>
+            <a:endParaRPr lang="en-US" altLang="zh-CN" b="1" dirty="0"/>
+          </a:p>
+          <a:p>
+            <a:r>
+              <a:rPr lang="zh-CN" altLang="en-US" dirty="0"/>
+              <a:t>通过网络端发送的指令控制小球的移动和分裂</a:t>
+            </a:r>
+          </a:p>
+          <a:p>
+            <a:r>
+              <a:rPr lang="en-US" altLang="zh-CN" b="1" dirty="0" err="1"/>
+              <a:t>GameControler</a:t>
+            </a:r>
+            <a:r>
+              <a:rPr lang="zh-CN" altLang="en-US" b="1" dirty="0"/>
+              <a:t>：</a:t>
+            </a:r>
+            <a:endParaRPr lang="en-US" altLang="zh-CN" b="1" dirty="0"/>
+          </a:p>
+          <a:p>
+            <a:r>
+              <a:rPr lang="zh-CN" altLang="en-US" dirty="0"/>
+              <a:t>游戏主界面的主调控类，统合本地部分与网络部分</a:t>
             </a:r>
             <a:endParaRPr lang="en-US" altLang="zh-CN" dirty="0"/>
           </a:p>
           <a:p>
             <a:r>
               <a:rPr lang="zh-CN" altLang="en-US" dirty="0"/>
-              <a:t>智能指针</a:t>
+              <a:t>从</a:t>
+            </a:r>
+            <a:r>
+              <a:rPr lang="en-US" altLang="zh-CN" dirty="0"/>
+              <a:t>Server</a:t>
+            </a:r>
+            <a:r>
+              <a:rPr lang="zh-CN" altLang="en-US" dirty="0"/>
+              <a:t>或</a:t>
+            </a:r>
+            <a:r>
+              <a:rPr lang="en-US" altLang="zh-CN" dirty="0"/>
+              <a:t>Client</a:t>
+            </a:r>
+            <a:r>
+              <a:rPr lang="zh-CN" altLang="en-US" dirty="0"/>
+              <a:t>获取指令并处理，同时将本地数据交予</a:t>
+            </a:r>
+            <a:r>
+              <a:rPr lang="en-US" altLang="zh-CN" dirty="0"/>
+              <a:t>Server</a:t>
+            </a:r>
+            <a:r>
+              <a:rPr lang="zh-CN" altLang="en-US" dirty="0"/>
+              <a:t>或</a:t>
+            </a:r>
+            <a:r>
+              <a:rPr lang="en-US" altLang="zh-CN" dirty="0"/>
+              <a:t>Client</a:t>
+            </a:r>
+            <a:r>
+              <a:rPr lang="zh-CN" altLang="en-US" dirty="0"/>
+              <a:t>传输</a:t>
             </a:r>
             <a:endParaRPr lang="en-US" altLang="zh-CN" dirty="0"/>
           </a:p>
           <a:p>
             <a:r>
-              <a:rPr lang="en-US" altLang="zh-CN" dirty="0"/>
-              <a:t>Lambda</a:t>
-            </a:r>
-            <a:r>
               <a:rPr lang="zh-CN" altLang="en-US" dirty="0"/>
-              <a:t>表达式</a:t>
+              <a:t>实现地图随小球滚动</a:t>
             </a:r>
             <a:endParaRPr lang="en-US" altLang="zh-CN" dirty="0"/>
+          </a:p>
+          <a:p>
+            <a:r>
+              <a:rPr lang="zh-CN" altLang="en-US" dirty="0"/>
+              <a:t>吞噬和生成新球的操作都是在</a:t>
+            </a:r>
+            <a:r>
+              <a:rPr lang="en-US" altLang="zh-CN" dirty="0" err="1"/>
+              <a:t>GameControler</a:t>
+            </a:r>
+            <a:r>
+              <a:rPr lang="zh-CN" altLang="en-US" dirty="0"/>
+              <a:t>类中进行</a:t>
+            </a:r>
+            <a:endParaRPr lang="en-US" altLang="zh-CN" dirty="0"/>
+          </a:p>
+          <a:p>
+            <a:endParaRPr lang="zh-CN" altLang="en-US" dirty="0"/>
           </a:p>
         </p:txBody>
       </p:sp>
     </p:spTree>
     <p:extLst>
       <p:ext uri="{BB962C8B-B14F-4D97-AF65-F5344CB8AC3E}">
-        <p14:creationId xmlns:p14="http://schemas.microsoft.com/office/powerpoint/2010/main" val="3351691183"/>
+        <p14:creationId xmlns:p14="http://schemas.microsoft.com/office/powerpoint/2010/main" val="1206611988"/>
       </p:ext>
     </p:extLst>
   </p:cSld>
